--- a/presentation/ACCT 930 - Capstone - Copy.pptx
+++ b/presentation/ACCT 930 - Capstone - Copy.pptx
@@ -5,10 +5,10 @@
     <p:sldMasterId id="2147483688" r:id="rId1"/>
   </p:sldMasterIdLst>
   <p:notesMasterIdLst>
-    <p:notesMasterId r:id="rId40"/>
+    <p:notesMasterId r:id="rId43"/>
   </p:notesMasterIdLst>
   <p:handoutMasterIdLst>
-    <p:handoutMasterId r:id="rId41"/>
+    <p:handoutMasterId r:id="rId44"/>
   </p:handoutMasterIdLst>
   <p:sldIdLst>
     <p:sldId id="276" r:id="rId2"/>
@@ -24,31 +24,34 @@
     <p:sldId id="886" r:id="rId12"/>
     <p:sldId id="860" r:id="rId13"/>
     <p:sldId id="855" r:id="rId14"/>
-    <p:sldId id="856" r:id="rId15"/>
-    <p:sldId id="857" r:id="rId16"/>
-    <p:sldId id="863" r:id="rId17"/>
-    <p:sldId id="864" r:id="rId18"/>
-    <p:sldId id="866" r:id="rId19"/>
-    <p:sldId id="870" r:id="rId20"/>
-    <p:sldId id="878" r:id="rId21"/>
-    <p:sldId id="879" r:id="rId22"/>
-    <p:sldId id="887" r:id="rId23"/>
-    <p:sldId id="888" r:id="rId24"/>
-    <p:sldId id="869" r:id="rId25"/>
-    <p:sldId id="875" r:id="rId26"/>
-    <p:sldId id="880" r:id="rId27"/>
-    <p:sldId id="889" r:id="rId28"/>
-    <p:sldId id="867" r:id="rId29"/>
-    <p:sldId id="890" r:id="rId30"/>
-    <p:sldId id="891" r:id="rId31"/>
-    <p:sldId id="872" r:id="rId32"/>
-    <p:sldId id="892" r:id="rId33"/>
-    <p:sldId id="873" r:id="rId34"/>
-    <p:sldId id="874" r:id="rId35"/>
-    <p:sldId id="876" r:id="rId36"/>
-    <p:sldId id="861" r:id="rId37"/>
-    <p:sldId id="840" r:id="rId38"/>
-    <p:sldId id="799" r:id="rId39"/>
+    <p:sldId id="894" r:id="rId15"/>
+    <p:sldId id="895" r:id="rId16"/>
+    <p:sldId id="896" r:id="rId17"/>
+    <p:sldId id="856" r:id="rId18"/>
+    <p:sldId id="857" r:id="rId19"/>
+    <p:sldId id="863" r:id="rId20"/>
+    <p:sldId id="864" r:id="rId21"/>
+    <p:sldId id="866" r:id="rId22"/>
+    <p:sldId id="870" r:id="rId23"/>
+    <p:sldId id="878" r:id="rId24"/>
+    <p:sldId id="879" r:id="rId25"/>
+    <p:sldId id="887" r:id="rId26"/>
+    <p:sldId id="888" r:id="rId27"/>
+    <p:sldId id="869" r:id="rId28"/>
+    <p:sldId id="875" r:id="rId29"/>
+    <p:sldId id="880" r:id="rId30"/>
+    <p:sldId id="889" r:id="rId31"/>
+    <p:sldId id="867" r:id="rId32"/>
+    <p:sldId id="890" r:id="rId33"/>
+    <p:sldId id="891" r:id="rId34"/>
+    <p:sldId id="872" r:id="rId35"/>
+    <p:sldId id="892" r:id="rId36"/>
+    <p:sldId id="873" r:id="rId37"/>
+    <p:sldId id="874" r:id="rId38"/>
+    <p:sldId id="876" r:id="rId39"/>
+    <p:sldId id="861" r:id="rId40"/>
+    <p:sldId id="840" r:id="rId41"/>
+    <p:sldId id="799" r:id="rId42"/>
   </p:sldIdLst>
   <p:sldSz cx="9144000" cy="6858000" type="screen4x3"/>
   <p:notesSz cx="7010400" cy="9296400"/>
@@ -196,7 +199,7 @@
 <p1510:revInfo xmlns:a="http://schemas.openxmlformats.org/drawingml/2006/main" xmlns:r="http://schemas.openxmlformats.org/officeDocument/2006/relationships" xmlns:p1510="http://schemas.microsoft.com/office/powerpoint/2015/10/main">
   <p1510:revLst>
     <p1510:client id="{336E8488-87E0-4299-BB30-0CE31E4F25B1}" v="74" dt="2022-04-22T14:42:25.071"/>
-    <p1510:client id="{D0DF3531-389F-4D76-856E-0A0061FC0F74}" v="2" dt="2022-04-22T16:05:36.206"/>
+    <p1510:client id="{D0DF3531-389F-4D76-856E-0A0061FC0F74}" v="9" dt="2022-04-22T17:45:26.642"/>
   </p1510:revLst>
 </p1510:revInfo>
 </file>
@@ -2266,7 +2269,7 @@
   <pc:docChgLst>
     <pc:chgData name="Andrew Yeh" userId="05dc56987efa6a28" providerId="LiveId" clId="{D0DF3531-389F-4D76-856E-0A0061FC0F74}"/>
     <pc:docChg chg="undo custSel addSld delSld modSld sldOrd">
-      <pc:chgData name="Andrew Yeh" userId="05dc56987efa6a28" providerId="LiveId" clId="{D0DF3531-389F-4D76-856E-0A0061FC0F74}" dt="2022-04-22T16:07:34.822" v="70" actId="1076"/>
+      <pc:chgData name="Andrew Yeh" userId="05dc56987efa6a28" providerId="LiveId" clId="{D0DF3531-389F-4D76-856E-0A0061FC0F74}" dt="2022-04-22T17:45:35.342" v="223" actId="20577"/>
       <pc:docMkLst>
         <pc:docMk/>
       </pc:docMkLst>
@@ -2435,12 +2438,20 @@
           </ac:spMkLst>
         </pc:spChg>
       </pc:sldChg>
-      <pc:sldChg chg="add">
-        <pc:chgData name="Andrew Yeh" userId="05dc56987efa6a28" providerId="LiveId" clId="{D0DF3531-389F-4D76-856E-0A0061FC0F74}" dt="2022-04-22T16:03:51.022" v="0" actId="2890"/>
+      <pc:sldChg chg="modSp add mod">
+        <pc:chgData name="Andrew Yeh" userId="05dc56987efa6a28" providerId="LiveId" clId="{D0DF3531-389F-4D76-856E-0A0061FC0F74}" dt="2022-04-22T17:10:51.659" v="206" actId="207"/>
         <pc:sldMkLst>
           <pc:docMk/>
           <pc:sldMk cId="464961171" sldId="882"/>
         </pc:sldMkLst>
+        <pc:spChg chg="mod">
+          <ac:chgData name="Andrew Yeh" userId="05dc56987efa6a28" providerId="LiveId" clId="{D0DF3531-389F-4D76-856E-0A0061FC0F74}" dt="2022-04-22T17:10:51.659" v="206" actId="207"/>
+          <ac:spMkLst>
+            <pc:docMk/>
+            <pc:sldMk cId="464961171" sldId="882"/>
+            <ac:spMk id="19" creationId="{987CBD8E-2793-4873-A300-285159ED523B}"/>
+          </ac:spMkLst>
+        </pc:spChg>
       </pc:sldChg>
       <pc:sldChg chg="add">
         <pc:chgData name="Andrew Yeh" userId="05dc56987efa6a28" providerId="LiveId" clId="{D0DF3531-389F-4D76-856E-0A0061FC0F74}" dt="2022-04-22T16:04:05.048" v="2" actId="2890"/>
@@ -2756,6 +2767,122 @@
             <pc:docMk/>
             <pc:sldMk cId="3222552372" sldId="892"/>
             <ac:cxnSpMk id="22" creationId="{DEB6F22C-E342-453B-85DF-4020D5695A1C}"/>
+          </ac:cxnSpMkLst>
+        </pc:cxnChg>
+      </pc:sldChg>
+      <pc:sldChg chg="addSp modSp add del mod">
+        <pc:chgData name="Andrew Yeh" userId="05dc56987efa6a28" providerId="LiveId" clId="{D0DF3531-389F-4D76-856E-0A0061FC0F74}" dt="2022-04-22T16:32:48.810" v="203" actId="47"/>
+        <pc:sldMkLst>
+          <pc:docMk/>
+          <pc:sldMk cId="3270232718" sldId="893"/>
+        </pc:sldMkLst>
+        <pc:spChg chg="mod">
+          <ac:chgData name="Andrew Yeh" userId="05dc56987efa6a28" providerId="LiveId" clId="{D0DF3531-389F-4D76-856E-0A0061FC0F74}" dt="2022-04-22T16:31:25.255" v="88" actId="20577"/>
+          <ac:spMkLst>
+            <pc:docMk/>
+            <pc:sldMk cId="3270232718" sldId="893"/>
+            <ac:spMk id="2" creationId="{CA5A08BD-9A9F-44CB-8735-3E501BB09EBD}"/>
+          </ac:spMkLst>
+        </pc:spChg>
+        <pc:spChg chg="add mod">
+          <ac:chgData name="Andrew Yeh" userId="05dc56987efa6a28" providerId="LiveId" clId="{D0DF3531-389F-4D76-856E-0A0061FC0F74}" dt="2022-04-22T16:31:32.036" v="90" actId="571"/>
+          <ac:spMkLst>
+            <pc:docMk/>
+            <pc:sldMk cId="3270232718" sldId="893"/>
+            <ac:spMk id="14" creationId="{E5C58ED1-E010-4539-8520-EDFC0A7B37EC}"/>
+          </ac:spMkLst>
+        </pc:spChg>
+        <pc:spChg chg="add mod">
+          <ac:chgData name="Andrew Yeh" userId="05dc56987efa6a28" providerId="LiveId" clId="{D0DF3531-389F-4D76-856E-0A0061FC0F74}" dt="2022-04-22T16:32:08.244" v="104" actId="207"/>
+          <ac:spMkLst>
+            <pc:docMk/>
+            <pc:sldMk cId="3270232718" sldId="893"/>
+            <ac:spMk id="16" creationId="{C48FB2C6-93F1-4E33-A849-C5405C50D720}"/>
+          </ac:spMkLst>
+        </pc:spChg>
+        <pc:spChg chg="add mod">
+          <ac:chgData name="Andrew Yeh" userId="05dc56987efa6a28" providerId="LiveId" clId="{D0DF3531-389F-4D76-856E-0A0061FC0F74}" dt="2022-04-22T16:32:10.568" v="105" actId="207"/>
+          <ac:spMkLst>
+            <pc:docMk/>
+            <pc:sldMk cId="3270232718" sldId="893"/>
+            <ac:spMk id="20" creationId="{933D3D1D-F988-476F-9AF6-8FFE4571BB68}"/>
+          </ac:spMkLst>
+        </pc:spChg>
+        <pc:cxnChg chg="add mod">
+          <ac:chgData name="Andrew Yeh" userId="05dc56987efa6a28" providerId="LiveId" clId="{D0DF3531-389F-4D76-856E-0A0061FC0F74}" dt="2022-04-22T16:32:05.569" v="103" actId="1076"/>
+          <ac:cxnSpMkLst>
+            <pc:docMk/>
+            <pc:sldMk cId="3270232718" sldId="893"/>
+            <ac:cxnSpMk id="17" creationId="{0F5C4212-1145-4958-B8A5-EC4A192AE755}"/>
+          </ac:cxnSpMkLst>
+        </pc:cxnChg>
+        <pc:cxnChg chg="add mod">
+          <ac:chgData name="Andrew Yeh" userId="05dc56987efa6a28" providerId="LiveId" clId="{D0DF3531-389F-4D76-856E-0A0061FC0F74}" dt="2022-04-22T16:31:59.613" v="101" actId="14100"/>
+          <ac:cxnSpMkLst>
+            <pc:docMk/>
+            <pc:sldMk cId="3270232718" sldId="893"/>
+            <ac:cxnSpMk id="21" creationId="{CF7A8F11-2B74-4C6A-87E7-6DA283FC4BA6}"/>
+          </ac:cxnSpMkLst>
+        </pc:cxnChg>
+      </pc:sldChg>
+      <pc:sldChg chg="delSp modSp add mod">
+        <pc:chgData name="Andrew Yeh" userId="05dc56987efa6a28" providerId="LiveId" clId="{D0DF3531-389F-4D76-856E-0A0061FC0F74}" dt="2022-04-22T16:32:53.875" v="205" actId="478"/>
+        <pc:sldMkLst>
+          <pc:docMk/>
+          <pc:sldMk cId="1664804759" sldId="894"/>
+        </pc:sldMkLst>
+        <pc:spChg chg="del mod">
+          <ac:chgData name="Andrew Yeh" userId="05dc56987efa6a28" providerId="LiveId" clId="{D0DF3531-389F-4D76-856E-0A0061FC0F74}" dt="2022-04-22T16:32:52.278" v="204" actId="478"/>
+          <ac:spMkLst>
+            <pc:docMk/>
+            <pc:sldMk cId="1664804759" sldId="894"/>
+            <ac:spMk id="16" creationId="{C48FB2C6-93F1-4E33-A849-C5405C50D720}"/>
+          </ac:spMkLst>
+        </pc:spChg>
+        <pc:spChg chg="mod">
+          <ac:chgData name="Andrew Yeh" userId="05dc56987efa6a28" providerId="LiveId" clId="{D0DF3531-389F-4D76-856E-0A0061FC0F74}" dt="2022-04-22T16:32:42.864" v="201" actId="20577"/>
+          <ac:spMkLst>
+            <pc:docMk/>
+            <pc:sldMk cId="1664804759" sldId="894"/>
+            <ac:spMk id="20" creationId="{933D3D1D-F988-476F-9AF6-8FFE4571BB68}"/>
+          </ac:spMkLst>
+        </pc:spChg>
+        <pc:cxnChg chg="del mod">
+          <ac:chgData name="Andrew Yeh" userId="05dc56987efa6a28" providerId="LiveId" clId="{D0DF3531-389F-4D76-856E-0A0061FC0F74}" dt="2022-04-22T16:32:53.875" v="205" actId="478"/>
+          <ac:cxnSpMkLst>
+            <pc:docMk/>
+            <pc:sldMk cId="1664804759" sldId="894"/>
+            <ac:cxnSpMk id="17" creationId="{0F5C4212-1145-4958-B8A5-EC4A192AE755}"/>
+          </ac:cxnSpMkLst>
+        </pc:cxnChg>
+      </pc:sldChg>
+      <pc:sldChg chg="add">
+        <pc:chgData name="Andrew Yeh" userId="05dc56987efa6a28" providerId="LiveId" clId="{D0DF3531-389F-4D76-856E-0A0061FC0F74}" dt="2022-04-22T16:32:46.929" v="202" actId="2890"/>
+        <pc:sldMkLst>
+          <pc:docMk/>
+          <pc:sldMk cId="3488800412" sldId="895"/>
+        </pc:sldMkLst>
+      </pc:sldChg>
+      <pc:sldChg chg="addSp modSp add mod">
+        <pc:chgData name="Andrew Yeh" userId="05dc56987efa6a28" providerId="LiveId" clId="{D0DF3531-389F-4D76-856E-0A0061FC0F74}" dt="2022-04-22T17:45:35.342" v="223" actId="20577"/>
+        <pc:sldMkLst>
+          <pc:docMk/>
+          <pc:sldMk cId="42595993" sldId="896"/>
+        </pc:sldMkLst>
+        <pc:spChg chg="add mod">
+          <ac:chgData name="Andrew Yeh" userId="05dc56987efa6a28" providerId="LiveId" clId="{D0DF3531-389F-4D76-856E-0A0061FC0F74}" dt="2022-04-22T17:45:35.342" v="223" actId="20577"/>
+          <ac:spMkLst>
+            <pc:docMk/>
+            <pc:sldMk cId="42595993" sldId="896"/>
+            <ac:spMk id="18" creationId="{6731C73F-3644-486B-8E78-08AEB24825B8}"/>
+          </ac:spMkLst>
+        </pc:spChg>
+        <pc:cxnChg chg="add mod">
+          <ac:chgData name="Andrew Yeh" userId="05dc56987efa6a28" providerId="LiveId" clId="{D0DF3531-389F-4D76-856E-0A0061FC0F74}" dt="2022-04-22T17:45:32.067" v="211" actId="14100"/>
+          <ac:cxnSpMkLst>
+            <pc:docMk/>
+            <pc:sldMk cId="42595993" sldId="896"/>
+            <ac:cxnSpMk id="22" creationId="{0C6EED11-AA02-4BC4-8478-D55AE4C78630}"/>
           </ac:cxnSpMkLst>
         </pc:cxnChg>
       </pc:sldChg>
@@ -8886,7 +9013,7 @@
           <a:p>
             <a:r>
               <a:rPr lang="en-US" dirty="0"/>
-              <a:t>Problems with the Proposed Causal Chain</a:t>
+              <a:t>Literature Review</a:t>
             </a:r>
           </a:p>
         </p:txBody>
@@ -9335,10 +9462,10 @@
       </p:cxnSp>
       <p:sp>
         <p:nvSpPr>
-          <p:cNvPr id="3" name="Arrow: Curved Down 2">
-            <a:extLst>
-              <a:ext uri="{FF2B5EF4-FFF2-40B4-BE49-F238E27FC236}">
-                <a16:creationId xmlns:a16="http://schemas.microsoft.com/office/drawing/2014/main" id="{C8871FFE-5B22-497A-B253-5C09A0454D52}"/>
+          <p:cNvPr id="20" name="Rectangle 19">
+            <a:extLst>
+              <a:ext uri="{FF2B5EF4-FFF2-40B4-BE49-F238E27FC236}">
+                <a16:creationId xmlns:a16="http://schemas.microsoft.com/office/drawing/2014/main" id="{933D3D1D-F988-476F-9AF6-8FFE4571BB68}"/>
               </a:ext>
             </a:extLst>
           </p:cNvPr>
@@ -9347,14 +9474,14 @@
         </p:nvSpPr>
         <p:spPr>
           <a:xfrm>
-            <a:off x="2225038" y="2355787"/>
-            <a:ext cx="4328162" cy="762000"/>
-          </a:xfrm>
-          <a:prstGeom prst="curvedDownArrow">
+            <a:off x="3520440" y="4750632"/>
+            <a:ext cx="1981200" cy="762000"/>
+          </a:xfrm>
+          <a:prstGeom prst="rect">
             <a:avLst/>
           </a:prstGeom>
           <a:solidFill>
-            <a:schemeClr val="accent6"/>
+            <a:schemeClr val="accent2"/>
           </a:solidFill>
         </p:spPr>
         <p:style>
@@ -9378,107 +9505,40 @@
           <a:lstStyle/>
           <a:p>
             <a:pPr algn="ctr"/>
-            <a:endParaRPr lang="en-US">
-              <a:solidFill>
-                <a:schemeClr val="tx1"/>
-              </a:solidFill>
-            </a:endParaRPr>
-          </a:p>
-        </p:txBody>
-      </p:sp>
-      <p:sp>
-        <p:nvSpPr>
-          <p:cNvPr id="12" name="TextBox 11">
-            <a:extLst>
-              <a:ext uri="{FF2B5EF4-FFF2-40B4-BE49-F238E27FC236}">
-                <a16:creationId xmlns:a16="http://schemas.microsoft.com/office/drawing/2014/main" id="{E32D6E49-28AE-4CC9-8B18-8530C60D5964}"/>
-              </a:ext>
-            </a:extLst>
-          </p:cNvPr>
-          <p:cNvSpPr txBox="1"/>
-          <p:nvPr/>
-        </p:nvSpPr>
-        <p:spPr>
-          <a:xfrm>
-            <a:off x="3139440" y="1905000"/>
-            <a:ext cx="2270760" cy="369332"/>
-          </a:xfrm>
-          <a:prstGeom prst="rect">
-            <a:avLst/>
-          </a:prstGeom>
-          <a:noFill/>
-        </p:spPr>
-        <p:txBody>
-          <a:bodyPr wrap="square" rtlCol="0">
-            <a:spAutoFit/>
-          </a:bodyPr>
-          <a:lstStyle/>
-          <a:p>
             <a:r>
               <a:rPr lang="en-US" dirty="0"/>
-              <a:t>Omitted Variables?</a:t>
-            </a:r>
-          </a:p>
-        </p:txBody>
-      </p:sp>
-      <p:sp>
-        <p:nvSpPr>
-          <p:cNvPr id="16" name="TextBox 15">
-            <a:extLst>
-              <a:ext uri="{FF2B5EF4-FFF2-40B4-BE49-F238E27FC236}">
-                <a16:creationId xmlns:a16="http://schemas.microsoft.com/office/drawing/2014/main" id="{9FA08315-C6AF-460A-8220-A30B43E5A31A}"/>
-              </a:ext>
-            </a:extLst>
-          </p:cNvPr>
-          <p:cNvSpPr txBox="1"/>
-          <p:nvPr/>
-        </p:nvSpPr>
-        <p:spPr>
-          <a:xfrm>
-            <a:off x="2506981" y="4494326"/>
-            <a:ext cx="2270760" cy="369332"/>
-          </a:xfrm>
-          <a:prstGeom prst="rect">
-            <a:avLst/>
-          </a:prstGeom>
-          <a:noFill/>
-        </p:spPr>
-        <p:txBody>
-          <a:bodyPr wrap="square" rtlCol="0">
-            <a:spAutoFit/>
-          </a:bodyPr>
-          <a:lstStyle/>
-          <a:p>
-            <a:pPr algn="ctr"/>
-            <a:r>
-              <a:rPr lang="en-US" dirty="0"/>
-              <a:t>Fuzzy RDD?</a:t>
+              <a:t>Corporate CSR</a:t>
             </a:r>
           </a:p>
         </p:txBody>
       </p:sp>
       <p:cxnSp>
         <p:nvCxnSpPr>
-          <p:cNvPr id="17" name="Straight Connector 16">
-            <a:extLst>
-              <a:ext uri="{FF2B5EF4-FFF2-40B4-BE49-F238E27FC236}">
-                <a16:creationId xmlns:a16="http://schemas.microsoft.com/office/drawing/2014/main" id="{DA98432F-FD1C-496B-B076-041974D6C9D5}"/>
+          <p:cNvPr id="21" name="Straight Arrow Connector 20">
+            <a:extLst>
+              <a:ext uri="{FF2B5EF4-FFF2-40B4-BE49-F238E27FC236}">
+                <a16:creationId xmlns:a16="http://schemas.microsoft.com/office/drawing/2014/main" id="{CF7A8F11-2B74-4C6A-87E7-6DA283FC4BA6}"/>
               </a:ext>
             </a:extLst>
           </p:cNvPr>
           <p:cNvCxnSpPr>
-            <a:endCxn id="16" idx="0"/>
+            <a:cxnSpLocks/>
+            <a:stCxn id="6" idx="2"/>
+            <a:endCxn id="20" idx="0"/>
           </p:cNvCxnSpPr>
           <p:nvPr/>
         </p:nvCxnSpPr>
         <p:spPr>
           <a:xfrm>
-            <a:off x="3329940" y="3703240"/>
-            <a:ext cx="312421" cy="791086"/>
-          </a:xfrm>
-          <a:prstGeom prst="line">
-            <a:avLst/>
-          </a:prstGeom>
+            <a:off x="4511040" y="4028823"/>
+            <a:ext cx="0" cy="721809"/>
+          </a:xfrm>
+          <a:prstGeom prst="straightConnector1">
+            <a:avLst/>
+          </a:prstGeom>
+          <a:ln>
+            <a:tailEnd type="triangle"/>
+          </a:ln>
         </p:spPr>
         <p:style>
           <a:lnRef idx="1">
@@ -9498,7 +9558,7 @@
     </p:spTree>
     <p:extLst>
       <p:ext uri="{BB962C8B-B14F-4D97-AF65-F5344CB8AC3E}">
-        <p14:creationId xmlns:p14="http://schemas.microsoft.com/office/powerpoint/2010/main" val="4121776293"/>
+        <p14:creationId xmlns:p14="http://schemas.microsoft.com/office/powerpoint/2010/main" val="1664804759"/>
       </p:ext>
     </p:extLst>
   </p:cSld>
@@ -9548,7 +9608,7 @@
           <a:p>
             <a:r>
               <a:rPr lang="en-US" dirty="0"/>
-              <a:t>Focus of Project</a:t>
+              <a:t>Literature Review</a:t>
             </a:r>
           </a:p>
         </p:txBody>
@@ -9997,10 +10057,10 @@
       </p:cxnSp>
       <p:sp>
         <p:nvSpPr>
-          <p:cNvPr id="3" name="Arrow: Curved Down 2">
-            <a:extLst>
-              <a:ext uri="{FF2B5EF4-FFF2-40B4-BE49-F238E27FC236}">
-                <a16:creationId xmlns:a16="http://schemas.microsoft.com/office/drawing/2014/main" id="{C8871FFE-5B22-497A-B253-5C09A0454D52}"/>
+          <p:cNvPr id="16" name="Rectangle 15">
+            <a:extLst>
+              <a:ext uri="{FF2B5EF4-FFF2-40B4-BE49-F238E27FC236}">
+                <a16:creationId xmlns:a16="http://schemas.microsoft.com/office/drawing/2014/main" id="{C48FB2C6-93F1-4E33-A849-C5405C50D720}"/>
               </a:ext>
             </a:extLst>
           </p:cNvPr>
@@ -10009,14 +10069,14 @@
         </p:nvSpPr>
         <p:spPr>
           <a:xfrm>
-            <a:off x="2225038" y="2355787"/>
-            <a:ext cx="4328162" cy="762000"/>
-          </a:xfrm>
-          <a:prstGeom prst="curvedDownArrow">
+            <a:off x="3581400" y="1556960"/>
+            <a:ext cx="1981200" cy="1006059"/>
+          </a:xfrm>
+          <a:prstGeom prst="rect">
             <a:avLst/>
           </a:prstGeom>
           <a:solidFill>
-            <a:srgbClr val="00B050"/>
+            <a:schemeClr val="accent2"/>
           </a:solidFill>
         </p:spPr>
         <p:style>
@@ -10040,20 +10100,62 @@
           <a:lstStyle/>
           <a:p>
             <a:pPr algn="ctr"/>
-            <a:endParaRPr lang="en-US">
-              <a:solidFill>
-                <a:schemeClr val="tx1"/>
-              </a:solidFill>
-            </a:endParaRPr>
-          </a:p>
-        </p:txBody>
-      </p:sp>
-      <p:sp>
-        <p:nvSpPr>
-          <p:cNvPr id="10" name="Multiplication Sign 9">
-            <a:extLst>
-              <a:ext uri="{FF2B5EF4-FFF2-40B4-BE49-F238E27FC236}">
-                <a16:creationId xmlns:a16="http://schemas.microsoft.com/office/drawing/2014/main" id="{DD2FF0BC-059B-40D4-8363-E29B28AB76F2}"/>
+            <a:r>
+              <a:rPr lang="en-US" dirty="0"/>
+              <a:t>Agency conflicts, e.g. monitoring costs</a:t>
+            </a:r>
+          </a:p>
+        </p:txBody>
+      </p:sp>
+      <p:cxnSp>
+        <p:nvCxnSpPr>
+          <p:cNvPr id="17" name="Straight Arrow Connector 16">
+            <a:extLst>
+              <a:ext uri="{FF2B5EF4-FFF2-40B4-BE49-F238E27FC236}">
+                <a16:creationId xmlns:a16="http://schemas.microsoft.com/office/drawing/2014/main" id="{0F5C4212-1145-4958-B8A5-EC4A192AE755}"/>
+              </a:ext>
+            </a:extLst>
+          </p:cNvPr>
+          <p:cNvCxnSpPr>
+            <a:cxnSpLocks/>
+            <a:stCxn id="6" idx="0"/>
+            <a:endCxn id="16" idx="2"/>
+          </p:cNvCxnSpPr>
+          <p:nvPr/>
+        </p:nvCxnSpPr>
+        <p:spPr>
+          <a:xfrm flipV="1">
+            <a:off x="4511040" y="2563019"/>
+            <a:ext cx="60960" cy="703804"/>
+          </a:xfrm>
+          <a:prstGeom prst="straightConnector1">
+            <a:avLst/>
+          </a:prstGeom>
+          <a:ln>
+            <a:tailEnd type="triangle"/>
+          </a:ln>
+        </p:spPr>
+        <p:style>
+          <a:lnRef idx="1">
+            <a:schemeClr val="accent1"/>
+          </a:lnRef>
+          <a:fillRef idx="0">
+            <a:schemeClr val="accent1"/>
+          </a:fillRef>
+          <a:effectRef idx="0">
+            <a:schemeClr val="accent1"/>
+          </a:effectRef>
+          <a:fontRef idx="minor">
+            <a:schemeClr val="tx1"/>
+          </a:fontRef>
+        </p:style>
+      </p:cxnSp>
+      <p:sp>
+        <p:nvSpPr>
+          <p:cNvPr id="20" name="Rectangle 19">
+            <a:extLst>
+              <a:ext uri="{FF2B5EF4-FFF2-40B4-BE49-F238E27FC236}">
+                <a16:creationId xmlns:a16="http://schemas.microsoft.com/office/drawing/2014/main" id="{933D3D1D-F988-476F-9AF6-8FFE4571BB68}"/>
               </a:ext>
             </a:extLst>
           </p:cNvPr>
@@ -10062,16 +10164,14 @@
         </p:nvSpPr>
         <p:spPr>
           <a:xfrm>
-            <a:off x="3627120" y="2675254"/>
-            <a:ext cx="1788160" cy="1964694"/>
-          </a:xfrm>
-          <a:prstGeom prst="mathMultiply">
-            <a:avLst>
-              <a:gd name="adj1" fmla="val 14429"/>
-            </a:avLst>
+            <a:off x="3520440" y="4750632"/>
+            <a:ext cx="1981200" cy="762000"/>
+          </a:xfrm>
+          <a:prstGeom prst="rect">
+            <a:avLst/>
           </a:prstGeom>
           <a:solidFill>
-            <a:srgbClr val="FF0000"/>
+            <a:schemeClr val="accent2"/>
           </a:solidFill>
         </p:spPr>
         <p:style>
@@ -10095,84 +10195,60 @@
           <a:lstStyle/>
           <a:p>
             <a:pPr algn="ctr"/>
-            <a:endParaRPr lang="en-US"/>
-          </a:p>
-        </p:txBody>
-      </p:sp>
-      <p:sp>
-        <p:nvSpPr>
-          <p:cNvPr id="12" name="TextBox 11">
-            <a:extLst>
-              <a:ext uri="{FF2B5EF4-FFF2-40B4-BE49-F238E27FC236}">
-                <a16:creationId xmlns:a16="http://schemas.microsoft.com/office/drawing/2014/main" id="{F75C5292-B2CF-4FC4-B553-B485E2E59526}"/>
-              </a:ext>
-            </a:extLst>
-          </p:cNvPr>
-          <p:cNvSpPr txBox="1"/>
-          <p:nvPr/>
-        </p:nvSpPr>
-        <p:spPr>
-          <a:xfrm>
-            <a:off x="3726180" y="2077806"/>
-            <a:ext cx="1889760" cy="646331"/>
-          </a:xfrm>
-          <a:prstGeom prst="rect">
-            <a:avLst/>
-          </a:prstGeom>
-          <a:noFill/>
-        </p:spPr>
-        <p:txBody>
-          <a:bodyPr wrap="square" rtlCol="0">
-            <a:spAutoFit/>
-          </a:bodyPr>
-          <a:lstStyle/>
-          <a:p>
             <a:r>
               <a:rPr lang="en-US" dirty="0"/>
-              <a:t>Focus on the direct connection</a:t>
-            </a:r>
-          </a:p>
-        </p:txBody>
-      </p:sp>
-      <p:sp>
-        <p:nvSpPr>
-          <p:cNvPr id="14" name="TextBox 13">
-            <a:extLst>
-              <a:ext uri="{FF2B5EF4-FFF2-40B4-BE49-F238E27FC236}">
-                <a16:creationId xmlns:a16="http://schemas.microsoft.com/office/drawing/2014/main" id="{F8144B95-4187-466E-A154-D6B74C64A0F3}"/>
-              </a:ext>
-            </a:extLst>
-          </p:cNvPr>
-          <p:cNvSpPr txBox="1"/>
-          <p:nvPr/>
-        </p:nvSpPr>
-        <p:spPr>
-          <a:xfrm>
-            <a:off x="685800" y="5536808"/>
-            <a:ext cx="7315200" cy="369332"/>
-          </a:xfrm>
-          <a:prstGeom prst="rect">
-            <a:avLst/>
-          </a:prstGeom>
-          <a:noFill/>
-        </p:spPr>
-        <p:txBody>
-          <a:bodyPr wrap="square" rtlCol="0">
-            <a:spAutoFit/>
-          </a:bodyPr>
-          <a:lstStyle/>
-          <a:p>
-            <a:r>
-              <a:rPr lang="en-US" dirty="0"/>
-              <a:t>Before addressing the whole extent of his conclusions, verify one part of it.</a:t>
-            </a:r>
-          </a:p>
-        </p:txBody>
-      </p:sp>
+              <a:t>Corporate CSR</a:t>
+            </a:r>
+          </a:p>
+        </p:txBody>
+      </p:sp>
+      <p:cxnSp>
+        <p:nvCxnSpPr>
+          <p:cNvPr id="21" name="Straight Arrow Connector 20">
+            <a:extLst>
+              <a:ext uri="{FF2B5EF4-FFF2-40B4-BE49-F238E27FC236}">
+                <a16:creationId xmlns:a16="http://schemas.microsoft.com/office/drawing/2014/main" id="{CF7A8F11-2B74-4C6A-87E7-6DA283FC4BA6}"/>
+              </a:ext>
+            </a:extLst>
+          </p:cNvPr>
+          <p:cNvCxnSpPr>
+            <a:cxnSpLocks/>
+            <a:stCxn id="6" idx="2"/>
+            <a:endCxn id="20" idx="0"/>
+          </p:cNvCxnSpPr>
+          <p:nvPr/>
+        </p:nvCxnSpPr>
+        <p:spPr>
+          <a:xfrm>
+            <a:off x="4511040" y="4028823"/>
+            <a:ext cx="0" cy="721809"/>
+          </a:xfrm>
+          <a:prstGeom prst="straightConnector1">
+            <a:avLst/>
+          </a:prstGeom>
+          <a:ln>
+            <a:tailEnd type="triangle"/>
+          </a:ln>
+        </p:spPr>
+        <p:style>
+          <a:lnRef idx="1">
+            <a:schemeClr val="accent1"/>
+          </a:lnRef>
+          <a:fillRef idx="0">
+            <a:schemeClr val="accent1"/>
+          </a:fillRef>
+          <a:effectRef idx="0">
+            <a:schemeClr val="accent1"/>
+          </a:effectRef>
+          <a:fontRef idx="minor">
+            <a:schemeClr val="tx1"/>
+          </a:fontRef>
+        </p:style>
+      </p:cxnSp>
     </p:spTree>
     <p:extLst>
       <p:ext uri="{BB962C8B-B14F-4D97-AF65-F5344CB8AC3E}">
-        <p14:creationId xmlns:p14="http://schemas.microsoft.com/office/powerpoint/2010/main" val="326921741"/>
+        <p14:creationId xmlns:p14="http://schemas.microsoft.com/office/powerpoint/2010/main" val="3488800412"/>
       </p:ext>
     </p:extLst>
   </p:cSld>
@@ -10222,7 +10298,7 @@
           <a:p>
             <a:r>
               <a:rPr lang="en-US" dirty="0"/>
-              <a:t>Focus of Project</a:t>
+              <a:t>Literature Review</a:t>
             </a:r>
           </a:p>
         </p:txBody>
@@ -10671,10 +10747,10 @@
       </p:cxnSp>
       <p:sp>
         <p:nvSpPr>
-          <p:cNvPr id="3" name="Arrow: Curved Down 2">
-            <a:extLst>
-              <a:ext uri="{FF2B5EF4-FFF2-40B4-BE49-F238E27FC236}">
-                <a16:creationId xmlns:a16="http://schemas.microsoft.com/office/drawing/2014/main" id="{C8871FFE-5B22-497A-B253-5C09A0454D52}"/>
+          <p:cNvPr id="16" name="Rectangle 15">
+            <a:extLst>
+              <a:ext uri="{FF2B5EF4-FFF2-40B4-BE49-F238E27FC236}">
+                <a16:creationId xmlns:a16="http://schemas.microsoft.com/office/drawing/2014/main" id="{C48FB2C6-93F1-4E33-A849-C5405C50D720}"/>
               </a:ext>
             </a:extLst>
           </p:cNvPr>
@@ -10683,14 +10759,14 @@
         </p:nvSpPr>
         <p:spPr>
           <a:xfrm>
-            <a:off x="2225038" y="2355787"/>
-            <a:ext cx="4328162" cy="762000"/>
-          </a:xfrm>
-          <a:prstGeom prst="curvedDownArrow">
+            <a:off x="3581400" y="1556960"/>
+            <a:ext cx="1981200" cy="1006059"/>
+          </a:xfrm>
+          <a:prstGeom prst="rect">
             <a:avLst/>
           </a:prstGeom>
           <a:solidFill>
-            <a:srgbClr val="00B050"/>
+            <a:schemeClr val="accent2"/>
           </a:solidFill>
         </p:spPr>
         <p:style>
@@ -10714,71 +10790,79 @@
           <a:lstStyle/>
           <a:p>
             <a:pPr algn="ctr"/>
-            <a:endParaRPr lang="en-US">
-              <a:solidFill>
-                <a:schemeClr val="tx1"/>
-              </a:solidFill>
-            </a:endParaRPr>
-          </a:p>
-        </p:txBody>
-      </p:sp>
-      <p:sp>
-        <p:nvSpPr>
-          <p:cNvPr id="14" name="TextBox 13">
-            <a:extLst>
-              <a:ext uri="{FF2B5EF4-FFF2-40B4-BE49-F238E27FC236}">
-                <a16:creationId xmlns:a16="http://schemas.microsoft.com/office/drawing/2014/main" id="{F8144B95-4187-466E-A154-D6B74C64A0F3}"/>
-              </a:ext>
-            </a:extLst>
-          </p:cNvPr>
-          <p:cNvSpPr txBox="1"/>
-          <p:nvPr/>
-        </p:nvSpPr>
-        <p:spPr>
-          <a:xfrm>
-            <a:off x="685800" y="5536808"/>
-            <a:ext cx="7315200" cy="369332"/>
+            <a:r>
+              <a:rPr lang="en-US" dirty="0"/>
+              <a:t>Agency conflicts, e.g. monitoring costs</a:t>
+            </a:r>
+          </a:p>
+        </p:txBody>
+      </p:sp>
+      <p:cxnSp>
+        <p:nvCxnSpPr>
+          <p:cNvPr id="17" name="Straight Arrow Connector 16">
+            <a:extLst>
+              <a:ext uri="{FF2B5EF4-FFF2-40B4-BE49-F238E27FC236}">
+                <a16:creationId xmlns:a16="http://schemas.microsoft.com/office/drawing/2014/main" id="{0F5C4212-1145-4958-B8A5-EC4A192AE755}"/>
+              </a:ext>
+            </a:extLst>
+          </p:cNvPr>
+          <p:cNvCxnSpPr>
+            <a:cxnSpLocks/>
+            <a:stCxn id="6" idx="0"/>
+            <a:endCxn id="16" idx="2"/>
+          </p:cNvCxnSpPr>
+          <p:nvPr/>
+        </p:nvCxnSpPr>
+        <p:spPr>
+          <a:xfrm flipV="1">
+            <a:off x="4511040" y="2563019"/>
+            <a:ext cx="60960" cy="703804"/>
+          </a:xfrm>
+          <a:prstGeom prst="straightConnector1">
+            <a:avLst/>
+          </a:prstGeom>
+          <a:ln>
+            <a:tailEnd type="triangle"/>
+          </a:ln>
+        </p:spPr>
+        <p:style>
+          <a:lnRef idx="1">
+            <a:schemeClr val="accent1"/>
+          </a:lnRef>
+          <a:fillRef idx="0">
+            <a:schemeClr val="accent1"/>
+          </a:fillRef>
+          <a:effectRef idx="0">
+            <a:schemeClr val="accent1"/>
+          </a:effectRef>
+          <a:fontRef idx="minor">
+            <a:schemeClr val="tx1"/>
+          </a:fontRef>
+        </p:style>
+      </p:cxnSp>
+      <p:sp>
+        <p:nvSpPr>
+          <p:cNvPr id="20" name="Rectangle 19">
+            <a:extLst>
+              <a:ext uri="{FF2B5EF4-FFF2-40B4-BE49-F238E27FC236}">
+                <a16:creationId xmlns:a16="http://schemas.microsoft.com/office/drawing/2014/main" id="{933D3D1D-F988-476F-9AF6-8FFE4571BB68}"/>
+              </a:ext>
+            </a:extLst>
+          </p:cNvPr>
+          <p:cNvSpPr/>
+          <p:nvPr/>
+        </p:nvSpPr>
+        <p:spPr>
+          <a:xfrm>
+            <a:off x="3520440" y="4750632"/>
+            <a:ext cx="1981200" cy="762000"/>
           </a:xfrm>
           <a:prstGeom prst="rect">
             <a:avLst/>
           </a:prstGeom>
-          <a:noFill/>
-        </p:spPr>
-        <p:txBody>
-          <a:bodyPr wrap="square" rtlCol="0">
-            <a:spAutoFit/>
-          </a:bodyPr>
-          <a:lstStyle/>
-          <a:p>
-            <a:r>
-              <a:rPr lang="en-US" dirty="0"/>
-              <a:t>Because if this doesn’t hold, the whole story falls apart.</a:t>
-            </a:r>
-          </a:p>
-        </p:txBody>
-      </p:sp>
-      <p:sp>
-        <p:nvSpPr>
-          <p:cNvPr id="16" name="Action Button: Help 15">
-            <a:hlinkClick r:id="" action="ppaction://noaction" highlightClick="1"/>
-            <a:extLst>
-              <a:ext uri="{FF2B5EF4-FFF2-40B4-BE49-F238E27FC236}">
-                <a16:creationId xmlns:a16="http://schemas.microsoft.com/office/drawing/2014/main" id="{40117432-7F3E-4265-8356-235A7A98F2C2}"/>
-              </a:ext>
-            </a:extLst>
-          </p:cNvPr>
-          <p:cNvSpPr/>
-          <p:nvPr/>
-        </p:nvSpPr>
-        <p:spPr>
-          <a:xfrm>
-            <a:off x="3886200" y="1972557"/>
-            <a:ext cx="838200" cy="762000"/>
-          </a:xfrm>
-          <a:prstGeom prst="actionButtonHelp">
-            <a:avLst/>
-          </a:prstGeom>
-          <a:noFill/>
+          <a:solidFill>
+            <a:schemeClr val="accent2"/>
+          </a:solidFill>
         </p:spPr>
         <p:style>
           <a:lnRef idx="2">
@@ -10801,14 +10885,156 @@
           <a:lstStyle/>
           <a:p>
             <a:pPr algn="ctr"/>
-            <a:endParaRPr lang="en-US"/>
-          </a:p>
-        </p:txBody>
-      </p:sp>
+            <a:r>
+              <a:rPr lang="en-US" dirty="0"/>
+              <a:t>Corporate CSR</a:t>
+            </a:r>
+          </a:p>
+        </p:txBody>
+      </p:sp>
+      <p:cxnSp>
+        <p:nvCxnSpPr>
+          <p:cNvPr id="21" name="Straight Arrow Connector 20">
+            <a:extLst>
+              <a:ext uri="{FF2B5EF4-FFF2-40B4-BE49-F238E27FC236}">
+                <a16:creationId xmlns:a16="http://schemas.microsoft.com/office/drawing/2014/main" id="{CF7A8F11-2B74-4C6A-87E7-6DA283FC4BA6}"/>
+              </a:ext>
+            </a:extLst>
+          </p:cNvPr>
+          <p:cNvCxnSpPr>
+            <a:cxnSpLocks/>
+            <a:stCxn id="6" idx="2"/>
+            <a:endCxn id="20" idx="0"/>
+          </p:cNvCxnSpPr>
+          <p:nvPr/>
+        </p:nvCxnSpPr>
+        <p:spPr>
+          <a:xfrm>
+            <a:off x="4511040" y="4028823"/>
+            <a:ext cx="0" cy="721809"/>
+          </a:xfrm>
+          <a:prstGeom prst="straightConnector1">
+            <a:avLst/>
+          </a:prstGeom>
+          <a:ln>
+            <a:tailEnd type="triangle"/>
+          </a:ln>
+        </p:spPr>
+        <p:style>
+          <a:lnRef idx="1">
+            <a:schemeClr val="accent1"/>
+          </a:lnRef>
+          <a:fillRef idx="0">
+            <a:schemeClr val="accent1"/>
+          </a:fillRef>
+          <a:effectRef idx="0">
+            <a:schemeClr val="accent1"/>
+          </a:effectRef>
+          <a:fontRef idx="minor">
+            <a:schemeClr val="tx1"/>
+          </a:fontRef>
+        </p:style>
+      </p:cxnSp>
+      <p:sp>
+        <p:nvSpPr>
+          <p:cNvPr id="18" name="Rectangle 17">
+            <a:extLst>
+              <a:ext uri="{FF2B5EF4-FFF2-40B4-BE49-F238E27FC236}">
+                <a16:creationId xmlns:a16="http://schemas.microsoft.com/office/drawing/2014/main" id="{6731C73F-3644-486B-8E78-08AEB24825B8}"/>
+              </a:ext>
+            </a:extLst>
+          </p:cNvPr>
+          <p:cNvSpPr/>
+          <p:nvPr/>
+        </p:nvSpPr>
+        <p:spPr>
+          <a:xfrm>
+            <a:off x="1117600" y="4765872"/>
+            <a:ext cx="1981200" cy="762000"/>
+          </a:xfrm>
+          <a:prstGeom prst="rect">
+            <a:avLst/>
+          </a:prstGeom>
+          <a:solidFill>
+            <a:schemeClr val="accent2"/>
+          </a:solidFill>
+        </p:spPr>
+        <p:style>
+          <a:lnRef idx="2">
+            <a:schemeClr val="accent1">
+              <a:shade val="50000"/>
+            </a:schemeClr>
+          </a:lnRef>
+          <a:fillRef idx="1">
+            <a:schemeClr val="accent1"/>
+          </a:fillRef>
+          <a:effectRef idx="0">
+            <a:schemeClr val="accent1"/>
+          </a:effectRef>
+          <a:fontRef idx="minor">
+            <a:schemeClr val="lt1"/>
+          </a:fontRef>
+        </p:style>
+        <p:txBody>
+          <a:bodyPr rtlCol="0" anchor="ctr"/>
+          <a:lstStyle/>
+          <a:p>
+            <a:pPr algn="ctr"/>
+            <a:r>
+              <a:rPr lang="en-US"/>
+              <a:t>Tax planning</a:t>
+            </a:r>
+            <a:endParaRPr lang="en-US" dirty="0"/>
+          </a:p>
+        </p:txBody>
+      </p:sp>
+      <p:cxnSp>
+        <p:nvCxnSpPr>
+          <p:cNvPr id="22" name="Straight Arrow Connector 21">
+            <a:extLst>
+              <a:ext uri="{FF2B5EF4-FFF2-40B4-BE49-F238E27FC236}">
+                <a16:creationId xmlns:a16="http://schemas.microsoft.com/office/drawing/2014/main" id="{0C6EED11-AA02-4BC4-8478-D55AE4C78630}"/>
+              </a:ext>
+            </a:extLst>
+          </p:cNvPr>
+          <p:cNvCxnSpPr>
+            <a:cxnSpLocks/>
+            <a:stCxn id="6" idx="2"/>
+            <a:endCxn id="18" idx="0"/>
+          </p:cNvCxnSpPr>
+          <p:nvPr/>
+        </p:nvCxnSpPr>
+        <p:spPr>
+          <a:xfrm flipH="1">
+            <a:off x="2108200" y="4028823"/>
+            <a:ext cx="2402840" cy="737049"/>
+          </a:xfrm>
+          <a:prstGeom prst="straightConnector1">
+            <a:avLst/>
+          </a:prstGeom>
+          <a:ln>
+            <a:tailEnd type="triangle"/>
+          </a:ln>
+        </p:spPr>
+        <p:style>
+          <a:lnRef idx="1">
+            <a:schemeClr val="accent1"/>
+          </a:lnRef>
+          <a:fillRef idx="0">
+            <a:schemeClr val="accent1"/>
+          </a:fillRef>
+          <a:effectRef idx="0">
+            <a:schemeClr val="accent1"/>
+          </a:effectRef>
+          <a:fontRef idx="minor">
+            <a:schemeClr val="tx1"/>
+          </a:fontRef>
+        </p:style>
+      </p:cxnSp>
     </p:spTree>
     <p:extLst>
       <p:ext uri="{BB962C8B-B14F-4D97-AF65-F5344CB8AC3E}">
-        <p14:creationId xmlns:p14="http://schemas.microsoft.com/office/powerpoint/2010/main" val="934236640"/>
+        <p14:creationId xmlns:p14="http://schemas.microsoft.com/office/powerpoint/2010/main" val="42595993"/>
       </p:ext>
     </p:extLst>
   </p:cSld>
@@ -10837,6 +11063,2144 @@
       </p:grpSpPr>
       <p:sp>
         <p:nvSpPr>
+          <p:cNvPr id="2" name="Title 1">
+            <a:extLst>
+              <a:ext uri="{FF2B5EF4-FFF2-40B4-BE49-F238E27FC236}">
+                <a16:creationId xmlns:a16="http://schemas.microsoft.com/office/drawing/2014/main" id="{CA5A08BD-9A9F-44CB-8735-3E501BB09EBD}"/>
+              </a:ext>
+            </a:extLst>
+          </p:cNvPr>
+          <p:cNvSpPr>
+            <a:spLocks noGrp="1"/>
+          </p:cNvSpPr>
+          <p:nvPr>
+            <p:ph type="title"/>
+          </p:nvPr>
+        </p:nvSpPr>
+        <p:spPr/>
+        <p:txBody>
+          <a:bodyPr/>
+          <a:lstStyle/>
+          <a:p>
+            <a:r>
+              <a:rPr lang="en-US" dirty="0"/>
+              <a:t>Problems with the Proposed Causal Chain</a:t>
+            </a:r>
+          </a:p>
+        </p:txBody>
+      </p:sp>
+      <p:sp>
+        <p:nvSpPr>
+          <p:cNvPr id="4" name="Footer Placeholder 3">
+            <a:extLst>
+              <a:ext uri="{FF2B5EF4-FFF2-40B4-BE49-F238E27FC236}">
+                <a16:creationId xmlns:a16="http://schemas.microsoft.com/office/drawing/2014/main" id="{D43675A5-5AF6-4FBB-8A82-F14293677E52}"/>
+              </a:ext>
+            </a:extLst>
+          </p:cNvPr>
+          <p:cNvSpPr>
+            <a:spLocks noGrp="1"/>
+          </p:cNvSpPr>
+          <p:nvPr>
+            <p:ph type="ftr" sz="quarter" idx="3"/>
+          </p:nvPr>
+        </p:nvSpPr>
+        <p:spPr/>
+        <p:txBody>
+          <a:bodyPr/>
+          <a:lstStyle/>
+          <a:p>
+            <a:r>
+              <a:rPr lang="en-US"/>
+              <a:t>Discretionary Disclosure Complexity</a:t>
+            </a:r>
+            <a:endParaRPr lang="en-US" dirty="0"/>
+          </a:p>
+        </p:txBody>
+      </p:sp>
+      <p:sp>
+        <p:nvSpPr>
+          <p:cNvPr id="5" name="Rectangle 4">
+            <a:extLst>
+              <a:ext uri="{FF2B5EF4-FFF2-40B4-BE49-F238E27FC236}">
+                <a16:creationId xmlns:a16="http://schemas.microsoft.com/office/drawing/2014/main" id="{799B2662-4F99-43A7-A46B-BD8C0A395591}"/>
+              </a:ext>
+            </a:extLst>
+          </p:cNvPr>
+          <p:cNvSpPr/>
+          <p:nvPr/>
+        </p:nvSpPr>
+        <p:spPr>
+          <a:xfrm>
+            <a:off x="1158240" y="3266823"/>
+            <a:ext cx="1981200" cy="762000"/>
+          </a:xfrm>
+          <a:prstGeom prst="rect">
+            <a:avLst/>
+          </a:prstGeom>
+        </p:spPr>
+        <p:style>
+          <a:lnRef idx="2">
+            <a:schemeClr val="accent1">
+              <a:shade val="50000"/>
+            </a:schemeClr>
+          </a:lnRef>
+          <a:fillRef idx="1">
+            <a:schemeClr val="accent1"/>
+          </a:fillRef>
+          <a:effectRef idx="0">
+            <a:schemeClr val="accent1"/>
+          </a:effectRef>
+          <a:fontRef idx="minor">
+            <a:schemeClr val="lt1"/>
+          </a:fontRef>
+        </p:style>
+        <p:txBody>
+          <a:bodyPr rtlCol="0" anchor="ctr"/>
+          <a:lstStyle/>
+          <a:p>
+            <a:pPr algn="ctr"/>
+            <a:r>
+              <a:rPr lang="en-US" dirty="0"/>
+              <a:t>Russell 1000 Inclusion</a:t>
+            </a:r>
+          </a:p>
+        </p:txBody>
+      </p:sp>
+      <p:sp>
+        <p:nvSpPr>
+          <p:cNvPr id="6" name="Rectangle 5">
+            <a:extLst>
+              <a:ext uri="{FF2B5EF4-FFF2-40B4-BE49-F238E27FC236}">
+                <a16:creationId xmlns:a16="http://schemas.microsoft.com/office/drawing/2014/main" id="{92B78DD0-1F87-4507-A077-8EFF08A32C4C}"/>
+              </a:ext>
+            </a:extLst>
+          </p:cNvPr>
+          <p:cNvSpPr/>
+          <p:nvPr/>
+        </p:nvSpPr>
+        <p:spPr>
+          <a:xfrm>
+            <a:off x="3520440" y="3266823"/>
+            <a:ext cx="1981200" cy="762000"/>
+          </a:xfrm>
+          <a:prstGeom prst="rect">
+            <a:avLst/>
+          </a:prstGeom>
+        </p:spPr>
+        <p:style>
+          <a:lnRef idx="2">
+            <a:schemeClr val="accent1">
+              <a:shade val="50000"/>
+            </a:schemeClr>
+          </a:lnRef>
+          <a:fillRef idx="1">
+            <a:schemeClr val="accent1"/>
+          </a:fillRef>
+          <a:effectRef idx="0">
+            <a:schemeClr val="accent1"/>
+          </a:effectRef>
+          <a:fontRef idx="minor">
+            <a:schemeClr val="lt1"/>
+          </a:fontRef>
+        </p:style>
+        <p:txBody>
+          <a:bodyPr rtlCol="0" anchor="ctr"/>
+          <a:lstStyle/>
+          <a:p>
+            <a:pPr algn="ctr"/>
+            <a:r>
+              <a:rPr lang="en-US" dirty="0"/>
+              <a:t>Institutional Investment</a:t>
+            </a:r>
+          </a:p>
+        </p:txBody>
+      </p:sp>
+      <p:sp>
+        <p:nvSpPr>
+          <p:cNvPr id="7" name="Rectangle 6">
+            <a:extLst>
+              <a:ext uri="{FF2B5EF4-FFF2-40B4-BE49-F238E27FC236}">
+                <a16:creationId xmlns:a16="http://schemas.microsoft.com/office/drawing/2014/main" id="{75FE9F14-7EE7-45A2-A6C5-0893861FEDA9}"/>
+              </a:ext>
+            </a:extLst>
+          </p:cNvPr>
+          <p:cNvSpPr/>
+          <p:nvPr/>
+        </p:nvSpPr>
+        <p:spPr>
+          <a:xfrm>
+            <a:off x="5882640" y="3266823"/>
+            <a:ext cx="1981200" cy="762000"/>
+          </a:xfrm>
+          <a:prstGeom prst="rect">
+            <a:avLst/>
+          </a:prstGeom>
+        </p:spPr>
+        <p:style>
+          <a:lnRef idx="2">
+            <a:schemeClr val="accent1">
+              <a:shade val="50000"/>
+            </a:schemeClr>
+          </a:lnRef>
+          <a:fillRef idx="1">
+            <a:schemeClr val="accent1"/>
+          </a:fillRef>
+          <a:effectRef idx="0">
+            <a:schemeClr val="accent1"/>
+          </a:effectRef>
+          <a:fontRef idx="minor">
+            <a:schemeClr val="lt1"/>
+          </a:fontRef>
+        </p:style>
+        <p:txBody>
+          <a:bodyPr rtlCol="0" anchor="ctr"/>
+          <a:lstStyle/>
+          <a:p>
+            <a:pPr algn="ctr"/>
+            <a:r>
+              <a:rPr lang="en-US" dirty="0"/>
+              <a:t>Trading Environment</a:t>
+            </a:r>
+          </a:p>
+        </p:txBody>
+      </p:sp>
+      <p:sp>
+        <p:nvSpPr>
+          <p:cNvPr id="8" name="Rectangle 7">
+            <a:extLst>
+              <a:ext uri="{FF2B5EF4-FFF2-40B4-BE49-F238E27FC236}">
+                <a16:creationId xmlns:a16="http://schemas.microsoft.com/office/drawing/2014/main" id="{55EA6828-AED0-436A-B66E-EF3F97F48A43}"/>
+              </a:ext>
+            </a:extLst>
+          </p:cNvPr>
+          <p:cNvSpPr/>
+          <p:nvPr/>
+        </p:nvSpPr>
+        <p:spPr>
+          <a:xfrm>
+            <a:off x="5902960" y="4333623"/>
+            <a:ext cx="1981200" cy="762000"/>
+          </a:xfrm>
+          <a:prstGeom prst="rect">
+            <a:avLst/>
+          </a:prstGeom>
+        </p:spPr>
+        <p:style>
+          <a:lnRef idx="2">
+            <a:schemeClr val="accent1">
+              <a:shade val="50000"/>
+            </a:schemeClr>
+          </a:lnRef>
+          <a:fillRef idx="1">
+            <a:schemeClr val="accent1"/>
+          </a:fillRef>
+          <a:effectRef idx="0">
+            <a:schemeClr val="accent1"/>
+          </a:effectRef>
+          <a:fontRef idx="minor">
+            <a:schemeClr val="lt1"/>
+          </a:fontRef>
+        </p:style>
+        <p:txBody>
+          <a:bodyPr rtlCol="0" anchor="ctr"/>
+          <a:lstStyle/>
+          <a:p>
+            <a:pPr algn="ctr"/>
+            <a:r>
+              <a:rPr lang="en-US" dirty="0"/>
+              <a:t>Analyst Forecasts</a:t>
+            </a:r>
+          </a:p>
+        </p:txBody>
+      </p:sp>
+      <p:sp>
+        <p:nvSpPr>
+          <p:cNvPr id="9" name="Rectangle 8">
+            <a:extLst>
+              <a:ext uri="{FF2B5EF4-FFF2-40B4-BE49-F238E27FC236}">
+                <a16:creationId xmlns:a16="http://schemas.microsoft.com/office/drawing/2014/main" id="{2DB31B50-F47F-45E5-8CD7-F866A3F6946D}"/>
+              </a:ext>
+            </a:extLst>
+          </p:cNvPr>
+          <p:cNvSpPr/>
+          <p:nvPr/>
+        </p:nvSpPr>
+        <p:spPr>
+          <a:xfrm>
+            <a:off x="5867400" y="2200023"/>
+            <a:ext cx="1981200" cy="762000"/>
+          </a:xfrm>
+          <a:prstGeom prst="rect">
+            <a:avLst/>
+          </a:prstGeom>
+        </p:spPr>
+        <p:style>
+          <a:lnRef idx="2">
+            <a:schemeClr val="accent1">
+              <a:shade val="50000"/>
+            </a:schemeClr>
+          </a:lnRef>
+          <a:fillRef idx="1">
+            <a:schemeClr val="accent1"/>
+          </a:fillRef>
+          <a:effectRef idx="0">
+            <a:schemeClr val="accent1"/>
+          </a:effectRef>
+          <a:fontRef idx="minor">
+            <a:schemeClr val="lt1"/>
+          </a:fontRef>
+        </p:style>
+        <p:txBody>
+          <a:bodyPr rtlCol="0" anchor="ctr"/>
+          <a:lstStyle/>
+          <a:p>
+            <a:pPr algn="ctr"/>
+            <a:r>
+              <a:rPr lang="en-US" dirty="0"/>
+              <a:t>Management Disclosure</a:t>
+            </a:r>
+          </a:p>
+        </p:txBody>
+      </p:sp>
+      <p:cxnSp>
+        <p:nvCxnSpPr>
+          <p:cNvPr id="11" name="Straight Arrow Connector 10">
+            <a:extLst>
+              <a:ext uri="{FF2B5EF4-FFF2-40B4-BE49-F238E27FC236}">
+                <a16:creationId xmlns:a16="http://schemas.microsoft.com/office/drawing/2014/main" id="{1C12CC83-12CE-4DBB-B92F-4B590AF2AAEC}"/>
+              </a:ext>
+            </a:extLst>
+          </p:cNvPr>
+          <p:cNvCxnSpPr>
+            <a:stCxn id="5" idx="3"/>
+            <a:endCxn id="6" idx="1"/>
+          </p:cNvCxnSpPr>
+          <p:nvPr/>
+        </p:nvCxnSpPr>
+        <p:spPr>
+          <a:xfrm>
+            <a:off x="3139440" y="3647823"/>
+            <a:ext cx="381000" cy="0"/>
+          </a:xfrm>
+          <a:prstGeom prst="straightConnector1">
+            <a:avLst/>
+          </a:prstGeom>
+          <a:ln>
+            <a:tailEnd type="triangle"/>
+          </a:ln>
+        </p:spPr>
+        <p:style>
+          <a:lnRef idx="1">
+            <a:schemeClr val="accent1"/>
+          </a:lnRef>
+          <a:fillRef idx="0">
+            <a:schemeClr val="accent1"/>
+          </a:fillRef>
+          <a:effectRef idx="0">
+            <a:schemeClr val="accent1"/>
+          </a:effectRef>
+          <a:fontRef idx="minor">
+            <a:schemeClr val="tx1"/>
+          </a:fontRef>
+        </p:style>
+      </p:cxnSp>
+      <p:cxnSp>
+        <p:nvCxnSpPr>
+          <p:cNvPr id="13" name="Straight Arrow Connector 12">
+            <a:extLst>
+              <a:ext uri="{FF2B5EF4-FFF2-40B4-BE49-F238E27FC236}">
+                <a16:creationId xmlns:a16="http://schemas.microsoft.com/office/drawing/2014/main" id="{4E85EC39-173F-49ED-AA24-48A13732E939}"/>
+              </a:ext>
+            </a:extLst>
+          </p:cNvPr>
+          <p:cNvCxnSpPr>
+            <a:stCxn id="6" idx="3"/>
+            <a:endCxn id="9" idx="1"/>
+          </p:cNvCxnSpPr>
+          <p:nvPr/>
+        </p:nvCxnSpPr>
+        <p:spPr>
+          <a:xfrm flipV="1">
+            <a:off x="5501640" y="2581023"/>
+            <a:ext cx="365760" cy="1066800"/>
+          </a:xfrm>
+          <a:prstGeom prst="straightConnector1">
+            <a:avLst/>
+          </a:prstGeom>
+          <a:ln>
+            <a:tailEnd type="triangle"/>
+          </a:ln>
+        </p:spPr>
+        <p:style>
+          <a:lnRef idx="1">
+            <a:schemeClr val="accent1"/>
+          </a:lnRef>
+          <a:fillRef idx="0">
+            <a:schemeClr val="accent1"/>
+          </a:fillRef>
+          <a:effectRef idx="0">
+            <a:schemeClr val="accent1"/>
+          </a:effectRef>
+          <a:fontRef idx="minor">
+            <a:schemeClr val="tx1"/>
+          </a:fontRef>
+        </p:style>
+      </p:cxnSp>
+      <p:cxnSp>
+        <p:nvCxnSpPr>
+          <p:cNvPr id="15" name="Straight Arrow Connector 14">
+            <a:extLst>
+              <a:ext uri="{FF2B5EF4-FFF2-40B4-BE49-F238E27FC236}">
+                <a16:creationId xmlns:a16="http://schemas.microsoft.com/office/drawing/2014/main" id="{8ECF6D42-C63E-4AD7-A250-0ADA797A98E8}"/>
+              </a:ext>
+            </a:extLst>
+          </p:cNvPr>
+          <p:cNvCxnSpPr>
+            <a:stCxn id="6" idx="3"/>
+            <a:endCxn id="7" idx="1"/>
+          </p:cNvCxnSpPr>
+          <p:nvPr/>
+        </p:nvCxnSpPr>
+        <p:spPr>
+          <a:xfrm>
+            <a:off x="5501640" y="3647823"/>
+            <a:ext cx="381000" cy="0"/>
+          </a:xfrm>
+          <a:prstGeom prst="straightConnector1">
+            <a:avLst/>
+          </a:prstGeom>
+          <a:ln>
+            <a:tailEnd type="triangle"/>
+          </a:ln>
+        </p:spPr>
+        <p:style>
+          <a:lnRef idx="1">
+            <a:schemeClr val="accent1"/>
+          </a:lnRef>
+          <a:fillRef idx="0">
+            <a:schemeClr val="accent1"/>
+          </a:fillRef>
+          <a:effectRef idx="0">
+            <a:schemeClr val="accent1"/>
+          </a:effectRef>
+          <a:fontRef idx="minor">
+            <a:schemeClr val="tx1"/>
+          </a:fontRef>
+        </p:style>
+      </p:cxnSp>
+      <p:cxnSp>
+        <p:nvCxnSpPr>
+          <p:cNvPr id="19" name="Straight Arrow Connector 18">
+            <a:extLst>
+              <a:ext uri="{FF2B5EF4-FFF2-40B4-BE49-F238E27FC236}">
+                <a16:creationId xmlns:a16="http://schemas.microsoft.com/office/drawing/2014/main" id="{0A8221FD-BECD-4FF8-9362-8E7A77F4C89C}"/>
+              </a:ext>
+            </a:extLst>
+          </p:cNvPr>
+          <p:cNvCxnSpPr>
+            <a:stCxn id="6" idx="3"/>
+            <a:endCxn id="8" idx="1"/>
+          </p:cNvCxnSpPr>
+          <p:nvPr/>
+        </p:nvCxnSpPr>
+        <p:spPr>
+          <a:xfrm>
+            <a:off x="5501640" y="3647823"/>
+            <a:ext cx="401320" cy="1066800"/>
+          </a:xfrm>
+          <a:prstGeom prst="straightConnector1">
+            <a:avLst/>
+          </a:prstGeom>
+          <a:ln>
+            <a:tailEnd type="triangle"/>
+          </a:ln>
+        </p:spPr>
+        <p:style>
+          <a:lnRef idx="1">
+            <a:schemeClr val="accent1"/>
+          </a:lnRef>
+          <a:fillRef idx="0">
+            <a:schemeClr val="accent1"/>
+          </a:fillRef>
+          <a:effectRef idx="0">
+            <a:schemeClr val="accent1"/>
+          </a:effectRef>
+          <a:fontRef idx="minor">
+            <a:schemeClr val="tx1"/>
+          </a:fontRef>
+        </p:style>
+      </p:cxnSp>
+      <p:sp>
+        <p:nvSpPr>
+          <p:cNvPr id="3" name="Arrow: Curved Down 2">
+            <a:extLst>
+              <a:ext uri="{FF2B5EF4-FFF2-40B4-BE49-F238E27FC236}">
+                <a16:creationId xmlns:a16="http://schemas.microsoft.com/office/drawing/2014/main" id="{C8871FFE-5B22-497A-B253-5C09A0454D52}"/>
+              </a:ext>
+            </a:extLst>
+          </p:cNvPr>
+          <p:cNvSpPr/>
+          <p:nvPr/>
+        </p:nvSpPr>
+        <p:spPr>
+          <a:xfrm>
+            <a:off x="2225038" y="2355787"/>
+            <a:ext cx="4328162" cy="762000"/>
+          </a:xfrm>
+          <a:prstGeom prst="curvedDownArrow">
+            <a:avLst/>
+          </a:prstGeom>
+          <a:solidFill>
+            <a:schemeClr val="accent6"/>
+          </a:solidFill>
+        </p:spPr>
+        <p:style>
+          <a:lnRef idx="2">
+            <a:schemeClr val="accent1">
+              <a:shade val="50000"/>
+            </a:schemeClr>
+          </a:lnRef>
+          <a:fillRef idx="1">
+            <a:schemeClr val="accent1"/>
+          </a:fillRef>
+          <a:effectRef idx="0">
+            <a:schemeClr val="accent1"/>
+          </a:effectRef>
+          <a:fontRef idx="minor">
+            <a:schemeClr val="lt1"/>
+          </a:fontRef>
+        </p:style>
+        <p:txBody>
+          <a:bodyPr rtlCol="0" anchor="ctr"/>
+          <a:lstStyle/>
+          <a:p>
+            <a:pPr algn="ctr"/>
+            <a:endParaRPr lang="en-US">
+              <a:solidFill>
+                <a:schemeClr val="tx1"/>
+              </a:solidFill>
+            </a:endParaRPr>
+          </a:p>
+        </p:txBody>
+      </p:sp>
+      <p:sp>
+        <p:nvSpPr>
+          <p:cNvPr id="12" name="TextBox 11">
+            <a:extLst>
+              <a:ext uri="{FF2B5EF4-FFF2-40B4-BE49-F238E27FC236}">
+                <a16:creationId xmlns:a16="http://schemas.microsoft.com/office/drawing/2014/main" id="{E32D6E49-28AE-4CC9-8B18-8530C60D5964}"/>
+              </a:ext>
+            </a:extLst>
+          </p:cNvPr>
+          <p:cNvSpPr txBox="1"/>
+          <p:nvPr/>
+        </p:nvSpPr>
+        <p:spPr>
+          <a:xfrm>
+            <a:off x="3139440" y="1905000"/>
+            <a:ext cx="2270760" cy="369332"/>
+          </a:xfrm>
+          <a:prstGeom prst="rect">
+            <a:avLst/>
+          </a:prstGeom>
+          <a:noFill/>
+        </p:spPr>
+        <p:txBody>
+          <a:bodyPr wrap="square" rtlCol="0">
+            <a:spAutoFit/>
+          </a:bodyPr>
+          <a:lstStyle/>
+          <a:p>
+            <a:r>
+              <a:rPr lang="en-US" dirty="0"/>
+              <a:t>Omitted Variables?</a:t>
+            </a:r>
+          </a:p>
+        </p:txBody>
+      </p:sp>
+      <p:sp>
+        <p:nvSpPr>
+          <p:cNvPr id="16" name="TextBox 15">
+            <a:extLst>
+              <a:ext uri="{FF2B5EF4-FFF2-40B4-BE49-F238E27FC236}">
+                <a16:creationId xmlns:a16="http://schemas.microsoft.com/office/drawing/2014/main" id="{9FA08315-C6AF-460A-8220-A30B43E5A31A}"/>
+              </a:ext>
+            </a:extLst>
+          </p:cNvPr>
+          <p:cNvSpPr txBox="1"/>
+          <p:nvPr/>
+        </p:nvSpPr>
+        <p:spPr>
+          <a:xfrm>
+            <a:off x="2506981" y="4494326"/>
+            <a:ext cx="2270760" cy="369332"/>
+          </a:xfrm>
+          <a:prstGeom prst="rect">
+            <a:avLst/>
+          </a:prstGeom>
+          <a:noFill/>
+        </p:spPr>
+        <p:txBody>
+          <a:bodyPr wrap="square" rtlCol="0">
+            <a:spAutoFit/>
+          </a:bodyPr>
+          <a:lstStyle/>
+          <a:p>
+            <a:pPr algn="ctr"/>
+            <a:r>
+              <a:rPr lang="en-US" dirty="0"/>
+              <a:t>Fuzzy RDD?</a:t>
+            </a:r>
+          </a:p>
+        </p:txBody>
+      </p:sp>
+      <p:cxnSp>
+        <p:nvCxnSpPr>
+          <p:cNvPr id="17" name="Straight Connector 16">
+            <a:extLst>
+              <a:ext uri="{FF2B5EF4-FFF2-40B4-BE49-F238E27FC236}">
+                <a16:creationId xmlns:a16="http://schemas.microsoft.com/office/drawing/2014/main" id="{DA98432F-FD1C-496B-B076-041974D6C9D5}"/>
+              </a:ext>
+            </a:extLst>
+          </p:cNvPr>
+          <p:cNvCxnSpPr>
+            <a:endCxn id="16" idx="0"/>
+          </p:cNvCxnSpPr>
+          <p:nvPr/>
+        </p:nvCxnSpPr>
+        <p:spPr>
+          <a:xfrm>
+            <a:off x="3329940" y="3703240"/>
+            <a:ext cx="312421" cy="791086"/>
+          </a:xfrm>
+          <a:prstGeom prst="line">
+            <a:avLst/>
+          </a:prstGeom>
+        </p:spPr>
+        <p:style>
+          <a:lnRef idx="1">
+            <a:schemeClr val="accent1"/>
+          </a:lnRef>
+          <a:fillRef idx="0">
+            <a:schemeClr val="accent1"/>
+          </a:fillRef>
+          <a:effectRef idx="0">
+            <a:schemeClr val="accent1"/>
+          </a:effectRef>
+          <a:fontRef idx="minor">
+            <a:schemeClr val="tx1"/>
+          </a:fontRef>
+        </p:style>
+      </p:cxnSp>
+    </p:spTree>
+    <p:extLst>
+      <p:ext uri="{BB962C8B-B14F-4D97-AF65-F5344CB8AC3E}">
+        <p14:creationId xmlns:p14="http://schemas.microsoft.com/office/powerpoint/2010/main" val="4121776293"/>
+      </p:ext>
+    </p:extLst>
+  </p:cSld>
+  <p:clrMapOvr>
+    <a:masterClrMapping/>
+  </p:clrMapOvr>
+</p:sld>
+</file>
+
+<file path=ppt/slides/slide18.xml><?xml version="1.0" encoding="utf-8"?>
+<p:sld xmlns:a="http://schemas.openxmlformats.org/drawingml/2006/main" xmlns:r="http://schemas.openxmlformats.org/officeDocument/2006/relationships" xmlns:p="http://schemas.openxmlformats.org/presentationml/2006/main">
+  <p:cSld>
+    <p:spTree>
+      <p:nvGrpSpPr>
+        <p:cNvPr id="1" name=""/>
+        <p:cNvGrpSpPr/>
+        <p:nvPr/>
+      </p:nvGrpSpPr>
+      <p:grpSpPr>
+        <a:xfrm>
+          <a:off x="0" y="0"/>
+          <a:ext cx="0" cy="0"/>
+          <a:chOff x="0" y="0"/>
+          <a:chExt cx="0" cy="0"/>
+        </a:xfrm>
+      </p:grpSpPr>
+      <p:sp>
+        <p:nvSpPr>
+          <p:cNvPr id="2" name="Title 1">
+            <a:extLst>
+              <a:ext uri="{FF2B5EF4-FFF2-40B4-BE49-F238E27FC236}">
+                <a16:creationId xmlns:a16="http://schemas.microsoft.com/office/drawing/2014/main" id="{CA5A08BD-9A9F-44CB-8735-3E501BB09EBD}"/>
+              </a:ext>
+            </a:extLst>
+          </p:cNvPr>
+          <p:cNvSpPr>
+            <a:spLocks noGrp="1"/>
+          </p:cNvSpPr>
+          <p:nvPr>
+            <p:ph type="title"/>
+          </p:nvPr>
+        </p:nvSpPr>
+        <p:spPr/>
+        <p:txBody>
+          <a:bodyPr/>
+          <a:lstStyle/>
+          <a:p>
+            <a:r>
+              <a:rPr lang="en-US" dirty="0"/>
+              <a:t>Focus of Project</a:t>
+            </a:r>
+          </a:p>
+        </p:txBody>
+      </p:sp>
+      <p:sp>
+        <p:nvSpPr>
+          <p:cNvPr id="4" name="Footer Placeholder 3">
+            <a:extLst>
+              <a:ext uri="{FF2B5EF4-FFF2-40B4-BE49-F238E27FC236}">
+                <a16:creationId xmlns:a16="http://schemas.microsoft.com/office/drawing/2014/main" id="{D43675A5-5AF6-4FBB-8A82-F14293677E52}"/>
+              </a:ext>
+            </a:extLst>
+          </p:cNvPr>
+          <p:cNvSpPr>
+            <a:spLocks noGrp="1"/>
+          </p:cNvSpPr>
+          <p:nvPr>
+            <p:ph type="ftr" sz="quarter" idx="3"/>
+          </p:nvPr>
+        </p:nvSpPr>
+        <p:spPr/>
+        <p:txBody>
+          <a:bodyPr/>
+          <a:lstStyle/>
+          <a:p>
+            <a:r>
+              <a:rPr lang="en-US"/>
+              <a:t>Discretionary Disclosure Complexity</a:t>
+            </a:r>
+            <a:endParaRPr lang="en-US" dirty="0"/>
+          </a:p>
+        </p:txBody>
+      </p:sp>
+      <p:sp>
+        <p:nvSpPr>
+          <p:cNvPr id="5" name="Rectangle 4">
+            <a:extLst>
+              <a:ext uri="{FF2B5EF4-FFF2-40B4-BE49-F238E27FC236}">
+                <a16:creationId xmlns:a16="http://schemas.microsoft.com/office/drawing/2014/main" id="{799B2662-4F99-43A7-A46B-BD8C0A395591}"/>
+              </a:ext>
+            </a:extLst>
+          </p:cNvPr>
+          <p:cNvSpPr/>
+          <p:nvPr/>
+        </p:nvSpPr>
+        <p:spPr>
+          <a:xfrm>
+            <a:off x="1158240" y="3266823"/>
+            <a:ext cx="1981200" cy="762000"/>
+          </a:xfrm>
+          <a:prstGeom prst="rect">
+            <a:avLst/>
+          </a:prstGeom>
+        </p:spPr>
+        <p:style>
+          <a:lnRef idx="2">
+            <a:schemeClr val="accent1">
+              <a:shade val="50000"/>
+            </a:schemeClr>
+          </a:lnRef>
+          <a:fillRef idx="1">
+            <a:schemeClr val="accent1"/>
+          </a:fillRef>
+          <a:effectRef idx="0">
+            <a:schemeClr val="accent1"/>
+          </a:effectRef>
+          <a:fontRef idx="minor">
+            <a:schemeClr val="lt1"/>
+          </a:fontRef>
+        </p:style>
+        <p:txBody>
+          <a:bodyPr rtlCol="0" anchor="ctr"/>
+          <a:lstStyle/>
+          <a:p>
+            <a:pPr algn="ctr"/>
+            <a:r>
+              <a:rPr lang="en-US" dirty="0"/>
+              <a:t>Russell 1000 Inclusion</a:t>
+            </a:r>
+          </a:p>
+        </p:txBody>
+      </p:sp>
+      <p:sp>
+        <p:nvSpPr>
+          <p:cNvPr id="6" name="Rectangle 5">
+            <a:extLst>
+              <a:ext uri="{FF2B5EF4-FFF2-40B4-BE49-F238E27FC236}">
+                <a16:creationId xmlns:a16="http://schemas.microsoft.com/office/drawing/2014/main" id="{92B78DD0-1F87-4507-A077-8EFF08A32C4C}"/>
+              </a:ext>
+            </a:extLst>
+          </p:cNvPr>
+          <p:cNvSpPr/>
+          <p:nvPr/>
+        </p:nvSpPr>
+        <p:spPr>
+          <a:xfrm>
+            <a:off x="3520440" y="3266823"/>
+            <a:ext cx="1981200" cy="762000"/>
+          </a:xfrm>
+          <a:prstGeom prst="rect">
+            <a:avLst/>
+          </a:prstGeom>
+        </p:spPr>
+        <p:style>
+          <a:lnRef idx="2">
+            <a:schemeClr val="accent1">
+              <a:shade val="50000"/>
+            </a:schemeClr>
+          </a:lnRef>
+          <a:fillRef idx="1">
+            <a:schemeClr val="accent1"/>
+          </a:fillRef>
+          <a:effectRef idx="0">
+            <a:schemeClr val="accent1"/>
+          </a:effectRef>
+          <a:fontRef idx="minor">
+            <a:schemeClr val="lt1"/>
+          </a:fontRef>
+        </p:style>
+        <p:txBody>
+          <a:bodyPr rtlCol="0" anchor="ctr"/>
+          <a:lstStyle/>
+          <a:p>
+            <a:pPr algn="ctr"/>
+            <a:r>
+              <a:rPr lang="en-US" dirty="0"/>
+              <a:t>Institutional Investment</a:t>
+            </a:r>
+          </a:p>
+        </p:txBody>
+      </p:sp>
+      <p:sp>
+        <p:nvSpPr>
+          <p:cNvPr id="7" name="Rectangle 6">
+            <a:extLst>
+              <a:ext uri="{FF2B5EF4-FFF2-40B4-BE49-F238E27FC236}">
+                <a16:creationId xmlns:a16="http://schemas.microsoft.com/office/drawing/2014/main" id="{75FE9F14-7EE7-45A2-A6C5-0893861FEDA9}"/>
+              </a:ext>
+            </a:extLst>
+          </p:cNvPr>
+          <p:cNvSpPr/>
+          <p:nvPr/>
+        </p:nvSpPr>
+        <p:spPr>
+          <a:xfrm>
+            <a:off x="5882640" y="3266823"/>
+            <a:ext cx="1981200" cy="762000"/>
+          </a:xfrm>
+          <a:prstGeom prst="rect">
+            <a:avLst/>
+          </a:prstGeom>
+        </p:spPr>
+        <p:style>
+          <a:lnRef idx="2">
+            <a:schemeClr val="accent1">
+              <a:shade val="50000"/>
+            </a:schemeClr>
+          </a:lnRef>
+          <a:fillRef idx="1">
+            <a:schemeClr val="accent1"/>
+          </a:fillRef>
+          <a:effectRef idx="0">
+            <a:schemeClr val="accent1"/>
+          </a:effectRef>
+          <a:fontRef idx="minor">
+            <a:schemeClr val="lt1"/>
+          </a:fontRef>
+        </p:style>
+        <p:txBody>
+          <a:bodyPr rtlCol="0" anchor="ctr"/>
+          <a:lstStyle/>
+          <a:p>
+            <a:pPr algn="ctr"/>
+            <a:r>
+              <a:rPr lang="en-US" dirty="0"/>
+              <a:t>Trading Environment</a:t>
+            </a:r>
+          </a:p>
+        </p:txBody>
+      </p:sp>
+      <p:sp>
+        <p:nvSpPr>
+          <p:cNvPr id="8" name="Rectangle 7">
+            <a:extLst>
+              <a:ext uri="{FF2B5EF4-FFF2-40B4-BE49-F238E27FC236}">
+                <a16:creationId xmlns:a16="http://schemas.microsoft.com/office/drawing/2014/main" id="{55EA6828-AED0-436A-B66E-EF3F97F48A43}"/>
+              </a:ext>
+            </a:extLst>
+          </p:cNvPr>
+          <p:cNvSpPr/>
+          <p:nvPr/>
+        </p:nvSpPr>
+        <p:spPr>
+          <a:xfrm>
+            <a:off x="5902960" y="4333623"/>
+            <a:ext cx="1981200" cy="762000"/>
+          </a:xfrm>
+          <a:prstGeom prst="rect">
+            <a:avLst/>
+          </a:prstGeom>
+        </p:spPr>
+        <p:style>
+          <a:lnRef idx="2">
+            <a:schemeClr val="accent1">
+              <a:shade val="50000"/>
+            </a:schemeClr>
+          </a:lnRef>
+          <a:fillRef idx="1">
+            <a:schemeClr val="accent1"/>
+          </a:fillRef>
+          <a:effectRef idx="0">
+            <a:schemeClr val="accent1"/>
+          </a:effectRef>
+          <a:fontRef idx="minor">
+            <a:schemeClr val="lt1"/>
+          </a:fontRef>
+        </p:style>
+        <p:txBody>
+          <a:bodyPr rtlCol="0" anchor="ctr"/>
+          <a:lstStyle/>
+          <a:p>
+            <a:pPr algn="ctr"/>
+            <a:r>
+              <a:rPr lang="en-US" dirty="0"/>
+              <a:t>Analyst Forecasts</a:t>
+            </a:r>
+          </a:p>
+        </p:txBody>
+      </p:sp>
+      <p:sp>
+        <p:nvSpPr>
+          <p:cNvPr id="9" name="Rectangle 8">
+            <a:extLst>
+              <a:ext uri="{FF2B5EF4-FFF2-40B4-BE49-F238E27FC236}">
+                <a16:creationId xmlns:a16="http://schemas.microsoft.com/office/drawing/2014/main" id="{2DB31B50-F47F-45E5-8CD7-F866A3F6946D}"/>
+              </a:ext>
+            </a:extLst>
+          </p:cNvPr>
+          <p:cNvSpPr/>
+          <p:nvPr/>
+        </p:nvSpPr>
+        <p:spPr>
+          <a:xfrm>
+            <a:off x="5867400" y="2200023"/>
+            <a:ext cx="1981200" cy="762000"/>
+          </a:xfrm>
+          <a:prstGeom prst="rect">
+            <a:avLst/>
+          </a:prstGeom>
+        </p:spPr>
+        <p:style>
+          <a:lnRef idx="2">
+            <a:schemeClr val="accent1">
+              <a:shade val="50000"/>
+            </a:schemeClr>
+          </a:lnRef>
+          <a:fillRef idx="1">
+            <a:schemeClr val="accent1"/>
+          </a:fillRef>
+          <a:effectRef idx="0">
+            <a:schemeClr val="accent1"/>
+          </a:effectRef>
+          <a:fontRef idx="minor">
+            <a:schemeClr val="lt1"/>
+          </a:fontRef>
+        </p:style>
+        <p:txBody>
+          <a:bodyPr rtlCol="0" anchor="ctr"/>
+          <a:lstStyle/>
+          <a:p>
+            <a:pPr algn="ctr"/>
+            <a:r>
+              <a:rPr lang="en-US" dirty="0"/>
+              <a:t>Management Disclosure</a:t>
+            </a:r>
+          </a:p>
+        </p:txBody>
+      </p:sp>
+      <p:cxnSp>
+        <p:nvCxnSpPr>
+          <p:cNvPr id="11" name="Straight Arrow Connector 10">
+            <a:extLst>
+              <a:ext uri="{FF2B5EF4-FFF2-40B4-BE49-F238E27FC236}">
+                <a16:creationId xmlns:a16="http://schemas.microsoft.com/office/drawing/2014/main" id="{1C12CC83-12CE-4DBB-B92F-4B590AF2AAEC}"/>
+              </a:ext>
+            </a:extLst>
+          </p:cNvPr>
+          <p:cNvCxnSpPr>
+            <a:stCxn id="5" idx="3"/>
+            <a:endCxn id="6" idx="1"/>
+          </p:cNvCxnSpPr>
+          <p:nvPr/>
+        </p:nvCxnSpPr>
+        <p:spPr>
+          <a:xfrm>
+            <a:off x="3139440" y="3647823"/>
+            <a:ext cx="381000" cy="0"/>
+          </a:xfrm>
+          <a:prstGeom prst="straightConnector1">
+            <a:avLst/>
+          </a:prstGeom>
+          <a:ln>
+            <a:tailEnd type="triangle"/>
+          </a:ln>
+        </p:spPr>
+        <p:style>
+          <a:lnRef idx="1">
+            <a:schemeClr val="accent1"/>
+          </a:lnRef>
+          <a:fillRef idx="0">
+            <a:schemeClr val="accent1"/>
+          </a:fillRef>
+          <a:effectRef idx="0">
+            <a:schemeClr val="accent1"/>
+          </a:effectRef>
+          <a:fontRef idx="minor">
+            <a:schemeClr val="tx1"/>
+          </a:fontRef>
+        </p:style>
+      </p:cxnSp>
+      <p:cxnSp>
+        <p:nvCxnSpPr>
+          <p:cNvPr id="13" name="Straight Arrow Connector 12">
+            <a:extLst>
+              <a:ext uri="{FF2B5EF4-FFF2-40B4-BE49-F238E27FC236}">
+                <a16:creationId xmlns:a16="http://schemas.microsoft.com/office/drawing/2014/main" id="{4E85EC39-173F-49ED-AA24-48A13732E939}"/>
+              </a:ext>
+            </a:extLst>
+          </p:cNvPr>
+          <p:cNvCxnSpPr>
+            <a:stCxn id="6" idx="3"/>
+            <a:endCxn id="9" idx="1"/>
+          </p:cNvCxnSpPr>
+          <p:nvPr/>
+        </p:nvCxnSpPr>
+        <p:spPr>
+          <a:xfrm flipV="1">
+            <a:off x="5501640" y="2581023"/>
+            <a:ext cx="365760" cy="1066800"/>
+          </a:xfrm>
+          <a:prstGeom prst="straightConnector1">
+            <a:avLst/>
+          </a:prstGeom>
+          <a:ln>
+            <a:tailEnd type="triangle"/>
+          </a:ln>
+        </p:spPr>
+        <p:style>
+          <a:lnRef idx="1">
+            <a:schemeClr val="accent1"/>
+          </a:lnRef>
+          <a:fillRef idx="0">
+            <a:schemeClr val="accent1"/>
+          </a:fillRef>
+          <a:effectRef idx="0">
+            <a:schemeClr val="accent1"/>
+          </a:effectRef>
+          <a:fontRef idx="minor">
+            <a:schemeClr val="tx1"/>
+          </a:fontRef>
+        </p:style>
+      </p:cxnSp>
+      <p:cxnSp>
+        <p:nvCxnSpPr>
+          <p:cNvPr id="15" name="Straight Arrow Connector 14">
+            <a:extLst>
+              <a:ext uri="{FF2B5EF4-FFF2-40B4-BE49-F238E27FC236}">
+                <a16:creationId xmlns:a16="http://schemas.microsoft.com/office/drawing/2014/main" id="{8ECF6D42-C63E-4AD7-A250-0ADA797A98E8}"/>
+              </a:ext>
+            </a:extLst>
+          </p:cNvPr>
+          <p:cNvCxnSpPr>
+            <a:stCxn id="6" idx="3"/>
+            <a:endCxn id="7" idx="1"/>
+          </p:cNvCxnSpPr>
+          <p:nvPr/>
+        </p:nvCxnSpPr>
+        <p:spPr>
+          <a:xfrm>
+            <a:off x="5501640" y="3647823"/>
+            <a:ext cx="381000" cy="0"/>
+          </a:xfrm>
+          <a:prstGeom prst="straightConnector1">
+            <a:avLst/>
+          </a:prstGeom>
+          <a:ln>
+            <a:tailEnd type="triangle"/>
+          </a:ln>
+        </p:spPr>
+        <p:style>
+          <a:lnRef idx="1">
+            <a:schemeClr val="accent1"/>
+          </a:lnRef>
+          <a:fillRef idx="0">
+            <a:schemeClr val="accent1"/>
+          </a:fillRef>
+          <a:effectRef idx="0">
+            <a:schemeClr val="accent1"/>
+          </a:effectRef>
+          <a:fontRef idx="minor">
+            <a:schemeClr val="tx1"/>
+          </a:fontRef>
+        </p:style>
+      </p:cxnSp>
+      <p:cxnSp>
+        <p:nvCxnSpPr>
+          <p:cNvPr id="19" name="Straight Arrow Connector 18">
+            <a:extLst>
+              <a:ext uri="{FF2B5EF4-FFF2-40B4-BE49-F238E27FC236}">
+                <a16:creationId xmlns:a16="http://schemas.microsoft.com/office/drawing/2014/main" id="{0A8221FD-BECD-4FF8-9362-8E7A77F4C89C}"/>
+              </a:ext>
+            </a:extLst>
+          </p:cNvPr>
+          <p:cNvCxnSpPr>
+            <a:stCxn id="6" idx="3"/>
+            <a:endCxn id="8" idx="1"/>
+          </p:cNvCxnSpPr>
+          <p:nvPr/>
+        </p:nvCxnSpPr>
+        <p:spPr>
+          <a:xfrm>
+            <a:off x="5501640" y="3647823"/>
+            <a:ext cx="401320" cy="1066800"/>
+          </a:xfrm>
+          <a:prstGeom prst="straightConnector1">
+            <a:avLst/>
+          </a:prstGeom>
+          <a:ln>
+            <a:tailEnd type="triangle"/>
+          </a:ln>
+        </p:spPr>
+        <p:style>
+          <a:lnRef idx="1">
+            <a:schemeClr val="accent1"/>
+          </a:lnRef>
+          <a:fillRef idx="0">
+            <a:schemeClr val="accent1"/>
+          </a:fillRef>
+          <a:effectRef idx="0">
+            <a:schemeClr val="accent1"/>
+          </a:effectRef>
+          <a:fontRef idx="minor">
+            <a:schemeClr val="tx1"/>
+          </a:fontRef>
+        </p:style>
+      </p:cxnSp>
+      <p:sp>
+        <p:nvSpPr>
+          <p:cNvPr id="3" name="Arrow: Curved Down 2">
+            <a:extLst>
+              <a:ext uri="{FF2B5EF4-FFF2-40B4-BE49-F238E27FC236}">
+                <a16:creationId xmlns:a16="http://schemas.microsoft.com/office/drawing/2014/main" id="{C8871FFE-5B22-497A-B253-5C09A0454D52}"/>
+              </a:ext>
+            </a:extLst>
+          </p:cNvPr>
+          <p:cNvSpPr/>
+          <p:nvPr/>
+        </p:nvSpPr>
+        <p:spPr>
+          <a:xfrm>
+            <a:off x="2225038" y="2355787"/>
+            <a:ext cx="4328162" cy="762000"/>
+          </a:xfrm>
+          <a:prstGeom prst="curvedDownArrow">
+            <a:avLst/>
+          </a:prstGeom>
+          <a:solidFill>
+            <a:srgbClr val="00B050"/>
+          </a:solidFill>
+        </p:spPr>
+        <p:style>
+          <a:lnRef idx="2">
+            <a:schemeClr val="accent1">
+              <a:shade val="50000"/>
+            </a:schemeClr>
+          </a:lnRef>
+          <a:fillRef idx="1">
+            <a:schemeClr val="accent1"/>
+          </a:fillRef>
+          <a:effectRef idx="0">
+            <a:schemeClr val="accent1"/>
+          </a:effectRef>
+          <a:fontRef idx="minor">
+            <a:schemeClr val="lt1"/>
+          </a:fontRef>
+        </p:style>
+        <p:txBody>
+          <a:bodyPr rtlCol="0" anchor="ctr"/>
+          <a:lstStyle/>
+          <a:p>
+            <a:pPr algn="ctr"/>
+            <a:endParaRPr lang="en-US">
+              <a:solidFill>
+                <a:schemeClr val="tx1"/>
+              </a:solidFill>
+            </a:endParaRPr>
+          </a:p>
+        </p:txBody>
+      </p:sp>
+      <p:sp>
+        <p:nvSpPr>
+          <p:cNvPr id="10" name="Multiplication Sign 9">
+            <a:extLst>
+              <a:ext uri="{FF2B5EF4-FFF2-40B4-BE49-F238E27FC236}">
+                <a16:creationId xmlns:a16="http://schemas.microsoft.com/office/drawing/2014/main" id="{DD2FF0BC-059B-40D4-8363-E29B28AB76F2}"/>
+              </a:ext>
+            </a:extLst>
+          </p:cNvPr>
+          <p:cNvSpPr/>
+          <p:nvPr/>
+        </p:nvSpPr>
+        <p:spPr>
+          <a:xfrm>
+            <a:off x="3627120" y="2675254"/>
+            <a:ext cx="1788160" cy="1964694"/>
+          </a:xfrm>
+          <a:prstGeom prst="mathMultiply">
+            <a:avLst>
+              <a:gd name="adj1" fmla="val 14429"/>
+            </a:avLst>
+          </a:prstGeom>
+          <a:solidFill>
+            <a:srgbClr val="FF0000"/>
+          </a:solidFill>
+        </p:spPr>
+        <p:style>
+          <a:lnRef idx="2">
+            <a:schemeClr val="accent1">
+              <a:shade val="50000"/>
+            </a:schemeClr>
+          </a:lnRef>
+          <a:fillRef idx="1">
+            <a:schemeClr val="accent1"/>
+          </a:fillRef>
+          <a:effectRef idx="0">
+            <a:schemeClr val="accent1"/>
+          </a:effectRef>
+          <a:fontRef idx="minor">
+            <a:schemeClr val="lt1"/>
+          </a:fontRef>
+        </p:style>
+        <p:txBody>
+          <a:bodyPr rtlCol="0" anchor="ctr"/>
+          <a:lstStyle/>
+          <a:p>
+            <a:pPr algn="ctr"/>
+            <a:endParaRPr lang="en-US"/>
+          </a:p>
+        </p:txBody>
+      </p:sp>
+      <p:sp>
+        <p:nvSpPr>
+          <p:cNvPr id="12" name="TextBox 11">
+            <a:extLst>
+              <a:ext uri="{FF2B5EF4-FFF2-40B4-BE49-F238E27FC236}">
+                <a16:creationId xmlns:a16="http://schemas.microsoft.com/office/drawing/2014/main" id="{F75C5292-B2CF-4FC4-B553-B485E2E59526}"/>
+              </a:ext>
+            </a:extLst>
+          </p:cNvPr>
+          <p:cNvSpPr txBox="1"/>
+          <p:nvPr/>
+        </p:nvSpPr>
+        <p:spPr>
+          <a:xfrm>
+            <a:off x="3726180" y="2077806"/>
+            <a:ext cx="1889760" cy="646331"/>
+          </a:xfrm>
+          <a:prstGeom prst="rect">
+            <a:avLst/>
+          </a:prstGeom>
+          <a:noFill/>
+        </p:spPr>
+        <p:txBody>
+          <a:bodyPr wrap="square" rtlCol="0">
+            <a:spAutoFit/>
+          </a:bodyPr>
+          <a:lstStyle/>
+          <a:p>
+            <a:r>
+              <a:rPr lang="en-US" dirty="0"/>
+              <a:t>Focus on the direct connection</a:t>
+            </a:r>
+          </a:p>
+        </p:txBody>
+      </p:sp>
+      <p:sp>
+        <p:nvSpPr>
+          <p:cNvPr id="14" name="TextBox 13">
+            <a:extLst>
+              <a:ext uri="{FF2B5EF4-FFF2-40B4-BE49-F238E27FC236}">
+                <a16:creationId xmlns:a16="http://schemas.microsoft.com/office/drawing/2014/main" id="{F8144B95-4187-466E-A154-D6B74C64A0F3}"/>
+              </a:ext>
+            </a:extLst>
+          </p:cNvPr>
+          <p:cNvSpPr txBox="1"/>
+          <p:nvPr/>
+        </p:nvSpPr>
+        <p:spPr>
+          <a:xfrm>
+            <a:off x="685800" y="5536808"/>
+            <a:ext cx="7315200" cy="369332"/>
+          </a:xfrm>
+          <a:prstGeom prst="rect">
+            <a:avLst/>
+          </a:prstGeom>
+          <a:noFill/>
+        </p:spPr>
+        <p:txBody>
+          <a:bodyPr wrap="square" rtlCol="0">
+            <a:spAutoFit/>
+          </a:bodyPr>
+          <a:lstStyle/>
+          <a:p>
+            <a:r>
+              <a:rPr lang="en-US" dirty="0"/>
+              <a:t>Before addressing the whole extent of his conclusions, verify one part of it.</a:t>
+            </a:r>
+          </a:p>
+        </p:txBody>
+      </p:sp>
+    </p:spTree>
+    <p:extLst>
+      <p:ext uri="{BB962C8B-B14F-4D97-AF65-F5344CB8AC3E}">
+        <p14:creationId xmlns:p14="http://schemas.microsoft.com/office/powerpoint/2010/main" val="326921741"/>
+      </p:ext>
+    </p:extLst>
+  </p:cSld>
+  <p:clrMapOvr>
+    <a:masterClrMapping/>
+  </p:clrMapOvr>
+</p:sld>
+</file>
+
+<file path=ppt/slides/slide19.xml><?xml version="1.0" encoding="utf-8"?>
+<p:sld xmlns:a="http://schemas.openxmlformats.org/drawingml/2006/main" xmlns:r="http://schemas.openxmlformats.org/officeDocument/2006/relationships" xmlns:p="http://schemas.openxmlformats.org/presentationml/2006/main">
+  <p:cSld>
+    <p:spTree>
+      <p:nvGrpSpPr>
+        <p:cNvPr id="1" name=""/>
+        <p:cNvGrpSpPr/>
+        <p:nvPr/>
+      </p:nvGrpSpPr>
+      <p:grpSpPr>
+        <a:xfrm>
+          <a:off x="0" y="0"/>
+          <a:ext cx="0" cy="0"/>
+          <a:chOff x="0" y="0"/>
+          <a:chExt cx="0" cy="0"/>
+        </a:xfrm>
+      </p:grpSpPr>
+      <p:sp>
+        <p:nvSpPr>
+          <p:cNvPr id="2" name="Title 1">
+            <a:extLst>
+              <a:ext uri="{FF2B5EF4-FFF2-40B4-BE49-F238E27FC236}">
+                <a16:creationId xmlns:a16="http://schemas.microsoft.com/office/drawing/2014/main" id="{CA5A08BD-9A9F-44CB-8735-3E501BB09EBD}"/>
+              </a:ext>
+            </a:extLst>
+          </p:cNvPr>
+          <p:cNvSpPr>
+            <a:spLocks noGrp="1"/>
+          </p:cNvSpPr>
+          <p:nvPr>
+            <p:ph type="title"/>
+          </p:nvPr>
+        </p:nvSpPr>
+        <p:spPr/>
+        <p:txBody>
+          <a:bodyPr/>
+          <a:lstStyle/>
+          <a:p>
+            <a:r>
+              <a:rPr lang="en-US" dirty="0"/>
+              <a:t>Focus of Project</a:t>
+            </a:r>
+          </a:p>
+        </p:txBody>
+      </p:sp>
+      <p:sp>
+        <p:nvSpPr>
+          <p:cNvPr id="4" name="Footer Placeholder 3">
+            <a:extLst>
+              <a:ext uri="{FF2B5EF4-FFF2-40B4-BE49-F238E27FC236}">
+                <a16:creationId xmlns:a16="http://schemas.microsoft.com/office/drawing/2014/main" id="{D43675A5-5AF6-4FBB-8A82-F14293677E52}"/>
+              </a:ext>
+            </a:extLst>
+          </p:cNvPr>
+          <p:cNvSpPr>
+            <a:spLocks noGrp="1"/>
+          </p:cNvSpPr>
+          <p:nvPr>
+            <p:ph type="ftr" sz="quarter" idx="3"/>
+          </p:nvPr>
+        </p:nvSpPr>
+        <p:spPr/>
+        <p:txBody>
+          <a:bodyPr/>
+          <a:lstStyle/>
+          <a:p>
+            <a:r>
+              <a:rPr lang="en-US"/>
+              <a:t>Discretionary Disclosure Complexity</a:t>
+            </a:r>
+            <a:endParaRPr lang="en-US" dirty="0"/>
+          </a:p>
+        </p:txBody>
+      </p:sp>
+      <p:sp>
+        <p:nvSpPr>
+          <p:cNvPr id="5" name="Rectangle 4">
+            <a:extLst>
+              <a:ext uri="{FF2B5EF4-FFF2-40B4-BE49-F238E27FC236}">
+                <a16:creationId xmlns:a16="http://schemas.microsoft.com/office/drawing/2014/main" id="{799B2662-4F99-43A7-A46B-BD8C0A395591}"/>
+              </a:ext>
+            </a:extLst>
+          </p:cNvPr>
+          <p:cNvSpPr/>
+          <p:nvPr/>
+        </p:nvSpPr>
+        <p:spPr>
+          <a:xfrm>
+            <a:off x="1158240" y="3266823"/>
+            <a:ext cx="1981200" cy="762000"/>
+          </a:xfrm>
+          <a:prstGeom prst="rect">
+            <a:avLst/>
+          </a:prstGeom>
+        </p:spPr>
+        <p:style>
+          <a:lnRef idx="2">
+            <a:schemeClr val="accent1">
+              <a:shade val="50000"/>
+            </a:schemeClr>
+          </a:lnRef>
+          <a:fillRef idx="1">
+            <a:schemeClr val="accent1"/>
+          </a:fillRef>
+          <a:effectRef idx="0">
+            <a:schemeClr val="accent1"/>
+          </a:effectRef>
+          <a:fontRef idx="minor">
+            <a:schemeClr val="lt1"/>
+          </a:fontRef>
+        </p:style>
+        <p:txBody>
+          <a:bodyPr rtlCol="0" anchor="ctr"/>
+          <a:lstStyle/>
+          <a:p>
+            <a:pPr algn="ctr"/>
+            <a:r>
+              <a:rPr lang="en-US" dirty="0"/>
+              <a:t>Russell 1000 Inclusion</a:t>
+            </a:r>
+          </a:p>
+        </p:txBody>
+      </p:sp>
+      <p:sp>
+        <p:nvSpPr>
+          <p:cNvPr id="6" name="Rectangle 5">
+            <a:extLst>
+              <a:ext uri="{FF2B5EF4-FFF2-40B4-BE49-F238E27FC236}">
+                <a16:creationId xmlns:a16="http://schemas.microsoft.com/office/drawing/2014/main" id="{92B78DD0-1F87-4507-A077-8EFF08A32C4C}"/>
+              </a:ext>
+            </a:extLst>
+          </p:cNvPr>
+          <p:cNvSpPr/>
+          <p:nvPr/>
+        </p:nvSpPr>
+        <p:spPr>
+          <a:xfrm>
+            <a:off x="3520440" y="3266823"/>
+            <a:ext cx="1981200" cy="762000"/>
+          </a:xfrm>
+          <a:prstGeom prst="rect">
+            <a:avLst/>
+          </a:prstGeom>
+        </p:spPr>
+        <p:style>
+          <a:lnRef idx="2">
+            <a:schemeClr val="accent1">
+              <a:shade val="50000"/>
+            </a:schemeClr>
+          </a:lnRef>
+          <a:fillRef idx="1">
+            <a:schemeClr val="accent1"/>
+          </a:fillRef>
+          <a:effectRef idx="0">
+            <a:schemeClr val="accent1"/>
+          </a:effectRef>
+          <a:fontRef idx="minor">
+            <a:schemeClr val="lt1"/>
+          </a:fontRef>
+        </p:style>
+        <p:txBody>
+          <a:bodyPr rtlCol="0" anchor="ctr"/>
+          <a:lstStyle/>
+          <a:p>
+            <a:pPr algn="ctr"/>
+            <a:r>
+              <a:rPr lang="en-US" dirty="0"/>
+              <a:t>Institutional Investment</a:t>
+            </a:r>
+          </a:p>
+        </p:txBody>
+      </p:sp>
+      <p:sp>
+        <p:nvSpPr>
+          <p:cNvPr id="7" name="Rectangle 6">
+            <a:extLst>
+              <a:ext uri="{FF2B5EF4-FFF2-40B4-BE49-F238E27FC236}">
+                <a16:creationId xmlns:a16="http://schemas.microsoft.com/office/drawing/2014/main" id="{75FE9F14-7EE7-45A2-A6C5-0893861FEDA9}"/>
+              </a:ext>
+            </a:extLst>
+          </p:cNvPr>
+          <p:cNvSpPr/>
+          <p:nvPr/>
+        </p:nvSpPr>
+        <p:spPr>
+          <a:xfrm>
+            <a:off x="5882640" y="3266823"/>
+            <a:ext cx="1981200" cy="762000"/>
+          </a:xfrm>
+          <a:prstGeom prst="rect">
+            <a:avLst/>
+          </a:prstGeom>
+        </p:spPr>
+        <p:style>
+          <a:lnRef idx="2">
+            <a:schemeClr val="accent1">
+              <a:shade val="50000"/>
+            </a:schemeClr>
+          </a:lnRef>
+          <a:fillRef idx="1">
+            <a:schemeClr val="accent1"/>
+          </a:fillRef>
+          <a:effectRef idx="0">
+            <a:schemeClr val="accent1"/>
+          </a:effectRef>
+          <a:fontRef idx="minor">
+            <a:schemeClr val="lt1"/>
+          </a:fontRef>
+        </p:style>
+        <p:txBody>
+          <a:bodyPr rtlCol="0" anchor="ctr"/>
+          <a:lstStyle/>
+          <a:p>
+            <a:pPr algn="ctr"/>
+            <a:r>
+              <a:rPr lang="en-US" dirty="0"/>
+              <a:t>Trading Environment</a:t>
+            </a:r>
+          </a:p>
+        </p:txBody>
+      </p:sp>
+      <p:sp>
+        <p:nvSpPr>
+          <p:cNvPr id="8" name="Rectangle 7">
+            <a:extLst>
+              <a:ext uri="{FF2B5EF4-FFF2-40B4-BE49-F238E27FC236}">
+                <a16:creationId xmlns:a16="http://schemas.microsoft.com/office/drawing/2014/main" id="{55EA6828-AED0-436A-B66E-EF3F97F48A43}"/>
+              </a:ext>
+            </a:extLst>
+          </p:cNvPr>
+          <p:cNvSpPr/>
+          <p:nvPr/>
+        </p:nvSpPr>
+        <p:spPr>
+          <a:xfrm>
+            <a:off x="5902960" y="4333623"/>
+            <a:ext cx="1981200" cy="762000"/>
+          </a:xfrm>
+          <a:prstGeom prst="rect">
+            <a:avLst/>
+          </a:prstGeom>
+        </p:spPr>
+        <p:style>
+          <a:lnRef idx="2">
+            <a:schemeClr val="accent1">
+              <a:shade val="50000"/>
+            </a:schemeClr>
+          </a:lnRef>
+          <a:fillRef idx="1">
+            <a:schemeClr val="accent1"/>
+          </a:fillRef>
+          <a:effectRef idx="0">
+            <a:schemeClr val="accent1"/>
+          </a:effectRef>
+          <a:fontRef idx="minor">
+            <a:schemeClr val="lt1"/>
+          </a:fontRef>
+        </p:style>
+        <p:txBody>
+          <a:bodyPr rtlCol="0" anchor="ctr"/>
+          <a:lstStyle/>
+          <a:p>
+            <a:pPr algn="ctr"/>
+            <a:r>
+              <a:rPr lang="en-US" dirty="0"/>
+              <a:t>Analyst Forecasts</a:t>
+            </a:r>
+          </a:p>
+        </p:txBody>
+      </p:sp>
+      <p:sp>
+        <p:nvSpPr>
+          <p:cNvPr id="9" name="Rectangle 8">
+            <a:extLst>
+              <a:ext uri="{FF2B5EF4-FFF2-40B4-BE49-F238E27FC236}">
+                <a16:creationId xmlns:a16="http://schemas.microsoft.com/office/drawing/2014/main" id="{2DB31B50-F47F-45E5-8CD7-F866A3F6946D}"/>
+              </a:ext>
+            </a:extLst>
+          </p:cNvPr>
+          <p:cNvSpPr/>
+          <p:nvPr/>
+        </p:nvSpPr>
+        <p:spPr>
+          <a:xfrm>
+            <a:off x="5867400" y="2200023"/>
+            <a:ext cx="1981200" cy="762000"/>
+          </a:xfrm>
+          <a:prstGeom prst="rect">
+            <a:avLst/>
+          </a:prstGeom>
+        </p:spPr>
+        <p:style>
+          <a:lnRef idx="2">
+            <a:schemeClr val="accent1">
+              <a:shade val="50000"/>
+            </a:schemeClr>
+          </a:lnRef>
+          <a:fillRef idx="1">
+            <a:schemeClr val="accent1"/>
+          </a:fillRef>
+          <a:effectRef idx="0">
+            <a:schemeClr val="accent1"/>
+          </a:effectRef>
+          <a:fontRef idx="minor">
+            <a:schemeClr val="lt1"/>
+          </a:fontRef>
+        </p:style>
+        <p:txBody>
+          <a:bodyPr rtlCol="0" anchor="ctr"/>
+          <a:lstStyle/>
+          <a:p>
+            <a:pPr algn="ctr"/>
+            <a:r>
+              <a:rPr lang="en-US" dirty="0"/>
+              <a:t>Management Disclosure</a:t>
+            </a:r>
+          </a:p>
+        </p:txBody>
+      </p:sp>
+      <p:cxnSp>
+        <p:nvCxnSpPr>
+          <p:cNvPr id="11" name="Straight Arrow Connector 10">
+            <a:extLst>
+              <a:ext uri="{FF2B5EF4-FFF2-40B4-BE49-F238E27FC236}">
+                <a16:creationId xmlns:a16="http://schemas.microsoft.com/office/drawing/2014/main" id="{1C12CC83-12CE-4DBB-B92F-4B590AF2AAEC}"/>
+              </a:ext>
+            </a:extLst>
+          </p:cNvPr>
+          <p:cNvCxnSpPr>
+            <a:stCxn id="5" idx="3"/>
+            <a:endCxn id="6" idx="1"/>
+          </p:cNvCxnSpPr>
+          <p:nvPr/>
+        </p:nvCxnSpPr>
+        <p:spPr>
+          <a:xfrm>
+            <a:off x="3139440" y="3647823"/>
+            <a:ext cx="381000" cy="0"/>
+          </a:xfrm>
+          <a:prstGeom prst="straightConnector1">
+            <a:avLst/>
+          </a:prstGeom>
+          <a:ln>
+            <a:tailEnd type="triangle"/>
+          </a:ln>
+        </p:spPr>
+        <p:style>
+          <a:lnRef idx="1">
+            <a:schemeClr val="accent1"/>
+          </a:lnRef>
+          <a:fillRef idx="0">
+            <a:schemeClr val="accent1"/>
+          </a:fillRef>
+          <a:effectRef idx="0">
+            <a:schemeClr val="accent1"/>
+          </a:effectRef>
+          <a:fontRef idx="minor">
+            <a:schemeClr val="tx1"/>
+          </a:fontRef>
+        </p:style>
+      </p:cxnSp>
+      <p:cxnSp>
+        <p:nvCxnSpPr>
+          <p:cNvPr id="13" name="Straight Arrow Connector 12">
+            <a:extLst>
+              <a:ext uri="{FF2B5EF4-FFF2-40B4-BE49-F238E27FC236}">
+                <a16:creationId xmlns:a16="http://schemas.microsoft.com/office/drawing/2014/main" id="{4E85EC39-173F-49ED-AA24-48A13732E939}"/>
+              </a:ext>
+            </a:extLst>
+          </p:cNvPr>
+          <p:cNvCxnSpPr>
+            <a:stCxn id="6" idx="3"/>
+            <a:endCxn id="9" idx="1"/>
+          </p:cNvCxnSpPr>
+          <p:nvPr/>
+        </p:nvCxnSpPr>
+        <p:spPr>
+          <a:xfrm flipV="1">
+            <a:off x="5501640" y="2581023"/>
+            <a:ext cx="365760" cy="1066800"/>
+          </a:xfrm>
+          <a:prstGeom prst="straightConnector1">
+            <a:avLst/>
+          </a:prstGeom>
+          <a:ln>
+            <a:tailEnd type="triangle"/>
+          </a:ln>
+        </p:spPr>
+        <p:style>
+          <a:lnRef idx="1">
+            <a:schemeClr val="accent1"/>
+          </a:lnRef>
+          <a:fillRef idx="0">
+            <a:schemeClr val="accent1"/>
+          </a:fillRef>
+          <a:effectRef idx="0">
+            <a:schemeClr val="accent1"/>
+          </a:effectRef>
+          <a:fontRef idx="minor">
+            <a:schemeClr val="tx1"/>
+          </a:fontRef>
+        </p:style>
+      </p:cxnSp>
+      <p:cxnSp>
+        <p:nvCxnSpPr>
+          <p:cNvPr id="15" name="Straight Arrow Connector 14">
+            <a:extLst>
+              <a:ext uri="{FF2B5EF4-FFF2-40B4-BE49-F238E27FC236}">
+                <a16:creationId xmlns:a16="http://schemas.microsoft.com/office/drawing/2014/main" id="{8ECF6D42-C63E-4AD7-A250-0ADA797A98E8}"/>
+              </a:ext>
+            </a:extLst>
+          </p:cNvPr>
+          <p:cNvCxnSpPr>
+            <a:stCxn id="6" idx="3"/>
+            <a:endCxn id="7" idx="1"/>
+          </p:cNvCxnSpPr>
+          <p:nvPr/>
+        </p:nvCxnSpPr>
+        <p:spPr>
+          <a:xfrm>
+            <a:off x="5501640" y="3647823"/>
+            <a:ext cx="381000" cy="0"/>
+          </a:xfrm>
+          <a:prstGeom prst="straightConnector1">
+            <a:avLst/>
+          </a:prstGeom>
+          <a:ln>
+            <a:tailEnd type="triangle"/>
+          </a:ln>
+        </p:spPr>
+        <p:style>
+          <a:lnRef idx="1">
+            <a:schemeClr val="accent1"/>
+          </a:lnRef>
+          <a:fillRef idx="0">
+            <a:schemeClr val="accent1"/>
+          </a:fillRef>
+          <a:effectRef idx="0">
+            <a:schemeClr val="accent1"/>
+          </a:effectRef>
+          <a:fontRef idx="minor">
+            <a:schemeClr val="tx1"/>
+          </a:fontRef>
+        </p:style>
+      </p:cxnSp>
+      <p:cxnSp>
+        <p:nvCxnSpPr>
+          <p:cNvPr id="19" name="Straight Arrow Connector 18">
+            <a:extLst>
+              <a:ext uri="{FF2B5EF4-FFF2-40B4-BE49-F238E27FC236}">
+                <a16:creationId xmlns:a16="http://schemas.microsoft.com/office/drawing/2014/main" id="{0A8221FD-BECD-4FF8-9362-8E7A77F4C89C}"/>
+              </a:ext>
+            </a:extLst>
+          </p:cNvPr>
+          <p:cNvCxnSpPr>
+            <a:stCxn id="6" idx="3"/>
+            <a:endCxn id="8" idx="1"/>
+          </p:cNvCxnSpPr>
+          <p:nvPr/>
+        </p:nvCxnSpPr>
+        <p:spPr>
+          <a:xfrm>
+            <a:off x="5501640" y="3647823"/>
+            <a:ext cx="401320" cy="1066800"/>
+          </a:xfrm>
+          <a:prstGeom prst="straightConnector1">
+            <a:avLst/>
+          </a:prstGeom>
+          <a:ln>
+            <a:tailEnd type="triangle"/>
+          </a:ln>
+        </p:spPr>
+        <p:style>
+          <a:lnRef idx="1">
+            <a:schemeClr val="accent1"/>
+          </a:lnRef>
+          <a:fillRef idx="0">
+            <a:schemeClr val="accent1"/>
+          </a:fillRef>
+          <a:effectRef idx="0">
+            <a:schemeClr val="accent1"/>
+          </a:effectRef>
+          <a:fontRef idx="minor">
+            <a:schemeClr val="tx1"/>
+          </a:fontRef>
+        </p:style>
+      </p:cxnSp>
+      <p:sp>
+        <p:nvSpPr>
+          <p:cNvPr id="3" name="Arrow: Curved Down 2">
+            <a:extLst>
+              <a:ext uri="{FF2B5EF4-FFF2-40B4-BE49-F238E27FC236}">
+                <a16:creationId xmlns:a16="http://schemas.microsoft.com/office/drawing/2014/main" id="{C8871FFE-5B22-497A-B253-5C09A0454D52}"/>
+              </a:ext>
+            </a:extLst>
+          </p:cNvPr>
+          <p:cNvSpPr/>
+          <p:nvPr/>
+        </p:nvSpPr>
+        <p:spPr>
+          <a:xfrm>
+            <a:off x="2225038" y="2355787"/>
+            <a:ext cx="4328162" cy="762000"/>
+          </a:xfrm>
+          <a:prstGeom prst="curvedDownArrow">
+            <a:avLst/>
+          </a:prstGeom>
+          <a:solidFill>
+            <a:srgbClr val="00B050"/>
+          </a:solidFill>
+        </p:spPr>
+        <p:style>
+          <a:lnRef idx="2">
+            <a:schemeClr val="accent1">
+              <a:shade val="50000"/>
+            </a:schemeClr>
+          </a:lnRef>
+          <a:fillRef idx="1">
+            <a:schemeClr val="accent1"/>
+          </a:fillRef>
+          <a:effectRef idx="0">
+            <a:schemeClr val="accent1"/>
+          </a:effectRef>
+          <a:fontRef idx="minor">
+            <a:schemeClr val="lt1"/>
+          </a:fontRef>
+        </p:style>
+        <p:txBody>
+          <a:bodyPr rtlCol="0" anchor="ctr"/>
+          <a:lstStyle/>
+          <a:p>
+            <a:pPr algn="ctr"/>
+            <a:endParaRPr lang="en-US">
+              <a:solidFill>
+                <a:schemeClr val="tx1"/>
+              </a:solidFill>
+            </a:endParaRPr>
+          </a:p>
+        </p:txBody>
+      </p:sp>
+      <p:sp>
+        <p:nvSpPr>
+          <p:cNvPr id="14" name="TextBox 13">
+            <a:extLst>
+              <a:ext uri="{FF2B5EF4-FFF2-40B4-BE49-F238E27FC236}">
+                <a16:creationId xmlns:a16="http://schemas.microsoft.com/office/drawing/2014/main" id="{F8144B95-4187-466E-A154-D6B74C64A0F3}"/>
+              </a:ext>
+            </a:extLst>
+          </p:cNvPr>
+          <p:cNvSpPr txBox="1"/>
+          <p:nvPr/>
+        </p:nvSpPr>
+        <p:spPr>
+          <a:xfrm>
+            <a:off x="685800" y="5536808"/>
+            <a:ext cx="7315200" cy="369332"/>
+          </a:xfrm>
+          <a:prstGeom prst="rect">
+            <a:avLst/>
+          </a:prstGeom>
+          <a:noFill/>
+        </p:spPr>
+        <p:txBody>
+          <a:bodyPr wrap="square" rtlCol="0">
+            <a:spAutoFit/>
+          </a:bodyPr>
+          <a:lstStyle/>
+          <a:p>
+            <a:r>
+              <a:rPr lang="en-US" dirty="0"/>
+              <a:t>Because if this doesn’t hold, the whole story falls apart.</a:t>
+            </a:r>
+          </a:p>
+        </p:txBody>
+      </p:sp>
+      <p:sp>
+        <p:nvSpPr>
+          <p:cNvPr id="16" name="Action Button: Help 15">
+            <a:hlinkClick r:id="" action="ppaction://noaction" highlightClick="1"/>
+            <a:extLst>
+              <a:ext uri="{FF2B5EF4-FFF2-40B4-BE49-F238E27FC236}">
+                <a16:creationId xmlns:a16="http://schemas.microsoft.com/office/drawing/2014/main" id="{40117432-7F3E-4265-8356-235A7A98F2C2}"/>
+              </a:ext>
+            </a:extLst>
+          </p:cNvPr>
+          <p:cNvSpPr/>
+          <p:nvPr/>
+        </p:nvSpPr>
+        <p:spPr>
+          <a:xfrm>
+            <a:off x="3886200" y="1972557"/>
+            <a:ext cx="838200" cy="762000"/>
+          </a:xfrm>
+          <a:prstGeom prst="actionButtonHelp">
+            <a:avLst/>
+          </a:prstGeom>
+          <a:noFill/>
+        </p:spPr>
+        <p:style>
+          <a:lnRef idx="2">
+            <a:schemeClr val="accent1">
+              <a:shade val="50000"/>
+            </a:schemeClr>
+          </a:lnRef>
+          <a:fillRef idx="1">
+            <a:schemeClr val="accent1"/>
+          </a:fillRef>
+          <a:effectRef idx="0">
+            <a:schemeClr val="accent1"/>
+          </a:effectRef>
+          <a:fontRef idx="minor">
+            <a:schemeClr val="lt1"/>
+          </a:fontRef>
+        </p:style>
+        <p:txBody>
+          <a:bodyPr rtlCol="0" anchor="ctr"/>
+          <a:lstStyle/>
+          <a:p>
+            <a:pPr algn="ctr"/>
+            <a:endParaRPr lang="en-US"/>
+          </a:p>
+        </p:txBody>
+      </p:sp>
+    </p:spTree>
+    <p:extLst>
+      <p:ext uri="{BB962C8B-B14F-4D97-AF65-F5344CB8AC3E}">
+        <p14:creationId xmlns:p14="http://schemas.microsoft.com/office/powerpoint/2010/main" val="934236640"/>
+      </p:ext>
+    </p:extLst>
+  </p:cSld>
+  <p:clrMapOvr>
+    <a:masterClrMapping/>
+  </p:clrMapOvr>
+</p:sld>
+</file>
+
+<file path=ppt/slides/slide2.xml><?xml version="1.0" encoding="utf-8"?>
+<p:sld xmlns:a="http://schemas.openxmlformats.org/drawingml/2006/main" xmlns:r="http://schemas.openxmlformats.org/officeDocument/2006/relationships" xmlns:p="http://schemas.openxmlformats.org/presentationml/2006/main">
+  <p:cSld>
+    <p:spTree>
+      <p:nvGrpSpPr>
+        <p:cNvPr id="1" name=""/>
+        <p:cNvGrpSpPr/>
+        <p:nvPr/>
+      </p:nvGrpSpPr>
+      <p:grpSpPr>
+        <a:xfrm>
+          <a:off x="0" y="0"/>
+          <a:ext cx="0" cy="0"/>
+          <a:chOff x="0" y="0"/>
+          <a:chExt cx="0" cy="0"/>
+        </a:xfrm>
+      </p:grpSpPr>
+      <p:sp>
+        <p:nvSpPr>
+          <p:cNvPr id="12" name="Title 11"/>
+          <p:cNvSpPr>
+            <a:spLocks noGrp="1"/>
+          </p:cNvSpPr>
+          <p:nvPr>
+            <p:ph type="title"/>
+          </p:nvPr>
+        </p:nvSpPr>
+        <p:spPr/>
+        <p:txBody>
+          <a:bodyPr/>
+          <a:lstStyle/>
+          <a:p>
+            <a:r>
+              <a:rPr lang="en-US" dirty="0"/>
+              <a:t>Summary</a:t>
+            </a:r>
+          </a:p>
+        </p:txBody>
+      </p:sp>
+      <p:sp>
+        <p:nvSpPr>
+          <p:cNvPr id="9" name="TextBox 8">
+            <a:extLst>
+              <a:ext uri="{FF2B5EF4-FFF2-40B4-BE49-F238E27FC236}">
+                <a16:creationId xmlns:a16="http://schemas.microsoft.com/office/drawing/2014/main" id="{5B1D42EC-E1DF-4083-9D70-2D40CF1BB49D}"/>
+              </a:ext>
+            </a:extLst>
+          </p:cNvPr>
+          <p:cNvSpPr txBox="1"/>
+          <p:nvPr/>
+        </p:nvSpPr>
+        <p:spPr>
+          <a:xfrm>
+            <a:off x="685800" y="1447800"/>
+            <a:ext cx="7772400" cy="923330"/>
+          </a:xfrm>
+          <a:prstGeom prst="rect">
+            <a:avLst/>
+          </a:prstGeom>
+          <a:noFill/>
+        </p:spPr>
+        <p:txBody>
+          <a:bodyPr wrap="square">
+            <a:spAutoFit/>
+          </a:bodyPr>
+          <a:lstStyle/>
+          <a:p>
+            <a:pPr marL="342900" indent="-342900" algn="just">
+              <a:buAutoNum type="arabicPeriod"/>
+            </a:pPr>
+            <a:r>
+              <a:rPr lang="en-US" b="0" i="0" dirty="0">
+                <a:solidFill>
+                  <a:srgbClr val="000000"/>
+                </a:solidFill>
+                <a:effectLst/>
+                <a:latin typeface="Arial" panose="020B0604020202020204" pitchFamily="34" charset="0"/>
+                <a:cs typeface="Arial" panose="020B0604020202020204" pitchFamily="34" charset="0"/>
+              </a:rPr>
+              <a:t>Summary of Paper</a:t>
+            </a:r>
+          </a:p>
+          <a:p>
+            <a:pPr marL="342900" indent="-342900" algn="just">
+              <a:buAutoNum type="arabicPeriod"/>
+            </a:pPr>
+            <a:r>
+              <a:rPr lang="en-US" dirty="0">
+                <a:solidFill>
+                  <a:srgbClr val="000000"/>
+                </a:solidFill>
+                <a:latin typeface="Arial" panose="020B0604020202020204" pitchFamily="34" charset="0"/>
+                <a:cs typeface="Arial" panose="020B0604020202020204" pitchFamily="34" charset="0"/>
+              </a:rPr>
+              <a:t>Perturbations and Results</a:t>
+            </a:r>
+          </a:p>
+          <a:p>
+            <a:pPr marL="342900" indent="-342900" algn="just">
+              <a:buAutoNum type="arabicPeriod"/>
+            </a:pPr>
+            <a:r>
+              <a:rPr lang="en-US" dirty="0">
+                <a:solidFill>
+                  <a:srgbClr val="000000"/>
+                </a:solidFill>
+                <a:latin typeface="Arial" panose="020B0604020202020204" pitchFamily="34" charset="0"/>
+                <a:cs typeface="Arial" panose="020B0604020202020204" pitchFamily="34" charset="0"/>
+              </a:rPr>
+              <a:t>Conclusion</a:t>
+            </a:r>
+          </a:p>
+        </p:txBody>
+      </p:sp>
+      <p:sp>
+        <p:nvSpPr>
+          <p:cNvPr id="2" name="TextBox 1">
+            <a:extLst>
+              <a:ext uri="{FF2B5EF4-FFF2-40B4-BE49-F238E27FC236}">
+                <a16:creationId xmlns:a16="http://schemas.microsoft.com/office/drawing/2014/main" id="{6474C8DF-2F9A-446D-9832-DF2B23D1C4B0}"/>
+              </a:ext>
+            </a:extLst>
+          </p:cNvPr>
+          <p:cNvSpPr txBox="1"/>
+          <p:nvPr/>
+        </p:nvSpPr>
+        <p:spPr>
+          <a:xfrm>
+            <a:off x="685800" y="5420497"/>
+            <a:ext cx="7772400" cy="646331"/>
+          </a:xfrm>
+          <a:prstGeom prst="rect">
+            <a:avLst/>
+          </a:prstGeom>
+          <a:noFill/>
+        </p:spPr>
+        <p:txBody>
+          <a:bodyPr wrap="square" rtlCol="0">
+            <a:spAutoFit/>
+          </a:bodyPr>
+          <a:lstStyle/>
+          <a:p>
+            <a:r>
+              <a:rPr lang="en-US" b="1" dirty="0">
+                <a:solidFill>
+                  <a:schemeClr val="tx2"/>
+                </a:solidFill>
+              </a:rPr>
+              <a:t>Overall Question: Does institutional ownership (exogeneous shock of index inclusion) lead to a more transparent trading environment?</a:t>
+            </a:r>
+          </a:p>
+        </p:txBody>
+      </p:sp>
+    </p:spTree>
+    <p:extLst>
+      <p:ext uri="{BB962C8B-B14F-4D97-AF65-F5344CB8AC3E}">
+        <p14:creationId xmlns:p14="http://schemas.microsoft.com/office/powerpoint/2010/main" val="1059945244"/>
+      </p:ext>
+    </p:extLst>
+  </p:cSld>
+  <p:clrMapOvr>
+    <a:masterClrMapping/>
+  </p:clrMapOvr>
+</p:sld>
+</file>
+
+<file path=ppt/slides/slide20.xml><?xml version="1.0" encoding="utf-8"?>
+<p:sld xmlns:a="http://schemas.openxmlformats.org/drawingml/2006/main" xmlns:r="http://schemas.openxmlformats.org/officeDocument/2006/relationships" xmlns:p="http://schemas.openxmlformats.org/presentationml/2006/main">
+  <p:cSld>
+    <p:spTree>
+      <p:nvGrpSpPr>
+        <p:cNvPr id="1" name=""/>
+        <p:cNvGrpSpPr/>
+        <p:nvPr/>
+      </p:nvGrpSpPr>
+      <p:grpSpPr>
+        <a:xfrm>
+          <a:off x="0" y="0"/>
+          <a:ext cx="0" cy="0"/>
+          <a:chOff x="0" y="0"/>
+          <a:chExt cx="0" cy="0"/>
+        </a:xfrm>
+      </p:grpSpPr>
+      <p:sp>
+        <p:nvSpPr>
           <p:cNvPr id="5" name="Title 4">
             <a:extLst>
               <a:ext uri="{FF2B5EF4-FFF2-40B4-BE49-F238E27FC236}">
@@ -10935,7 +13299,7 @@
 </p:sld>
 </file>
 
-<file path=ppt/slides/slide18.xml><?xml version="1.0" encoding="utf-8"?>
+<file path=ppt/slides/slide21.xml><?xml version="1.0" encoding="utf-8"?>
 <p:sld xmlns:a="http://schemas.openxmlformats.org/drawingml/2006/main" xmlns:r="http://schemas.openxmlformats.org/officeDocument/2006/relationships" xmlns:p="http://schemas.openxmlformats.org/presentationml/2006/main">
   <p:cSld>
     <p:spTree>
@@ -11359,7 +13723,7 @@
 </p:sld>
 </file>
 
-<file path=ppt/slides/slide19.xml><?xml version="1.0" encoding="utf-8"?>
+<file path=ppt/slides/slide22.xml><?xml version="1.0" encoding="utf-8"?>
 <p:sld xmlns:a="http://schemas.openxmlformats.org/drawingml/2006/main" xmlns:r="http://schemas.openxmlformats.org/officeDocument/2006/relationships" xmlns:p="http://schemas.openxmlformats.org/presentationml/2006/main">
   <p:cSld>
     <p:spTree>
@@ -11520,173 +13884,7 @@
 </p:sld>
 </file>
 
-<file path=ppt/slides/slide2.xml><?xml version="1.0" encoding="utf-8"?>
-<p:sld xmlns:a="http://schemas.openxmlformats.org/drawingml/2006/main" xmlns:r="http://schemas.openxmlformats.org/officeDocument/2006/relationships" xmlns:p="http://schemas.openxmlformats.org/presentationml/2006/main">
-  <p:cSld>
-    <p:spTree>
-      <p:nvGrpSpPr>
-        <p:cNvPr id="1" name=""/>
-        <p:cNvGrpSpPr/>
-        <p:nvPr/>
-      </p:nvGrpSpPr>
-      <p:grpSpPr>
-        <a:xfrm>
-          <a:off x="0" y="0"/>
-          <a:ext cx="0" cy="0"/>
-          <a:chOff x="0" y="0"/>
-          <a:chExt cx="0" cy="0"/>
-        </a:xfrm>
-      </p:grpSpPr>
-      <p:sp>
-        <p:nvSpPr>
-          <p:cNvPr id="12" name="Title 11"/>
-          <p:cNvSpPr>
-            <a:spLocks noGrp="1"/>
-          </p:cNvSpPr>
-          <p:nvPr>
-            <p:ph type="title"/>
-          </p:nvPr>
-        </p:nvSpPr>
-        <p:spPr/>
-        <p:txBody>
-          <a:bodyPr/>
-          <a:lstStyle/>
-          <a:p>
-            <a:r>
-              <a:rPr lang="en-US" dirty="0"/>
-              <a:t>Summary</a:t>
-            </a:r>
-          </a:p>
-        </p:txBody>
-      </p:sp>
-      <p:sp>
-        <p:nvSpPr>
-          <p:cNvPr id="9" name="TextBox 8">
-            <a:extLst>
-              <a:ext uri="{FF2B5EF4-FFF2-40B4-BE49-F238E27FC236}">
-                <a16:creationId xmlns:a16="http://schemas.microsoft.com/office/drawing/2014/main" id="{5B1D42EC-E1DF-4083-9D70-2D40CF1BB49D}"/>
-              </a:ext>
-            </a:extLst>
-          </p:cNvPr>
-          <p:cNvSpPr txBox="1"/>
-          <p:nvPr/>
-        </p:nvSpPr>
-        <p:spPr>
-          <a:xfrm>
-            <a:off x="685800" y="1447800"/>
-            <a:ext cx="7772400" cy="923330"/>
-          </a:xfrm>
-          <a:prstGeom prst="rect">
-            <a:avLst/>
-          </a:prstGeom>
-          <a:noFill/>
-        </p:spPr>
-        <p:txBody>
-          <a:bodyPr wrap="square">
-            <a:spAutoFit/>
-          </a:bodyPr>
-          <a:lstStyle/>
-          <a:p>
-            <a:pPr marL="342900" indent="-342900" algn="just">
-              <a:buAutoNum type="arabicPeriod"/>
-            </a:pPr>
-            <a:r>
-              <a:rPr lang="en-US" b="0" i="0" dirty="0">
-                <a:solidFill>
-                  <a:srgbClr val="000000"/>
-                </a:solidFill>
-                <a:effectLst/>
-                <a:latin typeface="Arial" panose="020B0604020202020204" pitchFamily="34" charset="0"/>
-                <a:cs typeface="Arial" panose="020B0604020202020204" pitchFamily="34" charset="0"/>
-              </a:rPr>
-              <a:t>Summary of Paper</a:t>
-            </a:r>
-          </a:p>
-          <a:p>
-            <a:pPr marL="342900" indent="-342900" algn="just">
-              <a:buAutoNum type="arabicPeriod"/>
-            </a:pPr>
-            <a:r>
-              <a:rPr lang="en-US" dirty="0">
-                <a:solidFill>
-                  <a:srgbClr val="000000"/>
-                </a:solidFill>
-                <a:latin typeface="Arial" panose="020B0604020202020204" pitchFamily="34" charset="0"/>
-                <a:cs typeface="Arial" panose="020B0604020202020204" pitchFamily="34" charset="0"/>
-              </a:rPr>
-              <a:t>Perturbations and Results</a:t>
-            </a:r>
-          </a:p>
-          <a:p>
-            <a:pPr marL="342900" indent="-342900" algn="just">
-              <a:buAutoNum type="arabicPeriod"/>
-            </a:pPr>
-            <a:r>
-              <a:rPr lang="en-US" dirty="0">
-                <a:solidFill>
-                  <a:srgbClr val="000000"/>
-                </a:solidFill>
-                <a:latin typeface="Arial" panose="020B0604020202020204" pitchFamily="34" charset="0"/>
-                <a:cs typeface="Arial" panose="020B0604020202020204" pitchFamily="34" charset="0"/>
-              </a:rPr>
-              <a:t>Conclusion</a:t>
-            </a:r>
-          </a:p>
-        </p:txBody>
-      </p:sp>
-      <p:sp>
-        <p:nvSpPr>
-          <p:cNvPr id="2" name="TextBox 1">
-            <a:extLst>
-              <a:ext uri="{FF2B5EF4-FFF2-40B4-BE49-F238E27FC236}">
-                <a16:creationId xmlns:a16="http://schemas.microsoft.com/office/drawing/2014/main" id="{6474C8DF-2F9A-446D-9832-DF2B23D1C4B0}"/>
-              </a:ext>
-            </a:extLst>
-          </p:cNvPr>
-          <p:cNvSpPr txBox="1"/>
-          <p:nvPr/>
-        </p:nvSpPr>
-        <p:spPr>
-          <a:xfrm>
-            <a:off x="685800" y="5420497"/>
-            <a:ext cx="7772400" cy="646331"/>
-          </a:xfrm>
-          <a:prstGeom prst="rect">
-            <a:avLst/>
-          </a:prstGeom>
-          <a:noFill/>
-        </p:spPr>
-        <p:txBody>
-          <a:bodyPr wrap="square" rtlCol="0">
-            <a:spAutoFit/>
-          </a:bodyPr>
-          <a:lstStyle/>
-          <a:p>
-            <a:r>
-              <a:rPr lang="en-US" b="1" dirty="0">
-                <a:solidFill>
-                  <a:schemeClr val="tx2"/>
-                </a:solidFill>
-              </a:rPr>
-              <a:t>Overall Question: Does institutional ownership (exogeneous shock of index inclusion) lead to a more transparent trading environment?</a:t>
-            </a:r>
-          </a:p>
-        </p:txBody>
-      </p:sp>
-    </p:spTree>
-    <p:extLst>
-      <p:ext uri="{BB962C8B-B14F-4D97-AF65-F5344CB8AC3E}">
-        <p14:creationId xmlns:p14="http://schemas.microsoft.com/office/powerpoint/2010/main" val="1059945244"/>
-      </p:ext>
-    </p:extLst>
-  </p:cSld>
-  <p:clrMapOvr>
-    <a:masterClrMapping/>
-  </p:clrMapOvr>
-</p:sld>
-</file>
-
-<file path=ppt/slides/slide20.xml><?xml version="1.0" encoding="utf-8"?>
+<file path=ppt/slides/slide23.xml><?xml version="1.0" encoding="utf-8"?>
 <p:sld xmlns:a="http://schemas.openxmlformats.org/drawingml/2006/main" xmlns:r="http://schemas.openxmlformats.org/officeDocument/2006/relationships" xmlns:p="http://schemas.openxmlformats.org/presentationml/2006/main">
   <p:cSld>
     <p:spTree>
@@ -12278,7 +14476,7 @@
 </p:sld>
 </file>
 
-<file path=ppt/slides/slide21.xml><?xml version="1.0" encoding="utf-8"?>
+<file path=ppt/slides/slide24.xml><?xml version="1.0" encoding="utf-8"?>
 <p:sld xmlns:a="http://schemas.openxmlformats.org/drawingml/2006/main" xmlns:r="http://schemas.openxmlformats.org/officeDocument/2006/relationships" xmlns:p="http://schemas.openxmlformats.org/presentationml/2006/main">
   <p:cSld>
     <p:spTree>
@@ -12870,7 +15068,7 @@
 </p:sld>
 </file>
 
-<file path=ppt/slides/slide22.xml><?xml version="1.0" encoding="utf-8"?>
+<file path=ppt/slides/slide25.xml><?xml version="1.0" encoding="utf-8"?>
 <p:sld xmlns:a="http://schemas.openxmlformats.org/drawingml/2006/main" xmlns:r="http://schemas.openxmlformats.org/officeDocument/2006/relationships" xmlns:p="http://schemas.openxmlformats.org/presentationml/2006/main">
   <p:cSld>
     <p:spTree>
@@ -13022,7 +15220,7 @@
 </p:sld>
 </file>
 
-<file path=ppt/slides/slide23.xml><?xml version="1.0" encoding="utf-8"?>
+<file path=ppt/slides/slide26.xml><?xml version="1.0" encoding="utf-8"?>
 <p:sld xmlns:a="http://schemas.openxmlformats.org/drawingml/2006/main" xmlns:r="http://schemas.openxmlformats.org/officeDocument/2006/relationships" xmlns:p="http://schemas.openxmlformats.org/presentationml/2006/main">
   <p:cSld>
     <p:spTree>
@@ -13256,7 +15454,7 @@
 </p:sld>
 </file>
 
-<file path=ppt/slides/slide24.xml><?xml version="1.0" encoding="utf-8"?>
+<file path=ppt/slides/slide27.xml><?xml version="1.0" encoding="utf-8"?>
 <p:sld xmlns:a="http://schemas.openxmlformats.org/drawingml/2006/main" xmlns:r="http://schemas.openxmlformats.org/officeDocument/2006/relationships" xmlns:p="http://schemas.openxmlformats.org/presentationml/2006/main">
   <p:cSld>
     <p:spTree>
@@ -13572,7 +15770,7 @@
 </p:sld>
 </file>
 
-<file path=ppt/slides/slide25.xml><?xml version="1.0" encoding="utf-8"?>
+<file path=ppt/slides/slide28.xml><?xml version="1.0" encoding="utf-8"?>
 <p:sld xmlns:a="http://schemas.openxmlformats.org/drawingml/2006/main" xmlns:r="http://schemas.openxmlformats.org/officeDocument/2006/relationships" xmlns:p="http://schemas.openxmlformats.org/presentationml/2006/main">
   <p:cSld>
     <p:spTree>
@@ -13983,7 +16181,7 @@
 </p:sld>
 </file>
 
-<file path=ppt/slides/slide26.xml><?xml version="1.0" encoding="utf-8"?>
+<file path=ppt/slides/slide29.xml><?xml version="1.0" encoding="utf-8"?>
 <p:sld xmlns:a="http://schemas.openxmlformats.org/drawingml/2006/main" xmlns:r="http://schemas.openxmlformats.org/officeDocument/2006/relationships" xmlns:p="http://schemas.openxmlformats.org/presentationml/2006/main">
   <p:cSld>
     <p:spTree>
@@ -14409,1097 +16607,6 @@
 </p:sld>
 </file>
 
-<file path=ppt/slides/slide27.xml><?xml version="1.0" encoding="utf-8"?>
-<p:sld xmlns:a="http://schemas.openxmlformats.org/drawingml/2006/main" xmlns:r="http://schemas.openxmlformats.org/officeDocument/2006/relationships" xmlns:p="http://schemas.openxmlformats.org/presentationml/2006/main">
-  <p:cSld>
-    <p:spTree>
-      <p:nvGrpSpPr>
-        <p:cNvPr id="1" name=""/>
-        <p:cNvGrpSpPr/>
-        <p:nvPr/>
-      </p:nvGrpSpPr>
-      <p:grpSpPr>
-        <a:xfrm>
-          <a:off x="0" y="0"/>
-          <a:ext cx="0" cy="0"/>
-          <a:chOff x="0" y="0"/>
-          <a:chExt cx="0" cy="0"/>
-        </a:xfrm>
-      </p:grpSpPr>
-      <p:sp>
-        <p:nvSpPr>
-          <p:cNvPr id="2" name="Title 1">
-            <a:extLst>
-              <a:ext uri="{FF2B5EF4-FFF2-40B4-BE49-F238E27FC236}">
-                <a16:creationId xmlns:a16="http://schemas.microsoft.com/office/drawing/2014/main" id="{CA5A08BD-9A9F-44CB-8735-3E501BB09EBD}"/>
-              </a:ext>
-            </a:extLst>
-          </p:cNvPr>
-          <p:cNvSpPr>
-            <a:spLocks noGrp="1"/>
-          </p:cNvSpPr>
-          <p:nvPr>
-            <p:ph type="title"/>
-          </p:nvPr>
-        </p:nvSpPr>
-        <p:spPr/>
-        <p:txBody>
-          <a:bodyPr/>
-          <a:lstStyle/>
-          <a:p>
-            <a:r>
-              <a:rPr lang="en-US" dirty="0"/>
-              <a:t>Changing the bandwidth</a:t>
-            </a:r>
-          </a:p>
-        </p:txBody>
-      </p:sp>
-      <p:sp>
-        <p:nvSpPr>
-          <p:cNvPr id="4" name="Footer Placeholder 3">
-            <a:extLst>
-              <a:ext uri="{FF2B5EF4-FFF2-40B4-BE49-F238E27FC236}">
-                <a16:creationId xmlns:a16="http://schemas.microsoft.com/office/drawing/2014/main" id="{D43675A5-5AF6-4FBB-8A82-F14293677E52}"/>
-              </a:ext>
-            </a:extLst>
-          </p:cNvPr>
-          <p:cNvSpPr>
-            <a:spLocks noGrp="1"/>
-          </p:cNvSpPr>
-          <p:nvPr>
-            <p:ph type="ftr" sz="quarter" idx="3"/>
-          </p:nvPr>
-        </p:nvSpPr>
-        <p:spPr/>
-        <p:txBody>
-          <a:bodyPr/>
-          <a:lstStyle/>
-          <a:p>
-            <a:r>
-              <a:rPr lang="en-US"/>
-              <a:t>Discretionary Disclosure Complexity</a:t>
-            </a:r>
-            <a:endParaRPr lang="en-US" dirty="0"/>
-          </a:p>
-        </p:txBody>
-      </p:sp>
-      <p:cxnSp>
-        <p:nvCxnSpPr>
-          <p:cNvPr id="5" name="Straight Arrow Connector 4">
-            <a:extLst>
-              <a:ext uri="{FF2B5EF4-FFF2-40B4-BE49-F238E27FC236}">
-                <a16:creationId xmlns:a16="http://schemas.microsoft.com/office/drawing/2014/main" id="{2403F7CD-A5A2-4805-A647-E9BBFBE34518}"/>
-              </a:ext>
-            </a:extLst>
-          </p:cNvPr>
-          <p:cNvCxnSpPr/>
-          <p:nvPr/>
-        </p:nvCxnSpPr>
-        <p:spPr>
-          <a:xfrm>
-            <a:off x="838200" y="3048000"/>
-            <a:ext cx="7010400" cy="0"/>
-          </a:xfrm>
-          <a:prstGeom prst="straightConnector1">
-            <a:avLst/>
-          </a:prstGeom>
-          <a:ln>
-            <a:headEnd type="triangle"/>
-            <a:tailEnd type="triangle"/>
-          </a:ln>
-        </p:spPr>
-        <p:style>
-          <a:lnRef idx="1">
-            <a:schemeClr val="dk1"/>
-          </a:lnRef>
-          <a:fillRef idx="0">
-            <a:schemeClr val="dk1"/>
-          </a:fillRef>
-          <a:effectRef idx="0">
-            <a:schemeClr val="dk1"/>
-          </a:effectRef>
-          <a:fontRef idx="minor">
-            <a:schemeClr val="tx1"/>
-          </a:fontRef>
-        </p:style>
-      </p:cxnSp>
-      <p:cxnSp>
-        <p:nvCxnSpPr>
-          <p:cNvPr id="7" name="Straight Connector 6">
-            <a:extLst>
-              <a:ext uri="{FF2B5EF4-FFF2-40B4-BE49-F238E27FC236}">
-                <a16:creationId xmlns:a16="http://schemas.microsoft.com/office/drawing/2014/main" id="{0DFFCC4E-E53D-4231-84E8-9585D9D2E089}"/>
-              </a:ext>
-            </a:extLst>
-          </p:cNvPr>
-          <p:cNvCxnSpPr/>
-          <p:nvPr/>
-        </p:nvCxnSpPr>
-        <p:spPr>
-          <a:xfrm>
-            <a:off x="4038600" y="2819400"/>
-            <a:ext cx="0" cy="457200"/>
-          </a:xfrm>
-          <a:prstGeom prst="line">
-            <a:avLst/>
-          </a:prstGeom>
-        </p:spPr>
-        <p:style>
-          <a:lnRef idx="1">
-            <a:schemeClr val="accent1"/>
-          </a:lnRef>
-          <a:fillRef idx="0">
-            <a:schemeClr val="accent1"/>
-          </a:fillRef>
-          <a:effectRef idx="0">
-            <a:schemeClr val="accent1"/>
-          </a:effectRef>
-          <a:fontRef idx="minor">
-            <a:schemeClr val="tx1"/>
-          </a:fontRef>
-        </p:style>
-      </p:cxnSp>
-      <p:sp>
-        <p:nvSpPr>
-          <p:cNvPr id="12" name="Right Brace 11">
-            <a:extLst>
-              <a:ext uri="{FF2B5EF4-FFF2-40B4-BE49-F238E27FC236}">
-                <a16:creationId xmlns:a16="http://schemas.microsoft.com/office/drawing/2014/main" id="{C3A83032-B63D-4A9F-B9C7-7B62137CCD76}"/>
-              </a:ext>
-            </a:extLst>
-          </p:cNvPr>
-          <p:cNvSpPr/>
-          <p:nvPr/>
-        </p:nvSpPr>
-        <p:spPr>
-          <a:xfrm rot="16200000">
-            <a:off x="3810001" y="1089147"/>
-            <a:ext cx="457200" cy="2895597"/>
-          </a:xfrm>
-          <a:prstGeom prst="rightBrace">
-            <a:avLst/>
-          </a:prstGeom>
-          <a:ln w="28575"/>
-        </p:spPr>
-        <p:style>
-          <a:lnRef idx="1">
-            <a:schemeClr val="accent1"/>
-          </a:lnRef>
-          <a:fillRef idx="0">
-            <a:schemeClr val="accent1"/>
-          </a:fillRef>
-          <a:effectRef idx="0">
-            <a:schemeClr val="accent1"/>
-          </a:effectRef>
-          <a:fontRef idx="minor">
-            <a:schemeClr val="tx1"/>
-          </a:fontRef>
-        </p:style>
-        <p:txBody>
-          <a:bodyPr rtlCol="0" anchor="ctr"/>
-          <a:lstStyle/>
-          <a:p>
-            <a:pPr algn="ctr"/>
-            <a:endParaRPr lang="en-US"/>
-          </a:p>
-        </p:txBody>
-      </p:sp>
-      <p:sp>
-        <p:nvSpPr>
-          <p:cNvPr id="9" name="TextBox 8">
-            <a:extLst>
-              <a:ext uri="{FF2B5EF4-FFF2-40B4-BE49-F238E27FC236}">
-                <a16:creationId xmlns:a16="http://schemas.microsoft.com/office/drawing/2014/main" id="{39BD6598-1BFE-4420-B739-6ABA63C4D9A6}"/>
-              </a:ext>
-            </a:extLst>
-          </p:cNvPr>
-          <p:cNvSpPr txBox="1"/>
-          <p:nvPr/>
-        </p:nvSpPr>
-        <p:spPr>
-          <a:xfrm>
-            <a:off x="3162300" y="1811793"/>
-            <a:ext cx="1752599" cy="369332"/>
-          </a:xfrm>
-          <a:prstGeom prst="rect">
-            <a:avLst/>
-          </a:prstGeom>
-          <a:noFill/>
-        </p:spPr>
-        <p:txBody>
-          <a:bodyPr wrap="square" rtlCol="0">
-            <a:spAutoFit/>
-          </a:bodyPr>
-          <a:lstStyle/>
-          <a:p>
-            <a:pPr algn="ctr"/>
-            <a:r>
-              <a:rPr lang="en-US" dirty="0"/>
-              <a:t>Old bandwidth</a:t>
-            </a:r>
-          </a:p>
-        </p:txBody>
-      </p:sp>
-    </p:spTree>
-    <p:extLst>
-      <p:ext uri="{BB962C8B-B14F-4D97-AF65-F5344CB8AC3E}">
-        <p14:creationId xmlns:p14="http://schemas.microsoft.com/office/powerpoint/2010/main" val="3019782744"/>
-      </p:ext>
-    </p:extLst>
-  </p:cSld>
-  <p:clrMapOvr>
-    <a:masterClrMapping/>
-  </p:clrMapOvr>
-</p:sld>
-</file>
-
-<file path=ppt/slides/slide28.xml><?xml version="1.0" encoding="utf-8"?>
-<p:sld xmlns:a="http://schemas.openxmlformats.org/drawingml/2006/main" xmlns:r="http://schemas.openxmlformats.org/officeDocument/2006/relationships" xmlns:p="http://schemas.openxmlformats.org/presentationml/2006/main">
-  <p:cSld>
-    <p:spTree>
-      <p:nvGrpSpPr>
-        <p:cNvPr id="1" name=""/>
-        <p:cNvGrpSpPr/>
-        <p:nvPr/>
-      </p:nvGrpSpPr>
-      <p:grpSpPr>
-        <a:xfrm>
-          <a:off x="0" y="0"/>
-          <a:ext cx="0" cy="0"/>
-          <a:chOff x="0" y="0"/>
-          <a:chExt cx="0" cy="0"/>
-        </a:xfrm>
-      </p:grpSpPr>
-      <p:sp>
-        <p:nvSpPr>
-          <p:cNvPr id="2" name="Title 1">
-            <a:extLst>
-              <a:ext uri="{FF2B5EF4-FFF2-40B4-BE49-F238E27FC236}">
-                <a16:creationId xmlns:a16="http://schemas.microsoft.com/office/drawing/2014/main" id="{CA5A08BD-9A9F-44CB-8735-3E501BB09EBD}"/>
-              </a:ext>
-            </a:extLst>
-          </p:cNvPr>
-          <p:cNvSpPr>
-            <a:spLocks noGrp="1"/>
-          </p:cNvSpPr>
-          <p:nvPr>
-            <p:ph type="title"/>
-          </p:nvPr>
-        </p:nvSpPr>
-        <p:spPr/>
-        <p:txBody>
-          <a:bodyPr/>
-          <a:lstStyle/>
-          <a:p>
-            <a:r>
-              <a:rPr lang="en-US" dirty="0"/>
-              <a:t>Changing the bandwidth</a:t>
-            </a:r>
-          </a:p>
-        </p:txBody>
-      </p:sp>
-      <p:sp>
-        <p:nvSpPr>
-          <p:cNvPr id="4" name="Footer Placeholder 3">
-            <a:extLst>
-              <a:ext uri="{FF2B5EF4-FFF2-40B4-BE49-F238E27FC236}">
-                <a16:creationId xmlns:a16="http://schemas.microsoft.com/office/drawing/2014/main" id="{D43675A5-5AF6-4FBB-8A82-F14293677E52}"/>
-              </a:ext>
-            </a:extLst>
-          </p:cNvPr>
-          <p:cNvSpPr>
-            <a:spLocks noGrp="1"/>
-          </p:cNvSpPr>
-          <p:nvPr>
-            <p:ph type="ftr" sz="quarter" idx="3"/>
-          </p:nvPr>
-        </p:nvSpPr>
-        <p:spPr/>
-        <p:txBody>
-          <a:bodyPr/>
-          <a:lstStyle/>
-          <a:p>
-            <a:r>
-              <a:rPr lang="en-US"/>
-              <a:t>Discretionary Disclosure Complexity</a:t>
-            </a:r>
-            <a:endParaRPr lang="en-US" dirty="0"/>
-          </a:p>
-        </p:txBody>
-      </p:sp>
-      <p:cxnSp>
-        <p:nvCxnSpPr>
-          <p:cNvPr id="5" name="Straight Arrow Connector 4">
-            <a:extLst>
-              <a:ext uri="{FF2B5EF4-FFF2-40B4-BE49-F238E27FC236}">
-                <a16:creationId xmlns:a16="http://schemas.microsoft.com/office/drawing/2014/main" id="{2403F7CD-A5A2-4805-A647-E9BBFBE34518}"/>
-              </a:ext>
-            </a:extLst>
-          </p:cNvPr>
-          <p:cNvCxnSpPr/>
-          <p:nvPr/>
-        </p:nvCxnSpPr>
-        <p:spPr>
-          <a:xfrm>
-            <a:off x="838200" y="3048000"/>
-            <a:ext cx="7010400" cy="0"/>
-          </a:xfrm>
-          <a:prstGeom prst="straightConnector1">
-            <a:avLst/>
-          </a:prstGeom>
-          <a:ln>
-            <a:headEnd type="triangle"/>
-            <a:tailEnd type="triangle"/>
-          </a:ln>
-        </p:spPr>
-        <p:style>
-          <a:lnRef idx="1">
-            <a:schemeClr val="dk1"/>
-          </a:lnRef>
-          <a:fillRef idx="0">
-            <a:schemeClr val="dk1"/>
-          </a:fillRef>
-          <a:effectRef idx="0">
-            <a:schemeClr val="dk1"/>
-          </a:effectRef>
-          <a:fontRef idx="minor">
-            <a:schemeClr val="tx1"/>
-          </a:fontRef>
-        </p:style>
-      </p:cxnSp>
-      <p:cxnSp>
-        <p:nvCxnSpPr>
-          <p:cNvPr id="7" name="Straight Connector 6">
-            <a:extLst>
-              <a:ext uri="{FF2B5EF4-FFF2-40B4-BE49-F238E27FC236}">
-                <a16:creationId xmlns:a16="http://schemas.microsoft.com/office/drawing/2014/main" id="{0DFFCC4E-E53D-4231-84E8-9585D9D2E089}"/>
-              </a:ext>
-            </a:extLst>
-          </p:cNvPr>
-          <p:cNvCxnSpPr/>
-          <p:nvPr/>
-        </p:nvCxnSpPr>
-        <p:spPr>
-          <a:xfrm>
-            <a:off x="4038600" y="2819400"/>
-            <a:ext cx="0" cy="457200"/>
-          </a:xfrm>
-          <a:prstGeom prst="line">
-            <a:avLst/>
-          </a:prstGeom>
-        </p:spPr>
-        <p:style>
-          <a:lnRef idx="1">
-            <a:schemeClr val="accent1"/>
-          </a:lnRef>
-          <a:fillRef idx="0">
-            <a:schemeClr val="accent1"/>
-          </a:fillRef>
-          <a:effectRef idx="0">
-            <a:schemeClr val="accent1"/>
-          </a:effectRef>
-          <a:fontRef idx="minor">
-            <a:schemeClr val="tx1"/>
-          </a:fontRef>
-        </p:style>
-      </p:cxnSp>
-      <p:sp>
-        <p:nvSpPr>
-          <p:cNvPr id="12" name="Right Brace 11">
-            <a:extLst>
-              <a:ext uri="{FF2B5EF4-FFF2-40B4-BE49-F238E27FC236}">
-                <a16:creationId xmlns:a16="http://schemas.microsoft.com/office/drawing/2014/main" id="{C3A83032-B63D-4A9F-B9C7-7B62137CCD76}"/>
-              </a:ext>
-            </a:extLst>
-          </p:cNvPr>
-          <p:cNvSpPr/>
-          <p:nvPr/>
-        </p:nvSpPr>
-        <p:spPr>
-          <a:xfrm rot="16200000">
-            <a:off x="3810001" y="1089147"/>
-            <a:ext cx="457200" cy="2895597"/>
-          </a:xfrm>
-          <a:prstGeom prst="rightBrace">
-            <a:avLst/>
-          </a:prstGeom>
-          <a:ln w="28575"/>
-        </p:spPr>
-        <p:style>
-          <a:lnRef idx="1">
-            <a:schemeClr val="accent1"/>
-          </a:lnRef>
-          <a:fillRef idx="0">
-            <a:schemeClr val="accent1"/>
-          </a:fillRef>
-          <a:effectRef idx="0">
-            <a:schemeClr val="accent1"/>
-          </a:effectRef>
-          <a:fontRef idx="minor">
-            <a:schemeClr val="tx1"/>
-          </a:fontRef>
-        </p:style>
-        <p:txBody>
-          <a:bodyPr rtlCol="0" anchor="ctr"/>
-          <a:lstStyle/>
-          <a:p>
-            <a:pPr algn="ctr"/>
-            <a:endParaRPr lang="en-US"/>
-          </a:p>
-        </p:txBody>
-      </p:sp>
-      <p:sp>
-        <p:nvSpPr>
-          <p:cNvPr id="13" name="Right Brace 12">
-            <a:extLst>
-              <a:ext uri="{FF2B5EF4-FFF2-40B4-BE49-F238E27FC236}">
-                <a16:creationId xmlns:a16="http://schemas.microsoft.com/office/drawing/2014/main" id="{D45F7986-01D1-464E-B611-ACB282795981}"/>
-              </a:ext>
-            </a:extLst>
-          </p:cNvPr>
-          <p:cNvSpPr/>
-          <p:nvPr/>
-        </p:nvSpPr>
-        <p:spPr>
-          <a:xfrm rot="5400000">
-            <a:off x="4876799" y="3276602"/>
-            <a:ext cx="457200" cy="761995"/>
-          </a:xfrm>
-          <a:prstGeom prst="rightBrace">
-            <a:avLst/>
-          </a:prstGeom>
-          <a:ln w="28575"/>
-        </p:spPr>
-        <p:style>
-          <a:lnRef idx="1">
-            <a:schemeClr val="accent1"/>
-          </a:lnRef>
-          <a:fillRef idx="0">
-            <a:schemeClr val="accent1"/>
-          </a:fillRef>
-          <a:effectRef idx="0">
-            <a:schemeClr val="accent1"/>
-          </a:effectRef>
-          <a:fontRef idx="minor">
-            <a:schemeClr val="tx1"/>
-          </a:fontRef>
-        </p:style>
-        <p:txBody>
-          <a:bodyPr rtlCol="0" anchor="ctr"/>
-          <a:lstStyle/>
-          <a:p>
-            <a:pPr algn="ctr"/>
-            <a:endParaRPr lang="en-US"/>
-          </a:p>
-        </p:txBody>
-      </p:sp>
-      <p:sp>
-        <p:nvSpPr>
-          <p:cNvPr id="14" name="Right Brace 13">
-            <a:extLst>
-              <a:ext uri="{FF2B5EF4-FFF2-40B4-BE49-F238E27FC236}">
-                <a16:creationId xmlns:a16="http://schemas.microsoft.com/office/drawing/2014/main" id="{17BFAD87-72E5-4F90-B0D0-A6406F230117}"/>
-              </a:ext>
-            </a:extLst>
-          </p:cNvPr>
-          <p:cNvSpPr/>
-          <p:nvPr/>
-        </p:nvSpPr>
-        <p:spPr>
-          <a:xfrm rot="5400000">
-            <a:off x="2768593" y="3276603"/>
-            <a:ext cx="457200" cy="761995"/>
-          </a:xfrm>
-          <a:prstGeom prst="rightBrace">
-            <a:avLst/>
-          </a:prstGeom>
-          <a:ln w="28575"/>
-        </p:spPr>
-        <p:style>
-          <a:lnRef idx="1">
-            <a:schemeClr val="accent1"/>
-          </a:lnRef>
-          <a:fillRef idx="0">
-            <a:schemeClr val="accent1"/>
-          </a:fillRef>
-          <a:effectRef idx="0">
-            <a:schemeClr val="accent1"/>
-          </a:effectRef>
-          <a:fontRef idx="minor">
-            <a:schemeClr val="tx1"/>
-          </a:fontRef>
-        </p:style>
-        <p:txBody>
-          <a:bodyPr rtlCol="0" anchor="ctr"/>
-          <a:lstStyle/>
-          <a:p>
-            <a:pPr algn="ctr"/>
-            <a:endParaRPr lang="en-US"/>
-          </a:p>
-        </p:txBody>
-      </p:sp>
-      <p:sp>
-        <p:nvSpPr>
-          <p:cNvPr id="9" name="TextBox 8">
-            <a:extLst>
-              <a:ext uri="{FF2B5EF4-FFF2-40B4-BE49-F238E27FC236}">
-                <a16:creationId xmlns:a16="http://schemas.microsoft.com/office/drawing/2014/main" id="{39BD6598-1BFE-4420-B739-6ABA63C4D9A6}"/>
-              </a:ext>
-            </a:extLst>
-          </p:cNvPr>
-          <p:cNvSpPr txBox="1"/>
-          <p:nvPr/>
-        </p:nvSpPr>
-        <p:spPr>
-          <a:xfrm>
-            <a:off x="3162300" y="1811793"/>
-            <a:ext cx="1752599" cy="369332"/>
-          </a:xfrm>
-          <a:prstGeom prst="rect">
-            <a:avLst/>
-          </a:prstGeom>
-          <a:noFill/>
-        </p:spPr>
-        <p:txBody>
-          <a:bodyPr wrap="square" rtlCol="0">
-            <a:spAutoFit/>
-          </a:bodyPr>
-          <a:lstStyle/>
-          <a:p>
-            <a:pPr algn="ctr"/>
-            <a:r>
-              <a:rPr lang="en-US" dirty="0"/>
-              <a:t>Old bandwidth</a:t>
-            </a:r>
-          </a:p>
-        </p:txBody>
-      </p:sp>
-      <p:sp>
-        <p:nvSpPr>
-          <p:cNvPr id="15" name="TextBox 14">
-            <a:extLst>
-              <a:ext uri="{FF2B5EF4-FFF2-40B4-BE49-F238E27FC236}">
-                <a16:creationId xmlns:a16="http://schemas.microsoft.com/office/drawing/2014/main" id="{154EDA37-1B76-4898-8769-570CE0BF1365}"/>
-              </a:ext>
-            </a:extLst>
-          </p:cNvPr>
-          <p:cNvSpPr txBox="1"/>
-          <p:nvPr/>
-        </p:nvSpPr>
-        <p:spPr>
-          <a:xfrm>
-            <a:off x="2120893" y="3955895"/>
-            <a:ext cx="1752599" cy="369332"/>
-          </a:xfrm>
-          <a:prstGeom prst="rect">
-            <a:avLst/>
-          </a:prstGeom>
-          <a:noFill/>
-        </p:spPr>
-        <p:txBody>
-          <a:bodyPr wrap="square" rtlCol="0">
-            <a:spAutoFit/>
-          </a:bodyPr>
-          <a:lstStyle/>
-          <a:p>
-            <a:pPr algn="ctr"/>
-            <a:r>
-              <a:rPr lang="en-US" dirty="0"/>
-              <a:t>New bandwidth</a:t>
-            </a:r>
-          </a:p>
-        </p:txBody>
-      </p:sp>
-      <p:sp>
-        <p:nvSpPr>
-          <p:cNvPr id="16" name="TextBox 15">
-            <a:extLst>
-              <a:ext uri="{FF2B5EF4-FFF2-40B4-BE49-F238E27FC236}">
-                <a16:creationId xmlns:a16="http://schemas.microsoft.com/office/drawing/2014/main" id="{ED1A4A93-8898-46D8-8D32-786B5D99E2C3}"/>
-              </a:ext>
-            </a:extLst>
-          </p:cNvPr>
-          <p:cNvSpPr txBox="1"/>
-          <p:nvPr/>
-        </p:nvSpPr>
-        <p:spPr>
-          <a:xfrm>
-            <a:off x="4229099" y="3923262"/>
-            <a:ext cx="1752599" cy="369332"/>
-          </a:xfrm>
-          <a:prstGeom prst="rect">
-            <a:avLst/>
-          </a:prstGeom>
-          <a:noFill/>
-        </p:spPr>
-        <p:txBody>
-          <a:bodyPr wrap="square" rtlCol="0">
-            <a:spAutoFit/>
-          </a:bodyPr>
-          <a:lstStyle/>
-          <a:p>
-            <a:pPr algn="ctr"/>
-            <a:r>
-              <a:rPr lang="en-US" dirty="0"/>
-              <a:t>New bandwidth</a:t>
-            </a:r>
-          </a:p>
-        </p:txBody>
-      </p:sp>
-    </p:spTree>
-    <p:extLst>
-      <p:ext uri="{BB962C8B-B14F-4D97-AF65-F5344CB8AC3E}">
-        <p14:creationId xmlns:p14="http://schemas.microsoft.com/office/powerpoint/2010/main" val="734632745"/>
-      </p:ext>
-    </p:extLst>
-  </p:cSld>
-  <p:clrMapOvr>
-    <a:masterClrMapping/>
-  </p:clrMapOvr>
-</p:sld>
-</file>
-
-<file path=ppt/slides/slide29.xml><?xml version="1.0" encoding="utf-8"?>
-<p:sld xmlns:a="http://schemas.openxmlformats.org/drawingml/2006/main" xmlns:r="http://schemas.openxmlformats.org/officeDocument/2006/relationships" xmlns:p="http://schemas.openxmlformats.org/presentationml/2006/main">
-  <p:cSld>
-    <p:spTree>
-      <p:nvGrpSpPr>
-        <p:cNvPr id="1" name=""/>
-        <p:cNvGrpSpPr/>
-        <p:nvPr/>
-      </p:nvGrpSpPr>
-      <p:grpSpPr>
-        <a:xfrm>
-          <a:off x="0" y="0"/>
-          <a:ext cx="0" cy="0"/>
-          <a:chOff x="0" y="0"/>
-          <a:chExt cx="0" cy="0"/>
-        </a:xfrm>
-      </p:grpSpPr>
-      <p:sp>
-        <p:nvSpPr>
-          <p:cNvPr id="2" name="Title 1">
-            <a:extLst>
-              <a:ext uri="{FF2B5EF4-FFF2-40B4-BE49-F238E27FC236}">
-                <a16:creationId xmlns:a16="http://schemas.microsoft.com/office/drawing/2014/main" id="{CA5A08BD-9A9F-44CB-8735-3E501BB09EBD}"/>
-              </a:ext>
-            </a:extLst>
-          </p:cNvPr>
-          <p:cNvSpPr>
-            <a:spLocks noGrp="1"/>
-          </p:cNvSpPr>
-          <p:nvPr>
-            <p:ph type="title"/>
-          </p:nvPr>
-        </p:nvSpPr>
-        <p:spPr/>
-        <p:txBody>
-          <a:bodyPr/>
-          <a:lstStyle/>
-          <a:p>
-            <a:r>
-              <a:rPr lang="en-US" dirty="0"/>
-              <a:t>Changing the bandwidth</a:t>
-            </a:r>
-          </a:p>
-        </p:txBody>
-      </p:sp>
-      <p:sp>
-        <p:nvSpPr>
-          <p:cNvPr id="4" name="Footer Placeholder 3">
-            <a:extLst>
-              <a:ext uri="{FF2B5EF4-FFF2-40B4-BE49-F238E27FC236}">
-                <a16:creationId xmlns:a16="http://schemas.microsoft.com/office/drawing/2014/main" id="{D43675A5-5AF6-4FBB-8A82-F14293677E52}"/>
-              </a:ext>
-            </a:extLst>
-          </p:cNvPr>
-          <p:cNvSpPr>
-            <a:spLocks noGrp="1"/>
-          </p:cNvSpPr>
-          <p:nvPr>
-            <p:ph type="ftr" sz="quarter" idx="3"/>
-          </p:nvPr>
-        </p:nvSpPr>
-        <p:spPr/>
-        <p:txBody>
-          <a:bodyPr/>
-          <a:lstStyle/>
-          <a:p>
-            <a:r>
-              <a:rPr lang="en-US"/>
-              <a:t>Discretionary Disclosure Complexity</a:t>
-            </a:r>
-            <a:endParaRPr lang="en-US" dirty="0"/>
-          </a:p>
-        </p:txBody>
-      </p:sp>
-      <p:cxnSp>
-        <p:nvCxnSpPr>
-          <p:cNvPr id="5" name="Straight Arrow Connector 4">
-            <a:extLst>
-              <a:ext uri="{FF2B5EF4-FFF2-40B4-BE49-F238E27FC236}">
-                <a16:creationId xmlns:a16="http://schemas.microsoft.com/office/drawing/2014/main" id="{2403F7CD-A5A2-4805-A647-E9BBFBE34518}"/>
-              </a:ext>
-            </a:extLst>
-          </p:cNvPr>
-          <p:cNvCxnSpPr/>
-          <p:nvPr/>
-        </p:nvCxnSpPr>
-        <p:spPr>
-          <a:xfrm>
-            <a:off x="838200" y="3048000"/>
-            <a:ext cx="7010400" cy="0"/>
-          </a:xfrm>
-          <a:prstGeom prst="straightConnector1">
-            <a:avLst/>
-          </a:prstGeom>
-          <a:ln>
-            <a:headEnd type="triangle"/>
-            <a:tailEnd type="triangle"/>
-          </a:ln>
-        </p:spPr>
-        <p:style>
-          <a:lnRef idx="1">
-            <a:schemeClr val="dk1"/>
-          </a:lnRef>
-          <a:fillRef idx="0">
-            <a:schemeClr val="dk1"/>
-          </a:fillRef>
-          <a:effectRef idx="0">
-            <a:schemeClr val="dk1"/>
-          </a:effectRef>
-          <a:fontRef idx="minor">
-            <a:schemeClr val="tx1"/>
-          </a:fontRef>
-        </p:style>
-      </p:cxnSp>
-      <p:cxnSp>
-        <p:nvCxnSpPr>
-          <p:cNvPr id="7" name="Straight Connector 6">
-            <a:extLst>
-              <a:ext uri="{FF2B5EF4-FFF2-40B4-BE49-F238E27FC236}">
-                <a16:creationId xmlns:a16="http://schemas.microsoft.com/office/drawing/2014/main" id="{0DFFCC4E-E53D-4231-84E8-9585D9D2E089}"/>
-              </a:ext>
-            </a:extLst>
-          </p:cNvPr>
-          <p:cNvCxnSpPr/>
-          <p:nvPr/>
-        </p:nvCxnSpPr>
-        <p:spPr>
-          <a:xfrm>
-            <a:off x="4038600" y="2819400"/>
-            <a:ext cx="0" cy="457200"/>
-          </a:xfrm>
-          <a:prstGeom prst="line">
-            <a:avLst/>
-          </a:prstGeom>
-        </p:spPr>
-        <p:style>
-          <a:lnRef idx="1">
-            <a:schemeClr val="accent1"/>
-          </a:lnRef>
-          <a:fillRef idx="0">
-            <a:schemeClr val="accent1"/>
-          </a:fillRef>
-          <a:effectRef idx="0">
-            <a:schemeClr val="accent1"/>
-          </a:effectRef>
-          <a:fontRef idx="minor">
-            <a:schemeClr val="tx1"/>
-          </a:fontRef>
-        </p:style>
-      </p:cxnSp>
-      <p:sp>
-        <p:nvSpPr>
-          <p:cNvPr id="12" name="Right Brace 11">
-            <a:extLst>
-              <a:ext uri="{FF2B5EF4-FFF2-40B4-BE49-F238E27FC236}">
-                <a16:creationId xmlns:a16="http://schemas.microsoft.com/office/drawing/2014/main" id="{C3A83032-B63D-4A9F-B9C7-7B62137CCD76}"/>
-              </a:ext>
-            </a:extLst>
-          </p:cNvPr>
-          <p:cNvSpPr/>
-          <p:nvPr/>
-        </p:nvSpPr>
-        <p:spPr>
-          <a:xfrm rot="16200000">
-            <a:off x="3810001" y="1089147"/>
-            <a:ext cx="457200" cy="2895597"/>
-          </a:xfrm>
-          <a:prstGeom prst="rightBrace">
-            <a:avLst/>
-          </a:prstGeom>
-          <a:ln w="28575"/>
-        </p:spPr>
-        <p:style>
-          <a:lnRef idx="1">
-            <a:schemeClr val="accent1"/>
-          </a:lnRef>
-          <a:fillRef idx="0">
-            <a:schemeClr val="accent1"/>
-          </a:fillRef>
-          <a:effectRef idx="0">
-            <a:schemeClr val="accent1"/>
-          </a:effectRef>
-          <a:fontRef idx="minor">
-            <a:schemeClr val="tx1"/>
-          </a:fontRef>
-        </p:style>
-        <p:txBody>
-          <a:bodyPr rtlCol="0" anchor="ctr"/>
-          <a:lstStyle/>
-          <a:p>
-            <a:pPr algn="ctr"/>
-            <a:endParaRPr lang="en-US"/>
-          </a:p>
-        </p:txBody>
-      </p:sp>
-      <p:sp>
-        <p:nvSpPr>
-          <p:cNvPr id="13" name="Right Brace 12">
-            <a:extLst>
-              <a:ext uri="{FF2B5EF4-FFF2-40B4-BE49-F238E27FC236}">
-                <a16:creationId xmlns:a16="http://schemas.microsoft.com/office/drawing/2014/main" id="{D45F7986-01D1-464E-B611-ACB282795981}"/>
-              </a:ext>
-            </a:extLst>
-          </p:cNvPr>
-          <p:cNvSpPr/>
-          <p:nvPr/>
-        </p:nvSpPr>
-        <p:spPr>
-          <a:xfrm rot="5400000">
-            <a:off x="4876799" y="3276602"/>
-            <a:ext cx="457200" cy="761995"/>
-          </a:xfrm>
-          <a:prstGeom prst="rightBrace">
-            <a:avLst/>
-          </a:prstGeom>
-          <a:ln w="28575"/>
-        </p:spPr>
-        <p:style>
-          <a:lnRef idx="1">
-            <a:schemeClr val="accent1"/>
-          </a:lnRef>
-          <a:fillRef idx="0">
-            <a:schemeClr val="accent1"/>
-          </a:fillRef>
-          <a:effectRef idx="0">
-            <a:schemeClr val="accent1"/>
-          </a:effectRef>
-          <a:fontRef idx="minor">
-            <a:schemeClr val="tx1"/>
-          </a:fontRef>
-        </p:style>
-        <p:txBody>
-          <a:bodyPr rtlCol="0" anchor="ctr"/>
-          <a:lstStyle/>
-          <a:p>
-            <a:pPr algn="ctr"/>
-            <a:endParaRPr lang="en-US"/>
-          </a:p>
-        </p:txBody>
-      </p:sp>
-      <p:sp>
-        <p:nvSpPr>
-          <p:cNvPr id="14" name="Right Brace 13">
-            <a:extLst>
-              <a:ext uri="{FF2B5EF4-FFF2-40B4-BE49-F238E27FC236}">
-                <a16:creationId xmlns:a16="http://schemas.microsoft.com/office/drawing/2014/main" id="{17BFAD87-72E5-4F90-B0D0-A6406F230117}"/>
-              </a:ext>
-            </a:extLst>
-          </p:cNvPr>
-          <p:cNvSpPr/>
-          <p:nvPr/>
-        </p:nvSpPr>
-        <p:spPr>
-          <a:xfrm rot="5400000">
-            <a:off x="2768593" y="3276603"/>
-            <a:ext cx="457200" cy="761995"/>
-          </a:xfrm>
-          <a:prstGeom prst="rightBrace">
-            <a:avLst/>
-          </a:prstGeom>
-          <a:ln w="28575"/>
-        </p:spPr>
-        <p:style>
-          <a:lnRef idx="1">
-            <a:schemeClr val="accent1"/>
-          </a:lnRef>
-          <a:fillRef idx="0">
-            <a:schemeClr val="accent1"/>
-          </a:fillRef>
-          <a:effectRef idx="0">
-            <a:schemeClr val="accent1"/>
-          </a:effectRef>
-          <a:fontRef idx="minor">
-            <a:schemeClr val="tx1"/>
-          </a:fontRef>
-        </p:style>
-        <p:txBody>
-          <a:bodyPr rtlCol="0" anchor="ctr"/>
-          <a:lstStyle/>
-          <a:p>
-            <a:pPr algn="ctr"/>
-            <a:endParaRPr lang="en-US"/>
-          </a:p>
-        </p:txBody>
-      </p:sp>
-      <p:sp>
-        <p:nvSpPr>
-          <p:cNvPr id="9" name="TextBox 8">
-            <a:extLst>
-              <a:ext uri="{FF2B5EF4-FFF2-40B4-BE49-F238E27FC236}">
-                <a16:creationId xmlns:a16="http://schemas.microsoft.com/office/drawing/2014/main" id="{39BD6598-1BFE-4420-B739-6ABA63C4D9A6}"/>
-              </a:ext>
-            </a:extLst>
-          </p:cNvPr>
-          <p:cNvSpPr txBox="1"/>
-          <p:nvPr/>
-        </p:nvSpPr>
-        <p:spPr>
-          <a:xfrm>
-            <a:off x="3162300" y="1811793"/>
-            <a:ext cx="1752599" cy="369332"/>
-          </a:xfrm>
-          <a:prstGeom prst="rect">
-            <a:avLst/>
-          </a:prstGeom>
-          <a:noFill/>
-        </p:spPr>
-        <p:txBody>
-          <a:bodyPr wrap="square" rtlCol="0">
-            <a:spAutoFit/>
-          </a:bodyPr>
-          <a:lstStyle/>
-          <a:p>
-            <a:pPr algn="ctr"/>
-            <a:r>
-              <a:rPr lang="en-US" dirty="0"/>
-              <a:t>Old bandwidth</a:t>
-            </a:r>
-          </a:p>
-        </p:txBody>
-      </p:sp>
-      <p:sp>
-        <p:nvSpPr>
-          <p:cNvPr id="15" name="TextBox 14">
-            <a:extLst>
-              <a:ext uri="{FF2B5EF4-FFF2-40B4-BE49-F238E27FC236}">
-                <a16:creationId xmlns:a16="http://schemas.microsoft.com/office/drawing/2014/main" id="{154EDA37-1B76-4898-8769-570CE0BF1365}"/>
-              </a:ext>
-            </a:extLst>
-          </p:cNvPr>
-          <p:cNvSpPr txBox="1"/>
-          <p:nvPr/>
-        </p:nvSpPr>
-        <p:spPr>
-          <a:xfrm>
-            <a:off x="2120893" y="3955895"/>
-            <a:ext cx="1752599" cy="369332"/>
-          </a:xfrm>
-          <a:prstGeom prst="rect">
-            <a:avLst/>
-          </a:prstGeom>
-          <a:noFill/>
-        </p:spPr>
-        <p:txBody>
-          <a:bodyPr wrap="square" rtlCol="0">
-            <a:spAutoFit/>
-          </a:bodyPr>
-          <a:lstStyle/>
-          <a:p>
-            <a:pPr algn="ctr"/>
-            <a:r>
-              <a:rPr lang="en-US" dirty="0"/>
-              <a:t>New bandwidth</a:t>
-            </a:r>
-          </a:p>
-        </p:txBody>
-      </p:sp>
-      <p:sp>
-        <p:nvSpPr>
-          <p:cNvPr id="16" name="TextBox 15">
-            <a:extLst>
-              <a:ext uri="{FF2B5EF4-FFF2-40B4-BE49-F238E27FC236}">
-                <a16:creationId xmlns:a16="http://schemas.microsoft.com/office/drawing/2014/main" id="{ED1A4A93-8898-46D8-8D32-786B5D99E2C3}"/>
-              </a:ext>
-            </a:extLst>
-          </p:cNvPr>
-          <p:cNvSpPr txBox="1"/>
-          <p:nvPr/>
-        </p:nvSpPr>
-        <p:spPr>
-          <a:xfrm>
-            <a:off x="4229099" y="3923262"/>
-            <a:ext cx="1752599" cy="369332"/>
-          </a:xfrm>
-          <a:prstGeom prst="rect">
-            <a:avLst/>
-          </a:prstGeom>
-          <a:noFill/>
-        </p:spPr>
-        <p:txBody>
-          <a:bodyPr wrap="square" rtlCol="0">
-            <a:spAutoFit/>
-          </a:bodyPr>
-          <a:lstStyle/>
-          <a:p>
-            <a:pPr algn="ctr"/>
-            <a:r>
-              <a:rPr lang="en-US" dirty="0"/>
-              <a:t>New bandwidth</a:t>
-            </a:r>
-          </a:p>
-        </p:txBody>
-      </p:sp>
-      <p:sp>
-        <p:nvSpPr>
-          <p:cNvPr id="17" name="TextBox 16">
-            <a:extLst>
-              <a:ext uri="{FF2B5EF4-FFF2-40B4-BE49-F238E27FC236}">
-                <a16:creationId xmlns:a16="http://schemas.microsoft.com/office/drawing/2014/main" id="{E057C29A-892E-423B-AA81-2F399CEB8324}"/>
-              </a:ext>
-            </a:extLst>
-          </p:cNvPr>
-          <p:cNvSpPr txBox="1"/>
-          <p:nvPr/>
-        </p:nvSpPr>
-        <p:spPr>
-          <a:xfrm>
-            <a:off x="1066800" y="4648200"/>
-            <a:ext cx="6172198" cy="646331"/>
-          </a:xfrm>
-          <a:prstGeom prst="rect">
-            <a:avLst/>
-          </a:prstGeom>
-          <a:noFill/>
-        </p:spPr>
-        <p:txBody>
-          <a:bodyPr wrap="square" rtlCol="0">
-            <a:spAutoFit/>
-          </a:bodyPr>
-          <a:lstStyle/>
-          <a:p>
-            <a:r>
-              <a:rPr lang="en-US" dirty="0"/>
-              <a:t>Not establishing a whole new range (or lose the discontinuity). Just use a subset of the bandwidth that the authors use.</a:t>
-            </a:r>
-          </a:p>
-        </p:txBody>
-      </p:sp>
-    </p:spTree>
-    <p:extLst>
-      <p:ext uri="{BB962C8B-B14F-4D97-AF65-F5344CB8AC3E}">
-        <p14:creationId xmlns:p14="http://schemas.microsoft.com/office/powerpoint/2010/main" val="2780789724"/>
-      </p:ext>
-    </p:extLst>
-  </p:cSld>
-  <p:clrMapOvr>
-    <a:masterClrMapping/>
-  </p:clrMapOvr>
-</p:sld>
-</file>
-
 <file path=ppt/slides/slide3.xml><?xml version="1.0" encoding="utf-8"?>
 <p:sld xmlns:a="http://schemas.openxmlformats.org/drawingml/2006/main" xmlns:r="http://schemas.openxmlformats.org/officeDocument/2006/relationships" xmlns:p="http://schemas.openxmlformats.org/presentationml/2006/main">
   <p:cSld>
@@ -15640,7 +16747,7 @@
           <p:cNvPr id="2" name="Title 1">
             <a:extLst>
               <a:ext uri="{FF2B5EF4-FFF2-40B4-BE49-F238E27FC236}">
-                <a16:creationId xmlns:a16="http://schemas.microsoft.com/office/drawing/2014/main" id="{995B61D3-FF46-404B-909B-F273ACA9E6F4}"/>
+                <a16:creationId xmlns:a16="http://schemas.microsoft.com/office/drawing/2014/main" id="{CA5A08BD-9A9F-44CB-8735-3E501BB09EBD}"/>
               </a:ext>
             </a:extLst>
           </p:cNvPr>
@@ -15658,7 +16765,7 @@
           <a:p>
             <a:r>
               <a:rPr lang="en-US" dirty="0"/>
-              <a:t>50-100 still shows more institutional ownership</a:t>
+              <a:t>Changing the bandwidth</a:t>
             </a:r>
           </a:p>
         </p:txBody>
@@ -15668,7 +16775,7 @@
           <p:cNvPr id="4" name="Footer Placeholder 3">
             <a:extLst>
               <a:ext uri="{FF2B5EF4-FFF2-40B4-BE49-F238E27FC236}">
-                <a16:creationId xmlns:a16="http://schemas.microsoft.com/office/drawing/2014/main" id="{1AFA945D-67FC-48C0-A0DB-E0044253FDF3}"/>
+                <a16:creationId xmlns:a16="http://schemas.microsoft.com/office/drawing/2014/main" id="{D43675A5-5AF6-4FBB-8A82-F14293677E52}"/>
               </a:ext>
             </a:extLst>
           </p:cNvPr>
@@ -15692,74 +16799,40 @@
           </a:p>
         </p:txBody>
       </p:sp>
-      <p:pic>
-        <p:nvPicPr>
-          <p:cNvPr id="6" name="Picture 5">
-            <a:extLst>
-              <a:ext uri="{FF2B5EF4-FFF2-40B4-BE49-F238E27FC236}">
-                <a16:creationId xmlns:a16="http://schemas.microsoft.com/office/drawing/2014/main" id="{4809207E-6493-4F94-9BAD-368248FFF7D7}"/>
-              </a:ext>
-            </a:extLst>
-          </p:cNvPr>
-          <p:cNvPicPr>
-            <a:picLocks noChangeAspect="1"/>
-          </p:cNvPicPr>
-          <p:nvPr/>
-        </p:nvPicPr>
-        <p:blipFill>
-          <a:blip r:embed="rId2"/>
-          <a:stretch>
-            <a:fillRect/>
-          </a:stretch>
-        </p:blipFill>
-        <p:spPr>
-          <a:xfrm>
-            <a:off x="1143000" y="1676400"/>
-            <a:ext cx="5867400" cy="4516272"/>
-          </a:xfrm>
-          <a:prstGeom prst="rect">
-            <a:avLst/>
-          </a:prstGeom>
-        </p:spPr>
-      </p:pic>
       <p:cxnSp>
         <p:nvCxnSpPr>
-          <p:cNvPr id="17" name="Straight Connector 16">
-            <a:extLst>
-              <a:ext uri="{FF2B5EF4-FFF2-40B4-BE49-F238E27FC236}">
-                <a16:creationId xmlns:a16="http://schemas.microsoft.com/office/drawing/2014/main" id="{DB355825-6D25-4D61-A624-26B87DB4BB03}"/>
-              </a:ext>
-            </a:extLst>
-          </p:cNvPr>
-          <p:cNvCxnSpPr>
-            <a:cxnSpLocks/>
-          </p:cNvCxnSpPr>
+          <p:cNvPr id="5" name="Straight Arrow Connector 4">
+            <a:extLst>
+              <a:ext uri="{FF2B5EF4-FFF2-40B4-BE49-F238E27FC236}">
+                <a16:creationId xmlns:a16="http://schemas.microsoft.com/office/drawing/2014/main" id="{2403F7CD-A5A2-4805-A647-E9BBFBE34518}"/>
+              </a:ext>
+            </a:extLst>
+          </p:cNvPr>
+          <p:cNvCxnSpPr/>
           <p:nvPr/>
         </p:nvCxnSpPr>
         <p:spPr>
           <a:xfrm>
-            <a:off x="3200400" y="2220036"/>
-            <a:ext cx="0" cy="3342564"/>
-          </a:xfrm>
-          <a:prstGeom prst="line">
+            <a:off x="838200" y="3048000"/>
+            <a:ext cx="7010400" cy="0"/>
+          </a:xfrm>
+          <a:prstGeom prst="straightConnector1">
             <a:avLst/>
           </a:prstGeom>
           <a:ln>
-            <a:solidFill>
-              <a:schemeClr val="tx1"/>
-            </a:solidFill>
-            <a:prstDash val="dash"/>
+            <a:headEnd type="triangle"/>
+            <a:tailEnd type="triangle"/>
           </a:ln>
         </p:spPr>
         <p:style>
           <a:lnRef idx="1">
-            <a:schemeClr val="accent1"/>
+            <a:schemeClr val="dk1"/>
           </a:lnRef>
           <a:fillRef idx="0">
-            <a:schemeClr val="accent1"/>
+            <a:schemeClr val="dk1"/>
           </a:fillRef>
           <a:effectRef idx="0">
-            <a:schemeClr val="accent1"/>
+            <a:schemeClr val="dk1"/>
           </a:effectRef>
           <a:fontRef idx="minor">
             <a:schemeClr val="tx1"/>
@@ -15768,32 +16841,24 @@
       </p:cxnSp>
       <p:cxnSp>
         <p:nvCxnSpPr>
-          <p:cNvPr id="20" name="Straight Connector 19">
-            <a:extLst>
-              <a:ext uri="{FF2B5EF4-FFF2-40B4-BE49-F238E27FC236}">
-                <a16:creationId xmlns:a16="http://schemas.microsoft.com/office/drawing/2014/main" id="{384DB9B0-2BD8-4930-980F-0374B6E15FB5}"/>
-              </a:ext>
-            </a:extLst>
-          </p:cNvPr>
-          <p:cNvCxnSpPr>
-            <a:cxnSpLocks/>
-          </p:cNvCxnSpPr>
+          <p:cNvPr id="7" name="Straight Connector 6">
+            <a:extLst>
+              <a:ext uri="{FF2B5EF4-FFF2-40B4-BE49-F238E27FC236}">
+                <a16:creationId xmlns:a16="http://schemas.microsoft.com/office/drawing/2014/main" id="{0DFFCC4E-E53D-4231-84E8-9585D9D2E089}"/>
+              </a:ext>
+            </a:extLst>
+          </p:cNvPr>
+          <p:cNvCxnSpPr/>
           <p:nvPr/>
         </p:nvCxnSpPr>
         <p:spPr>
           <a:xfrm>
-            <a:off x="3810000" y="2220036"/>
-            <a:ext cx="0" cy="3429000"/>
+            <a:off x="4038600" y="2819400"/>
+            <a:ext cx="0" cy="457200"/>
           </a:xfrm>
           <a:prstGeom prst="line">
             <a:avLst/>
           </a:prstGeom>
-          <a:ln>
-            <a:solidFill>
-              <a:schemeClr val="tx1"/>
-            </a:solidFill>
-            <a:prstDash val="dash"/>
-          </a:ln>
         </p:spPr>
         <p:style>
           <a:lnRef idx="1">
@@ -15810,34 +16875,27 @@
           </a:fontRef>
         </p:style>
       </p:cxnSp>
-      <p:cxnSp>
-        <p:nvCxnSpPr>
-          <p:cNvPr id="21" name="Straight Connector 20">
-            <a:extLst>
-              <a:ext uri="{FF2B5EF4-FFF2-40B4-BE49-F238E27FC236}">
-                <a16:creationId xmlns:a16="http://schemas.microsoft.com/office/drawing/2014/main" id="{DA02AE97-F657-4332-9702-6430ABD219C2}"/>
-              </a:ext>
-            </a:extLst>
-          </p:cNvPr>
-          <p:cNvCxnSpPr>
-            <a:cxnSpLocks/>
-          </p:cNvCxnSpPr>
-          <p:nvPr/>
-        </p:nvCxnSpPr>
-        <p:spPr>
-          <a:xfrm>
-            <a:off x="4953000" y="2286000"/>
-            <a:ext cx="0" cy="3429000"/>
-          </a:xfrm>
-          <a:prstGeom prst="line">
-            <a:avLst/>
-          </a:prstGeom>
-          <a:ln>
-            <a:solidFill>
-              <a:schemeClr val="tx1"/>
-            </a:solidFill>
-            <a:prstDash val="dash"/>
-          </a:ln>
+      <p:sp>
+        <p:nvSpPr>
+          <p:cNvPr id="12" name="Right Brace 11">
+            <a:extLst>
+              <a:ext uri="{FF2B5EF4-FFF2-40B4-BE49-F238E27FC236}">
+                <a16:creationId xmlns:a16="http://schemas.microsoft.com/office/drawing/2014/main" id="{C3A83032-B63D-4A9F-B9C7-7B62137CCD76}"/>
+              </a:ext>
+            </a:extLst>
+          </p:cNvPr>
+          <p:cNvSpPr/>
+          <p:nvPr/>
+        </p:nvSpPr>
+        <p:spPr>
+          <a:xfrm rot="16200000">
+            <a:off x="3810001" y="1089147"/>
+            <a:ext cx="457200" cy="2895597"/>
+          </a:xfrm>
+          <a:prstGeom prst="rightBrace">
+            <a:avLst/>
+          </a:prstGeom>
+          <a:ln w="28575"/>
         </p:spPr>
         <p:style>
           <a:lnRef idx="1">
@@ -15853,90 +16911,6 @@
             <a:schemeClr val="tx1"/>
           </a:fontRef>
         </p:style>
-      </p:cxnSp>
-      <p:cxnSp>
-        <p:nvCxnSpPr>
-          <p:cNvPr id="22" name="Straight Connector 21">
-            <a:extLst>
-              <a:ext uri="{FF2B5EF4-FFF2-40B4-BE49-F238E27FC236}">
-                <a16:creationId xmlns:a16="http://schemas.microsoft.com/office/drawing/2014/main" id="{DEB6F22C-E342-453B-85DF-4020D5695A1C}"/>
-              </a:ext>
-            </a:extLst>
-          </p:cNvPr>
-          <p:cNvCxnSpPr>
-            <a:cxnSpLocks/>
-          </p:cNvCxnSpPr>
-          <p:nvPr/>
-        </p:nvCxnSpPr>
-        <p:spPr>
-          <a:xfrm>
-            <a:off x="5562600" y="2286000"/>
-            <a:ext cx="0" cy="3429000"/>
-          </a:xfrm>
-          <a:prstGeom prst="line">
-            <a:avLst/>
-          </a:prstGeom>
-          <a:ln>
-            <a:solidFill>
-              <a:schemeClr val="tx1"/>
-            </a:solidFill>
-            <a:prstDash val="dash"/>
-          </a:ln>
-        </p:spPr>
-        <p:style>
-          <a:lnRef idx="1">
-            <a:schemeClr val="accent1"/>
-          </a:lnRef>
-          <a:fillRef idx="0">
-            <a:schemeClr val="accent1"/>
-          </a:fillRef>
-          <a:effectRef idx="0">
-            <a:schemeClr val="accent1"/>
-          </a:effectRef>
-          <a:fontRef idx="minor">
-            <a:schemeClr val="tx1"/>
-          </a:fontRef>
-        </p:style>
-      </p:cxnSp>
-      <p:sp>
-        <p:nvSpPr>
-          <p:cNvPr id="24" name="Right Brace 23">
-            <a:extLst>
-              <a:ext uri="{FF2B5EF4-FFF2-40B4-BE49-F238E27FC236}">
-                <a16:creationId xmlns:a16="http://schemas.microsoft.com/office/drawing/2014/main" id="{A01C4A36-BA23-4497-8EA9-31BD7A1E2122}"/>
-              </a:ext>
-            </a:extLst>
-          </p:cNvPr>
-          <p:cNvSpPr/>
-          <p:nvPr/>
-        </p:nvSpPr>
-        <p:spPr>
-          <a:xfrm rot="16200000">
-            <a:off x="5113780" y="1601584"/>
-            <a:ext cx="288038" cy="618067"/>
-          </a:xfrm>
-          <a:prstGeom prst="rightBrace">
-            <a:avLst>
-              <a:gd name="adj1" fmla="val 8333"/>
-              <a:gd name="adj2" fmla="val 53025"/>
-            </a:avLst>
-          </a:prstGeom>
-          <a:ln w="28575"/>
-        </p:spPr>
-        <p:style>
-          <a:lnRef idx="1">
-            <a:schemeClr val="accent1"/>
-          </a:lnRef>
-          <a:fillRef idx="0">
-            <a:schemeClr val="accent1"/>
-          </a:fillRef>
-          <a:effectRef idx="0">
-            <a:schemeClr val="accent1"/>
-          </a:effectRef>
-          <a:fontRef idx="minor">
-            <a:schemeClr val="tx1"/>
-          </a:fontRef>
-        </p:style>
         <p:txBody>
           <a:bodyPr rtlCol="0" anchor="ctr"/>
           <a:lstStyle/>
@@ -15948,152 +16922,36 @@
       </p:sp>
       <p:sp>
         <p:nvSpPr>
-          <p:cNvPr id="25" name="Right Brace 24">
-            <a:extLst>
-              <a:ext uri="{FF2B5EF4-FFF2-40B4-BE49-F238E27FC236}">
-                <a16:creationId xmlns:a16="http://schemas.microsoft.com/office/drawing/2014/main" id="{52034746-07E6-488F-8F13-A3E67605B950}"/>
-              </a:ext>
-            </a:extLst>
-          </p:cNvPr>
-          <p:cNvSpPr/>
-          <p:nvPr/>
-        </p:nvSpPr>
-        <p:spPr>
-          <a:xfrm rot="16200000">
-            <a:off x="3361178" y="1601584"/>
-            <a:ext cx="288038" cy="618067"/>
-          </a:xfrm>
-          <a:prstGeom prst="rightBrace">
-            <a:avLst>
-              <a:gd name="adj1" fmla="val 8333"/>
-              <a:gd name="adj2" fmla="val 53025"/>
-            </a:avLst>
-          </a:prstGeom>
-          <a:ln w="28575"/>
-        </p:spPr>
-        <p:style>
-          <a:lnRef idx="1">
-            <a:schemeClr val="accent1"/>
-          </a:lnRef>
-          <a:fillRef idx="0">
-            <a:schemeClr val="accent1"/>
-          </a:fillRef>
-          <a:effectRef idx="0">
-            <a:schemeClr val="accent1"/>
-          </a:effectRef>
-          <a:fontRef idx="minor">
-            <a:schemeClr val="tx1"/>
-          </a:fontRef>
-        </p:style>
-        <p:txBody>
-          <a:bodyPr rtlCol="0" anchor="ctr"/>
+          <p:cNvPr id="9" name="TextBox 8">
+            <a:extLst>
+              <a:ext uri="{FF2B5EF4-FFF2-40B4-BE49-F238E27FC236}">
+                <a16:creationId xmlns:a16="http://schemas.microsoft.com/office/drawing/2014/main" id="{39BD6598-1BFE-4420-B739-6ABA63C4D9A6}"/>
+              </a:ext>
+            </a:extLst>
+          </p:cNvPr>
+          <p:cNvSpPr txBox="1"/>
+          <p:nvPr/>
+        </p:nvSpPr>
+        <p:spPr>
+          <a:xfrm>
+            <a:off x="3162300" y="1811793"/>
+            <a:ext cx="1752599" cy="369332"/>
+          </a:xfrm>
+          <a:prstGeom prst="rect">
+            <a:avLst/>
+          </a:prstGeom>
+          <a:noFill/>
+        </p:spPr>
+        <p:txBody>
+          <a:bodyPr wrap="square" rtlCol="0">
+            <a:spAutoFit/>
+          </a:bodyPr>
           <a:lstStyle/>
           <a:p>
             <a:pPr algn="ctr"/>
-            <a:endParaRPr lang="en-US"/>
-          </a:p>
-        </p:txBody>
-      </p:sp>
-      <p:sp>
-        <p:nvSpPr>
-          <p:cNvPr id="26" name="Rectangle 25">
-            <a:extLst>
-              <a:ext uri="{FF2B5EF4-FFF2-40B4-BE49-F238E27FC236}">
-                <a16:creationId xmlns:a16="http://schemas.microsoft.com/office/drawing/2014/main" id="{D757FD19-8DC8-49AC-BCFF-02C5A34CCAF2}"/>
-              </a:ext>
-            </a:extLst>
-          </p:cNvPr>
-          <p:cNvSpPr/>
-          <p:nvPr/>
-        </p:nvSpPr>
-        <p:spPr>
-          <a:xfrm>
-            <a:off x="2770717" y="1367573"/>
-            <a:ext cx="1540932" cy="332663"/>
-          </a:xfrm>
-          <a:prstGeom prst="rect">
-            <a:avLst/>
-          </a:prstGeom>
-          <a:solidFill>
-            <a:schemeClr val="accent4"/>
-          </a:solidFill>
-        </p:spPr>
-        <p:style>
-          <a:lnRef idx="2">
-            <a:schemeClr val="accent1">
-              <a:shade val="50000"/>
-            </a:schemeClr>
-          </a:lnRef>
-          <a:fillRef idx="1">
-            <a:schemeClr val="accent1"/>
-          </a:fillRef>
-          <a:effectRef idx="0">
-            <a:schemeClr val="accent1"/>
-          </a:effectRef>
-          <a:fontRef idx="minor">
-            <a:schemeClr val="lt1"/>
-          </a:fontRef>
-        </p:style>
-        <p:txBody>
-          <a:bodyPr rtlCol="0" anchor="ctr"/>
-          <a:lstStyle/>
-          <a:p>
-            <a:pPr algn="ctr"/>
             <a:r>
               <a:rPr lang="en-US" dirty="0"/>
-              <a:t>-100 to 50</a:t>
-            </a:r>
-          </a:p>
-        </p:txBody>
-      </p:sp>
-      <p:sp>
-        <p:nvSpPr>
-          <p:cNvPr id="27" name="Rectangle 26">
-            <a:extLst>
-              <a:ext uri="{FF2B5EF4-FFF2-40B4-BE49-F238E27FC236}">
-                <a16:creationId xmlns:a16="http://schemas.microsoft.com/office/drawing/2014/main" id="{E6069049-72CF-4C6B-A9FF-65BCD7BF7C35}"/>
-              </a:ext>
-            </a:extLst>
-          </p:cNvPr>
-          <p:cNvSpPr/>
-          <p:nvPr/>
-        </p:nvSpPr>
-        <p:spPr>
-          <a:xfrm>
-            <a:off x="4572000" y="1367573"/>
-            <a:ext cx="1540932" cy="332663"/>
-          </a:xfrm>
-          <a:prstGeom prst="rect">
-            <a:avLst/>
-          </a:prstGeom>
-          <a:solidFill>
-            <a:schemeClr val="accent4"/>
-          </a:solidFill>
-        </p:spPr>
-        <p:style>
-          <a:lnRef idx="2">
-            <a:schemeClr val="accent1">
-              <a:shade val="50000"/>
-            </a:schemeClr>
-          </a:lnRef>
-          <a:fillRef idx="1">
-            <a:schemeClr val="accent1"/>
-          </a:fillRef>
-          <a:effectRef idx="0">
-            <a:schemeClr val="accent1"/>
-          </a:effectRef>
-          <a:fontRef idx="minor">
-            <a:schemeClr val="lt1"/>
-          </a:fontRef>
-        </p:style>
-        <p:txBody>
-          <a:bodyPr rtlCol="0" anchor="ctr"/>
-          <a:lstStyle/>
-          <a:p>
-            <a:pPr algn="ctr"/>
-            <a:r>
-              <a:rPr lang="en-US" dirty="0"/>
-              <a:t>50 to 100</a:t>
+              <a:t>Old bandwidth</a:t>
             </a:r>
           </a:p>
         </p:txBody>
@@ -16101,7 +16959,7 @@
     </p:spTree>
     <p:extLst>
       <p:ext uri="{BB962C8B-B14F-4D97-AF65-F5344CB8AC3E}">
-        <p14:creationId xmlns:p14="http://schemas.microsoft.com/office/powerpoint/2010/main" val="2699539782"/>
+        <p14:creationId xmlns:p14="http://schemas.microsoft.com/office/powerpoint/2010/main" val="3019782744"/>
       </p:ext>
     </p:extLst>
   </p:cSld>
@@ -16133,7 +16991,7 @@
           <p:cNvPr id="2" name="Title 1">
             <a:extLst>
               <a:ext uri="{FF2B5EF4-FFF2-40B4-BE49-F238E27FC236}">
-                <a16:creationId xmlns:a16="http://schemas.microsoft.com/office/drawing/2014/main" id="{995B61D3-FF46-404B-909B-F273ACA9E6F4}"/>
+                <a16:creationId xmlns:a16="http://schemas.microsoft.com/office/drawing/2014/main" id="{CA5A08BD-9A9F-44CB-8735-3E501BB09EBD}"/>
               </a:ext>
             </a:extLst>
           </p:cNvPr>
@@ -16151,7 +17009,7 @@
           <a:p>
             <a:r>
               <a:rPr lang="en-US" dirty="0"/>
-              <a:t>50-100 still shows more institutional ownership</a:t>
+              <a:t>Changing the bandwidth</a:t>
             </a:r>
           </a:p>
         </p:txBody>
@@ -16161,7 +17019,7 @@
           <p:cNvPr id="4" name="Footer Placeholder 3">
             <a:extLst>
               <a:ext uri="{FF2B5EF4-FFF2-40B4-BE49-F238E27FC236}">
-                <a16:creationId xmlns:a16="http://schemas.microsoft.com/office/drawing/2014/main" id="{1AFA945D-67FC-48C0-A0DB-E0044253FDF3}"/>
+                <a16:creationId xmlns:a16="http://schemas.microsoft.com/office/drawing/2014/main" id="{D43675A5-5AF6-4FBB-8A82-F14293677E52}"/>
               </a:ext>
             </a:extLst>
           </p:cNvPr>
@@ -16185,42 +17043,12 @@
           </a:p>
         </p:txBody>
       </p:sp>
-      <p:pic>
-        <p:nvPicPr>
-          <p:cNvPr id="6" name="Picture 5">
-            <a:extLst>
-              <a:ext uri="{FF2B5EF4-FFF2-40B4-BE49-F238E27FC236}">
-                <a16:creationId xmlns:a16="http://schemas.microsoft.com/office/drawing/2014/main" id="{4809207E-6493-4F94-9BAD-368248FFF7D7}"/>
-              </a:ext>
-            </a:extLst>
-          </p:cNvPr>
-          <p:cNvPicPr>
-            <a:picLocks noChangeAspect="1"/>
-          </p:cNvPicPr>
-          <p:nvPr/>
-        </p:nvPicPr>
-        <p:blipFill>
-          <a:blip r:embed="rId2"/>
-          <a:stretch>
-            <a:fillRect/>
-          </a:stretch>
-        </p:blipFill>
-        <p:spPr>
-          <a:xfrm>
-            <a:off x="1143000" y="1676400"/>
-            <a:ext cx="5867400" cy="4516272"/>
-          </a:xfrm>
-          <a:prstGeom prst="rect">
-            <a:avLst/>
-          </a:prstGeom>
-        </p:spPr>
-      </p:pic>
       <p:cxnSp>
         <p:nvCxnSpPr>
-          <p:cNvPr id="10" name="Straight Connector 9">
-            <a:extLst>
-              <a:ext uri="{FF2B5EF4-FFF2-40B4-BE49-F238E27FC236}">
-                <a16:creationId xmlns:a16="http://schemas.microsoft.com/office/drawing/2014/main" id="{26BADAD4-29C5-4D0C-A823-98F3C1254A1A}"/>
+          <p:cNvPr id="5" name="Straight Arrow Connector 4">
+            <a:extLst>
+              <a:ext uri="{FF2B5EF4-FFF2-40B4-BE49-F238E27FC236}">
+                <a16:creationId xmlns:a16="http://schemas.microsoft.com/office/drawing/2014/main" id="{2403F7CD-A5A2-4805-A647-E9BBFBE34518}"/>
               </a:ext>
             </a:extLst>
           </p:cNvPr>
@@ -16229,210 +17057,26 @@
         </p:nvCxnSpPr>
         <p:spPr>
           <a:xfrm>
-            <a:off x="3352800" y="2971800"/>
-            <a:ext cx="2057400" cy="0"/>
-          </a:xfrm>
-          <a:prstGeom prst="line">
-            <a:avLst/>
-          </a:prstGeom>
-          <a:ln w="28575">
-            <a:solidFill>
-              <a:srgbClr val="C00000"/>
-            </a:solidFill>
-            <a:prstDash val="dash"/>
+            <a:off x="838200" y="3048000"/>
+            <a:ext cx="7010400" cy="0"/>
+          </a:xfrm>
+          <a:prstGeom prst="straightConnector1">
+            <a:avLst/>
+          </a:prstGeom>
+          <a:ln>
+            <a:headEnd type="triangle"/>
+            <a:tailEnd type="triangle"/>
           </a:ln>
         </p:spPr>
         <p:style>
           <a:lnRef idx="1">
-            <a:schemeClr val="accent1"/>
+            <a:schemeClr val="dk1"/>
           </a:lnRef>
           <a:fillRef idx="0">
-            <a:schemeClr val="accent1"/>
+            <a:schemeClr val="dk1"/>
           </a:fillRef>
           <a:effectRef idx="0">
-            <a:schemeClr val="accent1"/>
-          </a:effectRef>
-          <a:fontRef idx="minor">
-            <a:schemeClr val="tx1"/>
-          </a:fontRef>
-        </p:style>
-      </p:cxnSp>
-      <p:sp>
-        <p:nvSpPr>
-          <p:cNvPr id="11" name="Right Brace 10">
-            <a:extLst>
-              <a:ext uri="{FF2B5EF4-FFF2-40B4-BE49-F238E27FC236}">
-                <a16:creationId xmlns:a16="http://schemas.microsoft.com/office/drawing/2014/main" id="{E7878612-A341-427A-8B5E-110BB32EE546}"/>
-              </a:ext>
-            </a:extLst>
-          </p:cNvPr>
-          <p:cNvSpPr/>
-          <p:nvPr/>
-        </p:nvSpPr>
-        <p:spPr>
-          <a:xfrm>
-            <a:off x="5418666" y="2514600"/>
-            <a:ext cx="296333" cy="457199"/>
-          </a:xfrm>
-          <a:prstGeom prst="rightBrace">
-            <a:avLst/>
-          </a:prstGeom>
-          <a:ln w="38100"/>
-        </p:spPr>
-        <p:style>
-          <a:lnRef idx="1">
-            <a:schemeClr val="accent1"/>
-          </a:lnRef>
-          <a:fillRef idx="0">
-            <a:schemeClr val="accent1"/>
-          </a:fillRef>
-          <a:effectRef idx="0">
-            <a:schemeClr val="accent1"/>
-          </a:effectRef>
-          <a:fontRef idx="minor">
-            <a:schemeClr val="tx1"/>
-          </a:fontRef>
-        </p:style>
-        <p:txBody>
-          <a:bodyPr rtlCol="0" anchor="ctr"/>
-          <a:lstStyle/>
-          <a:p>
-            <a:pPr algn="ctr"/>
-            <a:endParaRPr lang="en-US"/>
-          </a:p>
-        </p:txBody>
-      </p:sp>
-      <p:cxnSp>
-        <p:nvCxnSpPr>
-          <p:cNvPr id="13" name="Straight Connector 12">
-            <a:extLst>
-              <a:ext uri="{FF2B5EF4-FFF2-40B4-BE49-F238E27FC236}">
-                <a16:creationId xmlns:a16="http://schemas.microsoft.com/office/drawing/2014/main" id="{3993C699-0793-40A3-A535-787F888BBB4E}"/>
-              </a:ext>
-            </a:extLst>
-          </p:cNvPr>
-          <p:cNvCxnSpPr>
-            <a:cxnSpLocks/>
-          </p:cNvCxnSpPr>
-          <p:nvPr/>
-        </p:nvCxnSpPr>
-        <p:spPr>
-          <a:xfrm flipH="1">
-            <a:off x="3352800" y="2514600"/>
-            <a:ext cx="1917699" cy="0"/>
-          </a:xfrm>
-          <a:prstGeom prst="line">
-            <a:avLst/>
-          </a:prstGeom>
-          <a:ln w="28575">
-            <a:prstDash val="dash"/>
-          </a:ln>
-        </p:spPr>
-        <p:style>
-          <a:lnRef idx="1">
-            <a:schemeClr val="accent1"/>
-          </a:lnRef>
-          <a:fillRef idx="0">
-            <a:schemeClr val="accent1"/>
-          </a:fillRef>
-          <a:effectRef idx="0">
-            <a:schemeClr val="accent1"/>
-          </a:effectRef>
-          <a:fontRef idx="minor">
-            <a:schemeClr val="tx1"/>
-          </a:fontRef>
-        </p:style>
-      </p:cxnSp>
-      <p:sp>
-        <p:nvSpPr>
-          <p:cNvPr id="15" name="Rectangle 14">
-            <a:extLst>
-              <a:ext uri="{FF2B5EF4-FFF2-40B4-BE49-F238E27FC236}">
-                <a16:creationId xmlns:a16="http://schemas.microsoft.com/office/drawing/2014/main" id="{A863D133-C7F8-4BFF-A062-9B30E6982FA3}"/>
-              </a:ext>
-            </a:extLst>
-          </p:cNvPr>
-          <p:cNvSpPr/>
-          <p:nvPr/>
-        </p:nvSpPr>
-        <p:spPr>
-          <a:xfrm>
-            <a:off x="5729825" y="2697019"/>
-            <a:ext cx="2142057" cy="1211232"/>
-          </a:xfrm>
-          <a:prstGeom prst="rect">
-            <a:avLst/>
-          </a:prstGeom>
-          <a:solidFill>
-            <a:schemeClr val="accent4"/>
-          </a:solidFill>
-        </p:spPr>
-        <p:style>
-          <a:lnRef idx="2">
-            <a:schemeClr val="accent1">
-              <a:shade val="50000"/>
-            </a:schemeClr>
-          </a:lnRef>
-          <a:fillRef idx="1">
-            <a:schemeClr val="accent1"/>
-          </a:fillRef>
-          <a:effectRef idx="0">
-            <a:schemeClr val="accent1"/>
-          </a:effectRef>
-          <a:fontRef idx="minor">
-            <a:schemeClr val="lt1"/>
-          </a:fontRef>
-        </p:style>
-        <p:txBody>
-          <a:bodyPr rtlCol="0" anchor="ctr"/>
-          <a:lstStyle/>
-          <a:p>
-            <a:pPr algn="ctr"/>
-            <a:r>
-              <a:rPr lang="en-US" dirty="0"/>
-              <a:t>Gap in institutional ownership persists across bandwidth</a:t>
-            </a:r>
-          </a:p>
-        </p:txBody>
-      </p:sp>
-      <p:cxnSp>
-        <p:nvCxnSpPr>
-          <p:cNvPr id="17" name="Straight Connector 16">
-            <a:extLst>
-              <a:ext uri="{FF2B5EF4-FFF2-40B4-BE49-F238E27FC236}">
-                <a16:creationId xmlns:a16="http://schemas.microsoft.com/office/drawing/2014/main" id="{DB355825-6D25-4D61-A624-26B87DB4BB03}"/>
-              </a:ext>
-            </a:extLst>
-          </p:cNvPr>
-          <p:cNvCxnSpPr>
-            <a:cxnSpLocks/>
-          </p:cNvCxnSpPr>
-          <p:nvPr/>
-        </p:nvCxnSpPr>
-        <p:spPr>
-          <a:xfrm>
-            <a:off x="3200400" y="2220036"/>
-            <a:ext cx="0" cy="3342564"/>
-          </a:xfrm>
-          <a:prstGeom prst="line">
-            <a:avLst/>
-          </a:prstGeom>
-          <a:ln>
-            <a:solidFill>
-              <a:schemeClr val="tx1"/>
-            </a:solidFill>
-            <a:prstDash val="dash"/>
-          </a:ln>
-        </p:spPr>
-        <p:style>
-          <a:lnRef idx="1">
-            <a:schemeClr val="accent1"/>
-          </a:lnRef>
-          <a:fillRef idx="0">
-            <a:schemeClr val="accent1"/>
-          </a:fillRef>
-          <a:effectRef idx="0">
-            <a:schemeClr val="accent1"/>
+            <a:schemeClr val="dk1"/>
           </a:effectRef>
           <a:fontRef idx="minor">
             <a:schemeClr val="tx1"/>
@@ -16441,32 +17085,24 @@
       </p:cxnSp>
       <p:cxnSp>
         <p:nvCxnSpPr>
-          <p:cNvPr id="20" name="Straight Connector 19">
-            <a:extLst>
-              <a:ext uri="{FF2B5EF4-FFF2-40B4-BE49-F238E27FC236}">
-                <a16:creationId xmlns:a16="http://schemas.microsoft.com/office/drawing/2014/main" id="{384DB9B0-2BD8-4930-980F-0374B6E15FB5}"/>
-              </a:ext>
-            </a:extLst>
-          </p:cNvPr>
-          <p:cNvCxnSpPr>
-            <a:cxnSpLocks/>
-          </p:cNvCxnSpPr>
+          <p:cNvPr id="7" name="Straight Connector 6">
+            <a:extLst>
+              <a:ext uri="{FF2B5EF4-FFF2-40B4-BE49-F238E27FC236}">
+                <a16:creationId xmlns:a16="http://schemas.microsoft.com/office/drawing/2014/main" id="{0DFFCC4E-E53D-4231-84E8-9585D9D2E089}"/>
+              </a:ext>
+            </a:extLst>
+          </p:cNvPr>
+          <p:cNvCxnSpPr/>
           <p:nvPr/>
         </p:nvCxnSpPr>
         <p:spPr>
           <a:xfrm>
-            <a:off x="3810000" y="2220036"/>
-            <a:ext cx="0" cy="3429000"/>
+            <a:off x="4038600" y="2819400"/>
+            <a:ext cx="0" cy="457200"/>
           </a:xfrm>
           <a:prstGeom prst="line">
             <a:avLst/>
           </a:prstGeom>
-          <a:ln>
-            <a:solidFill>
-              <a:schemeClr val="tx1"/>
-            </a:solidFill>
-            <a:prstDash val="dash"/>
-          </a:ln>
         </p:spPr>
         <p:style>
           <a:lnRef idx="1">
@@ -16483,34 +17119,27 @@
           </a:fontRef>
         </p:style>
       </p:cxnSp>
-      <p:cxnSp>
-        <p:nvCxnSpPr>
-          <p:cNvPr id="21" name="Straight Connector 20">
-            <a:extLst>
-              <a:ext uri="{FF2B5EF4-FFF2-40B4-BE49-F238E27FC236}">
-                <a16:creationId xmlns:a16="http://schemas.microsoft.com/office/drawing/2014/main" id="{DA02AE97-F657-4332-9702-6430ABD219C2}"/>
-              </a:ext>
-            </a:extLst>
-          </p:cNvPr>
-          <p:cNvCxnSpPr>
-            <a:cxnSpLocks/>
-          </p:cNvCxnSpPr>
-          <p:nvPr/>
-        </p:nvCxnSpPr>
-        <p:spPr>
-          <a:xfrm>
-            <a:off x="4953000" y="2286000"/>
-            <a:ext cx="0" cy="3429000"/>
-          </a:xfrm>
-          <a:prstGeom prst="line">
-            <a:avLst/>
-          </a:prstGeom>
-          <a:ln>
-            <a:solidFill>
-              <a:schemeClr val="tx1"/>
-            </a:solidFill>
-            <a:prstDash val="dash"/>
-          </a:ln>
+      <p:sp>
+        <p:nvSpPr>
+          <p:cNvPr id="12" name="Right Brace 11">
+            <a:extLst>
+              <a:ext uri="{FF2B5EF4-FFF2-40B4-BE49-F238E27FC236}">
+                <a16:creationId xmlns:a16="http://schemas.microsoft.com/office/drawing/2014/main" id="{C3A83032-B63D-4A9F-B9C7-7B62137CCD76}"/>
+              </a:ext>
+            </a:extLst>
+          </p:cNvPr>
+          <p:cNvSpPr/>
+          <p:nvPr/>
+        </p:nvSpPr>
+        <p:spPr>
+          <a:xfrm rot="16200000">
+            <a:off x="3810001" y="1089147"/>
+            <a:ext cx="457200" cy="2895597"/>
+          </a:xfrm>
+          <a:prstGeom prst="rightBrace">
+            <a:avLst/>
+          </a:prstGeom>
+          <a:ln w="28575"/>
         </p:spPr>
         <p:style>
           <a:lnRef idx="1">
@@ -16526,35 +17155,36 @@
             <a:schemeClr val="tx1"/>
           </a:fontRef>
         </p:style>
-      </p:cxnSp>
-      <p:cxnSp>
-        <p:nvCxnSpPr>
-          <p:cNvPr id="22" name="Straight Connector 21">
-            <a:extLst>
-              <a:ext uri="{FF2B5EF4-FFF2-40B4-BE49-F238E27FC236}">
-                <a16:creationId xmlns:a16="http://schemas.microsoft.com/office/drawing/2014/main" id="{DEB6F22C-E342-453B-85DF-4020D5695A1C}"/>
-              </a:ext>
-            </a:extLst>
-          </p:cNvPr>
-          <p:cNvCxnSpPr>
-            <a:cxnSpLocks/>
-          </p:cNvCxnSpPr>
-          <p:nvPr/>
-        </p:nvCxnSpPr>
-        <p:spPr>
-          <a:xfrm>
-            <a:off x="5532965" y="2286000"/>
-            <a:ext cx="0" cy="3429000"/>
-          </a:xfrm>
-          <a:prstGeom prst="line">
-            <a:avLst/>
-          </a:prstGeom>
-          <a:ln>
-            <a:solidFill>
-              <a:schemeClr val="tx1"/>
-            </a:solidFill>
-            <a:prstDash val="dash"/>
-          </a:ln>
+        <p:txBody>
+          <a:bodyPr rtlCol="0" anchor="ctr"/>
+          <a:lstStyle/>
+          <a:p>
+            <a:pPr algn="ctr"/>
+            <a:endParaRPr lang="en-US"/>
+          </a:p>
+        </p:txBody>
+      </p:sp>
+      <p:sp>
+        <p:nvSpPr>
+          <p:cNvPr id="13" name="Right Brace 12">
+            <a:extLst>
+              <a:ext uri="{FF2B5EF4-FFF2-40B4-BE49-F238E27FC236}">
+                <a16:creationId xmlns:a16="http://schemas.microsoft.com/office/drawing/2014/main" id="{D45F7986-01D1-464E-B611-ACB282795981}"/>
+              </a:ext>
+            </a:extLst>
+          </p:cNvPr>
+          <p:cNvSpPr/>
+          <p:nvPr/>
+        </p:nvSpPr>
+        <p:spPr>
+          <a:xfrm rot="5400000">
+            <a:off x="4876799" y="3276602"/>
+            <a:ext cx="457200" cy="761995"/>
+          </a:xfrm>
+          <a:prstGeom prst="rightBrace">
+            <a:avLst/>
+          </a:prstGeom>
+          <a:ln w="28575"/>
         </p:spPr>
         <p:style>
           <a:lnRef idx="1">
@@ -16570,13 +17200,21 @@
             <a:schemeClr val="tx1"/>
           </a:fontRef>
         </p:style>
-      </p:cxnSp>
-      <p:sp>
-        <p:nvSpPr>
-          <p:cNvPr id="24" name="Right Brace 23">
-            <a:extLst>
-              <a:ext uri="{FF2B5EF4-FFF2-40B4-BE49-F238E27FC236}">
-                <a16:creationId xmlns:a16="http://schemas.microsoft.com/office/drawing/2014/main" id="{A01C4A36-BA23-4497-8EA9-31BD7A1E2122}"/>
+        <p:txBody>
+          <a:bodyPr rtlCol="0" anchor="ctr"/>
+          <a:lstStyle/>
+          <a:p>
+            <a:pPr algn="ctr"/>
+            <a:endParaRPr lang="en-US"/>
+          </a:p>
+        </p:txBody>
+      </p:sp>
+      <p:sp>
+        <p:nvSpPr>
+          <p:cNvPr id="14" name="Right Brace 13">
+            <a:extLst>
+              <a:ext uri="{FF2B5EF4-FFF2-40B4-BE49-F238E27FC236}">
+                <a16:creationId xmlns:a16="http://schemas.microsoft.com/office/drawing/2014/main" id="{17BFAD87-72E5-4F90-B0D0-A6406F230117}"/>
               </a:ext>
             </a:extLst>
           </p:cNvPr>
@@ -16584,15 +17222,12 @@
           <p:nvPr/>
         </p:nvSpPr>
         <p:spPr>
-          <a:xfrm rot="16200000">
-            <a:off x="5113780" y="1601584"/>
-            <a:ext cx="288038" cy="618067"/>
+          <a:xfrm rot="5400000">
+            <a:off x="2768593" y="3276603"/>
+            <a:ext cx="457200" cy="761995"/>
           </a:xfrm>
           <a:prstGeom prst="rightBrace">
-            <a:avLst>
-              <a:gd name="adj1" fmla="val 8333"/>
-              <a:gd name="adj2" fmla="val 53025"/>
-            </a:avLst>
+            <a:avLst/>
           </a:prstGeom>
           <a:ln w="28575"/>
         </p:spPr>
@@ -16621,152 +17256,108 @@
       </p:sp>
       <p:sp>
         <p:nvSpPr>
-          <p:cNvPr id="25" name="Right Brace 24">
-            <a:extLst>
-              <a:ext uri="{FF2B5EF4-FFF2-40B4-BE49-F238E27FC236}">
-                <a16:creationId xmlns:a16="http://schemas.microsoft.com/office/drawing/2014/main" id="{52034746-07E6-488F-8F13-A3E67605B950}"/>
-              </a:ext>
-            </a:extLst>
-          </p:cNvPr>
-          <p:cNvSpPr/>
-          <p:nvPr/>
-        </p:nvSpPr>
-        <p:spPr>
-          <a:xfrm rot="16200000">
-            <a:off x="3361178" y="1601584"/>
-            <a:ext cx="288038" cy="618067"/>
-          </a:xfrm>
-          <a:prstGeom prst="rightBrace">
-            <a:avLst>
-              <a:gd name="adj1" fmla="val 8333"/>
-              <a:gd name="adj2" fmla="val 53025"/>
-            </a:avLst>
-          </a:prstGeom>
-          <a:ln w="28575"/>
-        </p:spPr>
-        <p:style>
-          <a:lnRef idx="1">
-            <a:schemeClr val="accent1"/>
-          </a:lnRef>
-          <a:fillRef idx="0">
-            <a:schemeClr val="accent1"/>
-          </a:fillRef>
-          <a:effectRef idx="0">
-            <a:schemeClr val="accent1"/>
-          </a:effectRef>
-          <a:fontRef idx="minor">
-            <a:schemeClr val="tx1"/>
-          </a:fontRef>
-        </p:style>
-        <p:txBody>
-          <a:bodyPr rtlCol="0" anchor="ctr"/>
+          <p:cNvPr id="9" name="TextBox 8">
+            <a:extLst>
+              <a:ext uri="{FF2B5EF4-FFF2-40B4-BE49-F238E27FC236}">
+                <a16:creationId xmlns:a16="http://schemas.microsoft.com/office/drawing/2014/main" id="{39BD6598-1BFE-4420-B739-6ABA63C4D9A6}"/>
+              </a:ext>
+            </a:extLst>
+          </p:cNvPr>
+          <p:cNvSpPr txBox="1"/>
+          <p:nvPr/>
+        </p:nvSpPr>
+        <p:spPr>
+          <a:xfrm>
+            <a:off x="3162300" y="1811793"/>
+            <a:ext cx="1752599" cy="369332"/>
+          </a:xfrm>
+          <a:prstGeom prst="rect">
+            <a:avLst/>
+          </a:prstGeom>
+          <a:noFill/>
+        </p:spPr>
+        <p:txBody>
+          <a:bodyPr wrap="square" rtlCol="0">
+            <a:spAutoFit/>
+          </a:bodyPr>
           <a:lstStyle/>
           <a:p>
             <a:pPr algn="ctr"/>
-            <a:endParaRPr lang="en-US"/>
-          </a:p>
-        </p:txBody>
-      </p:sp>
-      <p:sp>
-        <p:nvSpPr>
-          <p:cNvPr id="26" name="Rectangle 25">
-            <a:extLst>
-              <a:ext uri="{FF2B5EF4-FFF2-40B4-BE49-F238E27FC236}">
-                <a16:creationId xmlns:a16="http://schemas.microsoft.com/office/drawing/2014/main" id="{D757FD19-8DC8-49AC-BCFF-02C5A34CCAF2}"/>
-              </a:ext>
-            </a:extLst>
-          </p:cNvPr>
-          <p:cNvSpPr/>
-          <p:nvPr/>
-        </p:nvSpPr>
-        <p:spPr>
-          <a:xfrm>
-            <a:off x="2770717" y="1367573"/>
-            <a:ext cx="1540932" cy="332663"/>
+            <a:r>
+              <a:rPr lang="en-US" dirty="0"/>
+              <a:t>Old bandwidth</a:t>
+            </a:r>
+          </a:p>
+        </p:txBody>
+      </p:sp>
+      <p:sp>
+        <p:nvSpPr>
+          <p:cNvPr id="15" name="TextBox 14">
+            <a:extLst>
+              <a:ext uri="{FF2B5EF4-FFF2-40B4-BE49-F238E27FC236}">
+                <a16:creationId xmlns:a16="http://schemas.microsoft.com/office/drawing/2014/main" id="{154EDA37-1B76-4898-8769-570CE0BF1365}"/>
+              </a:ext>
+            </a:extLst>
+          </p:cNvPr>
+          <p:cNvSpPr txBox="1"/>
+          <p:nvPr/>
+        </p:nvSpPr>
+        <p:spPr>
+          <a:xfrm>
+            <a:off x="2120893" y="3955895"/>
+            <a:ext cx="1752599" cy="369332"/>
           </a:xfrm>
           <a:prstGeom prst="rect">
             <a:avLst/>
           </a:prstGeom>
-          <a:solidFill>
-            <a:schemeClr val="accent4"/>
-          </a:solidFill>
-        </p:spPr>
-        <p:style>
-          <a:lnRef idx="2">
-            <a:schemeClr val="accent1">
-              <a:shade val="50000"/>
-            </a:schemeClr>
-          </a:lnRef>
-          <a:fillRef idx="1">
-            <a:schemeClr val="accent1"/>
-          </a:fillRef>
-          <a:effectRef idx="0">
-            <a:schemeClr val="accent1"/>
-          </a:effectRef>
-          <a:fontRef idx="minor">
-            <a:schemeClr val="lt1"/>
-          </a:fontRef>
-        </p:style>
-        <p:txBody>
-          <a:bodyPr rtlCol="0" anchor="ctr"/>
+          <a:noFill/>
+        </p:spPr>
+        <p:txBody>
+          <a:bodyPr wrap="square" rtlCol="0">
+            <a:spAutoFit/>
+          </a:bodyPr>
           <a:lstStyle/>
           <a:p>
             <a:pPr algn="ctr"/>
             <a:r>
               <a:rPr lang="en-US" dirty="0"/>
-              <a:t>-100 to 50</a:t>
-            </a:r>
-          </a:p>
-        </p:txBody>
-      </p:sp>
-      <p:sp>
-        <p:nvSpPr>
-          <p:cNvPr id="27" name="Rectangle 26">
-            <a:extLst>
-              <a:ext uri="{FF2B5EF4-FFF2-40B4-BE49-F238E27FC236}">
-                <a16:creationId xmlns:a16="http://schemas.microsoft.com/office/drawing/2014/main" id="{E6069049-72CF-4C6B-A9FF-65BCD7BF7C35}"/>
-              </a:ext>
-            </a:extLst>
-          </p:cNvPr>
-          <p:cNvSpPr/>
-          <p:nvPr/>
-        </p:nvSpPr>
-        <p:spPr>
-          <a:xfrm>
-            <a:off x="4572000" y="1367573"/>
-            <a:ext cx="1540932" cy="332663"/>
+              <a:t>New bandwidth</a:t>
+            </a:r>
+          </a:p>
+        </p:txBody>
+      </p:sp>
+      <p:sp>
+        <p:nvSpPr>
+          <p:cNvPr id="16" name="TextBox 15">
+            <a:extLst>
+              <a:ext uri="{FF2B5EF4-FFF2-40B4-BE49-F238E27FC236}">
+                <a16:creationId xmlns:a16="http://schemas.microsoft.com/office/drawing/2014/main" id="{ED1A4A93-8898-46D8-8D32-786B5D99E2C3}"/>
+              </a:ext>
+            </a:extLst>
+          </p:cNvPr>
+          <p:cNvSpPr txBox="1"/>
+          <p:nvPr/>
+        </p:nvSpPr>
+        <p:spPr>
+          <a:xfrm>
+            <a:off x="4229099" y="3923262"/>
+            <a:ext cx="1752599" cy="369332"/>
           </a:xfrm>
           <a:prstGeom prst="rect">
             <a:avLst/>
           </a:prstGeom>
-          <a:solidFill>
-            <a:schemeClr val="accent4"/>
-          </a:solidFill>
-        </p:spPr>
-        <p:style>
-          <a:lnRef idx="2">
-            <a:schemeClr val="accent1">
-              <a:shade val="50000"/>
-            </a:schemeClr>
-          </a:lnRef>
-          <a:fillRef idx="1">
-            <a:schemeClr val="accent1"/>
-          </a:fillRef>
-          <a:effectRef idx="0">
-            <a:schemeClr val="accent1"/>
-          </a:effectRef>
-          <a:fontRef idx="minor">
-            <a:schemeClr val="lt1"/>
-          </a:fontRef>
-        </p:style>
-        <p:txBody>
-          <a:bodyPr rtlCol="0" anchor="ctr"/>
+          <a:noFill/>
+        </p:spPr>
+        <p:txBody>
+          <a:bodyPr wrap="square" rtlCol="0">
+            <a:spAutoFit/>
+          </a:bodyPr>
           <a:lstStyle/>
           <a:p>
             <a:pPr algn="ctr"/>
             <a:r>
               <a:rPr lang="en-US" dirty="0"/>
-              <a:t>50 to 100</a:t>
+              <a:t>New bandwidth</a:t>
             </a:r>
           </a:p>
         </p:txBody>
@@ -16774,7 +17365,7 @@
     </p:spTree>
     <p:extLst>
       <p:ext uri="{BB962C8B-B14F-4D97-AF65-F5344CB8AC3E}">
-        <p14:creationId xmlns:p14="http://schemas.microsoft.com/office/powerpoint/2010/main" val="2160781020"/>
+        <p14:creationId xmlns:p14="http://schemas.microsoft.com/office/powerpoint/2010/main" val="734632745"/>
       </p:ext>
     </p:extLst>
   </p:cSld>
@@ -16806,6 +17397,1613 @@
           <p:cNvPr id="2" name="Title 1">
             <a:extLst>
               <a:ext uri="{FF2B5EF4-FFF2-40B4-BE49-F238E27FC236}">
+                <a16:creationId xmlns:a16="http://schemas.microsoft.com/office/drawing/2014/main" id="{CA5A08BD-9A9F-44CB-8735-3E501BB09EBD}"/>
+              </a:ext>
+            </a:extLst>
+          </p:cNvPr>
+          <p:cNvSpPr>
+            <a:spLocks noGrp="1"/>
+          </p:cNvSpPr>
+          <p:nvPr>
+            <p:ph type="title"/>
+          </p:nvPr>
+        </p:nvSpPr>
+        <p:spPr/>
+        <p:txBody>
+          <a:bodyPr/>
+          <a:lstStyle/>
+          <a:p>
+            <a:r>
+              <a:rPr lang="en-US" dirty="0"/>
+              <a:t>Changing the bandwidth</a:t>
+            </a:r>
+          </a:p>
+        </p:txBody>
+      </p:sp>
+      <p:sp>
+        <p:nvSpPr>
+          <p:cNvPr id="4" name="Footer Placeholder 3">
+            <a:extLst>
+              <a:ext uri="{FF2B5EF4-FFF2-40B4-BE49-F238E27FC236}">
+                <a16:creationId xmlns:a16="http://schemas.microsoft.com/office/drawing/2014/main" id="{D43675A5-5AF6-4FBB-8A82-F14293677E52}"/>
+              </a:ext>
+            </a:extLst>
+          </p:cNvPr>
+          <p:cNvSpPr>
+            <a:spLocks noGrp="1"/>
+          </p:cNvSpPr>
+          <p:nvPr>
+            <p:ph type="ftr" sz="quarter" idx="3"/>
+          </p:nvPr>
+        </p:nvSpPr>
+        <p:spPr/>
+        <p:txBody>
+          <a:bodyPr/>
+          <a:lstStyle/>
+          <a:p>
+            <a:r>
+              <a:rPr lang="en-US"/>
+              <a:t>Discretionary Disclosure Complexity</a:t>
+            </a:r>
+            <a:endParaRPr lang="en-US" dirty="0"/>
+          </a:p>
+        </p:txBody>
+      </p:sp>
+      <p:cxnSp>
+        <p:nvCxnSpPr>
+          <p:cNvPr id="5" name="Straight Arrow Connector 4">
+            <a:extLst>
+              <a:ext uri="{FF2B5EF4-FFF2-40B4-BE49-F238E27FC236}">
+                <a16:creationId xmlns:a16="http://schemas.microsoft.com/office/drawing/2014/main" id="{2403F7CD-A5A2-4805-A647-E9BBFBE34518}"/>
+              </a:ext>
+            </a:extLst>
+          </p:cNvPr>
+          <p:cNvCxnSpPr/>
+          <p:nvPr/>
+        </p:nvCxnSpPr>
+        <p:spPr>
+          <a:xfrm>
+            <a:off x="838200" y="3048000"/>
+            <a:ext cx="7010400" cy="0"/>
+          </a:xfrm>
+          <a:prstGeom prst="straightConnector1">
+            <a:avLst/>
+          </a:prstGeom>
+          <a:ln>
+            <a:headEnd type="triangle"/>
+            <a:tailEnd type="triangle"/>
+          </a:ln>
+        </p:spPr>
+        <p:style>
+          <a:lnRef idx="1">
+            <a:schemeClr val="dk1"/>
+          </a:lnRef>
+          <a:fillRef idx="0">
+            <a:schemeClr val="dk1"/>
+          </a:fillRef>
+          <a:effectRef idx="0">
+            <a:schemeClr val="dk1"/>
+          </a:effectRef>
+          <a:fontRef idx="minor">
+            <a:schemeClr val="tx1"/>
+          </a:fontRef>
+        </p:style>
+      </p:cxnSp>
+      <p:cxnSp>
+        <p:nvCxnSpPr>
+          <p:cNvPr id="7" name="Straight Connector 6">
+            <a:extLst>
+              <a:ext uri="{FF2B5EF4-FFF2-40B4-BE49-F238E27FC236}">
+                <a16:creationId xmlns:a16="http://schemas.microsoft.com/office/drawing/2014/main" id="{0DFFCC4E-E53D-4231-84E8-9585D9D2E089}"/>
+              </a:ext>
+            </a:extLst>
+          </p:cNvPr>
+          <p:cNvCxnSpPr/>
+          <p:nvPr/>
+        </p:nvCxnSpPr>
+        <p:spPr>
+          <a:xfrm>
+            <a:off x="4038600" y="2819400"/>
+            <a:ext cx="0" cy="457200"/>
+          </a:xfrm>
+          <a:prstGeom prst="line">
+            <a:avLst/>
+          </a:prstGeom>
+        </p:spPr>
+        <p:style>
+          <a:lnRef idx="1">
+            <a:schemeClr val="accent1"/>
+          </a:lnRef>
+          <a:fillRef idx="0">
+            <a:schemeClr val="accent1"/>
+          </a:fillRef>
+          <a:effectRef idx="0">
+            <a:schemeClr val="accent1"/>
+          </a:effectRef>
+          <a:fontRef idx="minor">
+            <a:schemeClr val="tx1"/>
+          </a:fontRef>
+        </p:style>
+      </p:cxnSp>
+      <p:sp>
+        <p:nvSpPr>
+          <p:cNvPr id="12" name="Right Brace 11">
+            <a:extLst>
+              <a:ext uri="{FF2B5EF4-FFF2-40B4-BE49-F238E27FC236}">
+                <a16:creationId xmlns:a16="http://schemas.microsoft.com/office/drawing/2014/main" id="{C3A83032-B63D-4A9F-B9C7-7B62137CCD76}"/>
+              </a:ext>
+            </a:extLst>
+          </p:cNvPr>
+          <p:cNvSpPr/>
+          <p:nvPr/>
+        </p:nvSpPr>
+        <p:spPr>
+          <a:xfrm rot="16200000">
+            <a:off x="3810001" y="1089147"/>
+            <a:ext cx="457200" cy="2895597"/>
+          </a:xfrm>
+          <a:prstGeom prst="rightBrace">
+            <a:avLst/>
+          </a:prstGeom>
+          <a:ln w="28575"/>
+        </p:spPr>
+        <p:style>
+          <a:lnRef idx="1">
+            <a:schemeClr val="accent1"/>
+          </a:lnRef>
+          <a:fillRef idx="0">
+            <a:schemeClr val="accent1"/>
+          </a:fillRef>
+          <a:effectRef idx="0">
+            <a:schemeClr val="accent1"/>
+          </a:effectRef>
+          <a:fontRef idx="minor">
+            <a:schemeClr val="tx1"/>
+          </a:fontRef>
+        </p:style>
+        <p:txBody>
+          <a:bodyPr rtlCol="0" anchor="ctr"/>
+          <a:lstStyle/>
+          <a:p>
+            <a:pPr algn="ctr"/>
+            <a:endParaRPr lang="en-US"/>
+          </a:p>
+        </p:txBody>
+      </p:sp>
+      <p:sp>
+        <p:nvSpPr>
+          <p:cNvPr id="13" name="Right Brace 12">
+            <a:extLst>
+              <a:ext uri="{FF2B5EF4-FFF2-40B4-BE49-F238E27FC236}">
+                <a16:creationId xmlns:a16="http://schemas.microsoft.com/office/drawing/2014/main" id="{D45F7986-01D1-464E-B611-ACB282795981}"/>
+              </a:ext>
+            </a:extLst>
+          </p:cNvPr>
+          <p:cNvSpPr/>
+          <p:nvPr/>
+        </p:nvSpPr>
+        <p:spPr>
+          <a:xfrm rot="5400000">
+            <a:off x="4876799" y="3276602"/>
+            <a:ext cx="457200" cy="761995"/>
+          </a:xfrm>
+          <a:prstGeom prst="rightBrace">
+            <a:avLst/>
+          </a:prstGeom>
+          <a:ln w="28575"/>
+        </p:spPr>
+        <p:style>
+          <a:lnRef idx="1">
+            <a:schemeClr val="accent1"/>
+          </a:lnRef>
+          <a:fillRef idx="0">
+            <a:schemeClr val="accent1"/>
+          </a:fillRef>
+          <a:effectRef idx="0">
+            <a:schemeClr val="accent1"/>
+          </a:effectRef>
+          <a:fontRef idx="minor">
+            <a:schemeClr val="tx1"/>
+          </a:fontRef>
+        </p:style>
+        <p:txBody>
+          <a:bodyPr rtlCol="0" anchor="ctr"/>
+          <a:lstStyle/>
+          <a:p>
+            <a:pPr algn="ctr"/>
+            <a:endParaRPr lang="en-US"/>
+          </a:p>
+        </p:txBody>
+      </p:sp>
+      <p:sp>
+        <p:nvSpPr>
+          <p:cNvPr id="14" name="Right Brace 13">
+            <a:extLst>
+              <a:ext uri="{FF2B5EF4-FFF2-40B4-BE49-F238E27FC236}">
+                <a16:creationId xmlns:a16="http://schemas.microsoft.com/office/drawing/2014/main" id="{17BFAD87-72E5-4F90-B0D0-A6406F230117}"/>
+              </a:ext>
+            </a:extLst>
+          </p:cNvPr>
+          <p:cNvSpPr/>
+          <p:nvPr/>
+        </p:nvSpPr>
+        <p:spPr>
+          <a:xfrm rot="5400000">
+            <a:off x="2768593" y="3276603"/>
+            <a:ext cx="457200" cy="761995"/>
+          </a:xfrm>
+          <a:prstGeom prst="rightBrace">
+            <a:avLst/>
+          </a:prstGeom>
+          <a:ln w="28575"/>
+        </p:spPr>
+        <p:style>
+          <a:lnRef idx="1">
+            <a:schemeClr val="accent1"/>
+          </a:lnRef>
+          <a:fillRef idx="0">
+            <a:schemeClr val="accent1"/>
+          </a:fillRef>
+          <a:effectRef idx="0">
+            <a:schemeClr val="accent1"/>
+          </a:effectRef>
+          <a:fontRef idx="minor">
+            <a:schemeClr val="tx1"/>
+          </a:fontRef>
+        </p:style>
+        <p:txBody>
+          <a:bodyPr rtlCol="0" anchor="ctr"/>
+          <a:lstStyle/>
+          <a:p>
+            <a:pPr algn="ctr"/>
+            <a:endParaRPr lang="en-US"/>
+          </a:p>
+        </p:txBody>
+      </p:sp>
+      <p:sp>
+        <p:nvSpPr>
+          <p:cNvPr id="9" name="TextBox 8">
+            <a:extLst>
+              <a:ext uri="{FF2B5EF4-FFF2-40B4-BE49-F238E27FC236}">
+                <a16:creationId xmlns:a16="http://schemas.microsoft.com/office/drawing/2014/main" id="{39BD6598-1BFE-4420-B739-6ABA63C4D9A6}"/>
+              </a:ext>
+            </a:extLst>
+          </p:cNvPr>
+          <p:cNvSpPr txBox="1"/>
+          <p:nvPr/>
+        </p:nvSpPr>
+        <p:spPr>
+          <a:xfrm>
+            <a:off x="3162300" y="1811793"/>
+            <a:ext cx="1752599" cy="369332"/>
+          </a:xfrm>
+          <a:prstGeom prst="rect">
+            <a:avLst/>
+          </a:prstGeom>
+          <a:noFill/>
+        </p:spPr>
+        <p:txBody>
+          <a:bodyPr wrap="square" rtlCol="0">
+            <a:spAutoFit/>
+          </a:bodyPr>
+          <a:lstStyle/>
+          <a:p>
+            <a:pPr algn="ctr"/>
+            <a:r>
+              <a:rPr lang="en-US" dirty="0"/>
+              <a:t>Old bandwidth</a:t>
+            </a:r>
+          </a:p>
+        </p:txBody>
+      </p:sp>
+      <p:sp>
+        <p:nvSpPr>
+          <p:cNvPr id="15" name="TextBox 14">
+            <a:extLst>
+              <a:ext uri="{FF2B5EF4-FFF2-40B4-BE49-F238E27FC236}">
+                <a16:creationId xmlns:a16="http://schemas.microsoft.com/office/drawing/2014/main" id="{154EDA37-1B76-4898-8769-570CE0BF1365}"/>
+              </a:ext>
+            </a:extLst>
+          </p:cNvPr>
+          <p:cNvSpPr txBox="1"/>
+          <p:nvPr/>
+        </p:nvSpPr>
+        <p:spPr>
+          <a:xfrm>
+            <a:off x="2120893" y="3955895"/>
+            <a:ext cx="1752599" cy="369332"/>
+          </a:xfrm>
+          <a:prstGeom prst="rect">
+            <a:avLst/>
+          </a:prstGeom>
+          <a:noFill/>
+        </p:spPr>
+        <p:txBody>
+          <a:bodyPr wrap="square" rtlCol="0">
+            <a:spAutoFit/>
+          </a:bodyPr>
+          <a:lstStyle/>
+          <a:p>
+            <a:pPr algn="ctr"/>
+            <a:r>
+              <a:rPr lang="en-US" dirty="0"/>
+              <a:t>New bandwidth</a:t>
+            </a:r>
+          </a:p>
+        </p:txBody>
+      </p:sp>
+      <p:sp>
+        <p:nvSpPr>
+          <p:cNvPr id="16" name="TextBox 15">
+            <a:extLst>
+              <a:ext uri="{FF2B5EF4-FFF2-40B4-BE49-F238E27FC236}">
+                <a16:creationId xmlns:a16="http://schemas.microsoft.com/office/drawing/2014/main" id="{ED1A4A93-8898-46D8-8D32-786B5D99E2C3}"/>
+              </a:ext>
+            </a:extLst>
+          </p:cNvPr>
+          <p:cNvSpPr txBox="1"/>
+          <p:nvPr/>
+        </p:nvSpPr>
+        <p:spPr>
+          <a:xfrm>
+            <a:off x="4229099" y="3923262"/>
+            <a:ext cx="1752599" cy="369332"/>
+          </a:xfrm>
+          <a:prstGeom prst="rect">
+            <a:avLst/>
+          </a:prstGeom>
+          <a:noFill/>
+        </p:spPr>
+        <p:txBody>
+          <a:bodyPr wrap="square" rtlCol="0">
+            <a:spAutoFit/>
+          </a:bodyPr>
+          <a:lstStyle/>
+          <a:p>
+            <a:pPr algn="ctr"/>
+            <a:r>
+              <a:rPr lang="en-US" dirty="0"/>
+              <a:t>New bandwidth</a:t>
+            </a:r>
+          </a:p>
+        </p:txBody>
+      </p:sp>
+      <p:sp>
+        <p:nvSpPr>
+          <p:cNvPr id="17" name="TextBox 16">
+            <a:extLst>
+              <a:ext uri="{FF2B5EF4-FFF2-40B4-BE49-F238E27FC236}">
+                <a16:creationId xmlns:a16="http://schemas.microsoft.com/office/drawing/2014/main" id="{E057C29A-892E-423B-AA81-2F399CEB8324}"/>
+              </a:ext>
+            </a:extLst>
+          </p:cNvPr>
+          <p:cNvSpPr txBox="1"/>
+          <p:nvPr/>
+        </p:nvSpPr>
+        <p:spPr>
+          <a:xfrm>
+            <a:off x="1066800" y="4648200"/>
+            <a:ext cx="6172198" cy="646331"/>
+          </a:xfrm>
+          <a:prstGeom prst="rect">
+            <a:avLst/>
+          </a:prstGeom>
+          <a:noFill/>
+        </p:spPr>
+        <p:txBody>
+          <a:bodyPr wrap="square" rtlCol="0">
+            <a:spAutoFit/>
+          </a:bodyPr>
+          <a:lstStyle/>
+          <a:p>
+            <a:r>
+              <a:rPr lang="en-US" dirty="0"/>
+              <a:t>Not establishing a whole new range (or lose the discontinuity). Just use a subset of the bandwidth that the authors use.</a:t>
+            </a:r>
+          </a:p>
+        </p:txBody>
+      </p:sp>
+    </p:spTree>
+    <p:extLst>
+      <p:ext uri="{BB962C8B-B14F-4D97-AF65-F5344CB8AC3E}">
+        <p14:creationId xmlns:p14="http://schemas.microsoft.com/office/powerpoint/2010/main" val="2780789724"/>
+      </p:ext>
+    </p:extLst>
+  </p:cSld>
+  <p:clrMapOvr>
+    <a:masterClrMapping/>
+  </p:clrMapOvr>
+</p:sld>
+</file>
+
+<file path=ppt/slides/slide33.xml><?xml version="1.0" encoding="utf-8"?>
+<p:sld xmlns:a="http://schemas.openxmlformats.org/drawingml/2006/main" xmlns:r="http://schemas.openxmlformats.org/officeDocument/2006/relationships" xmlns:p="http://schemas.openxmlformats.org/presentationml/2006/main">
+  <p:cSld>
+    <p:spTree>
+      <p:nvGrpSpPr>
+        <p:cNvPr id="1" name=""/>
+        <p:cNvGrpSpPr/>
+        <p:nvPr/>
+      </p:nvGrpSpPr>
+      <p:grpSpPr>
+        <a:xfrm>
+          <a:off x="0" y="0"/>
+          <a:ext cx="0" cy="0"/>
+          <a:chOff x="0" y="0"/>
+          <a:chExt cx="0" cy="0"/>
+        </a:xfrm>
+      </p:grpSpPr>
+      <p:sp>
+        <p:nvSpPr>
+          <p:cNvPr id="2" name="Title 1">
+            <a:extLst>
+              <a:ext uri="{FF2B5EF4-FFF2-40B4-BE49-F238E27FC236}">
+                <a16:creationId xmlns:a16="http://schemas.microsoft.com/office/drawing/2014/main" id="{995B61D3-FF46-404B-909B-F273ACA9E6F4}"/>
+              </a:ext>
+            </a:extLst>
+          </p:cNvPr>
+          <p:cNvSpPr>
+            <a:spLocks noGrp="1"/>
+          </p:cNvSpPr>
+          <p:nvPr>
+            <p:ph type="title"/>
+          </p:nvPr>
+        </p:nvSpPr>
+        <p:spPr/>
+        <p:txBody>
+          <a:bodyPr/>
+          <a:lstStyle/>
+          <a:p>
+            <a:r>
+              <a:rPr lang="en-US" dirty="0"/>
+              <a:t>50-100 still shows more institutional ownership</a:t>
+            </a:r>
+          </a:p>
+        </p:txBody>
+      </p:sp>
+      <p:sp>
+        <p:nvSpPr>
+          <p:cNvPr id="4" name="Footer Placeholder 3">
+            <a:extLst>
+              <a:ext uri="{FF2B5EF4-FFF2-40B4-BE49-F238E27FC236}">
+                <a16:creationId xmlns:a16="http://schemas.microsoft.com/office/drawing/2014/main" id="{1AFA945D-67FC-48C0-A0DB-E0044253FDF3}"/>
+              </a:ext>
+            </a:extLst>
+          </p:cNvPr>
+          <p:cNvSpPr>
+            <a:spLocks noGrp="1"/>
+          </p:cNvSpPr>
+          <p:nvPr>
+            <p:ph type="ftr" sz="quarter" idx="3"/>
+          </p:nvPr>
+        </p:nvSpPr>
+        <p:spPr/>
+        <p:txBody>
+          <a:bodyPr/>
+          <a:lstStyle/>
+          <a:p>
+            <a:r>
+              <a:rPr lang="en-US"/>
+              <a:t>Discretionary Disclosure Complexity</a:t>
+            </a:r>
+            <a:endParaRPr lang="en-US" dirty="0"/>
+          </a:p>
+        </p:txBody>
+      </p:sp>
+      <p:pic>
+        <p:nvPicPr>
+          <p:cNvPr id="6" name="Picture 5">
+            <a:extLst>
+              <a:ext uri="{FF2B5EF4-FFF2-40B4-BE49-F238E27FC236}">
+                <a16:creationId xmlns:a16="http://schemas.microsoft.com/office/drawing/2014/main" id="{4809207E-6493-4F94-9BAD-368248FFF7D7}"/>
+              </a:ext>
+            </a:extLst>
+          </p:cNvPr>
+          <p:cNvPicPr>
+            <a:picLocks noChangeAspect="1"/>
+          </p:cNvPicPr>
+          <p:nvPr/>
+        </p:nvPicPr>
+        <p:blipFill>
+          <a:blip r:embed="rId2"/>
+          <a:stretch>
+            <a:fillRect/>
+          </a:stretch>
+        </p:blipFill>
+        <p:spPr>
+          <a:xfrm>
+            <a:off x="1143000" y="1676400"/>
+            <a:ext cx="5867400" cy="4516272"/>
+          </a:xfrm>
+          <a:prstGeom prst="rect">
+            <a:avLst/>
+          </a:prstGeom>
+        </p:spPr>
+      </p:pic>
+      <p:cxnSp>
+        <p:nvCxnSpPr>
+          <p:cNvPr id="17" name="Straight Connector 16">
+            <a:extLst>
+              <a:ext uri="{FF2B5EF4-FFF2-40B4-BE49-F238E27FC236}">
+                <a16:creationId xmlns:a16="http://schemas.microsoft.com/office/drawing/2014/main" id="{DB355825-6D25-4D61-A624-26B87DB4BB03}"/>
+              </a:ext>
+            </a:extLst>
+          </p:cNvPr>
+          <p:cNvCxnSpPr>
+            <a:cxnSpLocks/>
+          </p:cNvCxnSpPr>
+          <p:nvPr/>
+        </p:nvCxnSpPr>
+        <p:spPr>
+          <a:xfrm>
+            <a:off x="3200400" y="2220036"/>
+            <a:ext cx="0" cy="3342564"/>
+          </a:xfrm>
+          <a:prstGeom prst="line">
+            <a:avLst/>
+          </a:prstGeom>
+          <a:ln>
+            <a:solidFill>
+              <a:schemeClr val="tx1"/>
+            </a:solidFill>
+            <a:prstDash val="dash"/>
+          </a:ln>
+        </p:spPr>
+        <p:style>
+          <a:lnRef idx="1">
+            <a:schemeClr val="accent1"/>
+          </a:lnRef>
+          <a:fillRef idx="0">
+            <a:schemeClr val="accent1"/>
+          </a:fillRef>
+          <a:effectRef idx="0">
+            <a:schemeClr val="accent1"/>
+          </a:effectRef>
+          <a:fontRef idx="minor">
+            <a:schemeClr val="tx1"/>
+          </a:fontRef>
+        </p:style>
+      </p:cxnSp>
+      <p:cxnSp>
+        <p:nvCxnSpPr>
+          <p:cNvPr id="20" name="Straight Connector 19">
+            <a:extLst>
+              <a:ext uri="{FF2B5EF4-FFF2-40B4-BE49-F238E27FC236}">
+                <a16:creationId xmlns:a16="http://schemas.microsoft.com/office/drawing/2014/main" id="{384DB9B0-2BD8-4930-980F-0374B6E15FB5}"/>
+              </a:ext>
+            </a:extLst>
+          </p:cNvPr>
+          <p:cNvCxnSpPr>
+            <a:cxnSpLocks/>
+          </p:cNvCxnSpPr>
+          <p:nvPr/>
+        </p:nvCxnSpPr>
+        <p:spPr>
+          <a:xfrm>
+            <a:off x="3810000" y="2220036"/>
+            <a:ext cx="0" cy="3429000"/>
+          </a:xfrm>
+          <a:prstGeom prst="line">
+            <a:avLst/>
+          </a:prstGeom>
+          <a:ln>
+            <a:solidFill>
+              <a:schemeClr val="tx1"/>
+            </a:solidFill>
+            <a:prstDash val="dash"/>
+          </a:ln>
+        </p:spPr>
+        <p:style>
+          <a:lnRef idx="1">
+            <a:schemeClr val="accent1"/>
+          </a:lnRef>
+          <a:fillRef idx="0">
+            <a:schemeClr val="accent1"/>
+          </a:fillRef>
+          <a:effectRef idx="0">
+            <a:schemeClr val="accent1"/>
+          </a:effectRef>
+          <a:fontRef idx="minor">
+            <a:schemeClr val="tx1"/>
+          </a:fontRef>
+        </p:style>
+      </p:cxnSp>
+      <p:cxnSp>
+        <p:nvCxnSpPr>
+          <p:cNvPr id="21" name="Straight Connector 20">
+            <a:extLst>
+              <a:ext uri="{FF2B5EF4-FFF2-40B4-BE49-F238E27FC236}">
+                <a16:creationId xmlns:a16="http://schemas.microsoft.com/office/drawing/2014/main" id="{DA02AE97-F657-4332-9702-6430ABD219C2}"/>
+              </a:ext>
+            </a:extLst>
+          </p:cNvPr>
+          <p:cNvCxnSpPr>
+            <a:cxnSpLocks/>
+          </p:cNvCxnSpPr>
+          <p:nvPr/>
+        </p:nvCxnSpPr>
+        <p:spPr>
+          <a:xfrm>
+            <a:off x="4953000" y="2286000"/>
+            <a:ext cx="0" cy="3429000"/>
+          </a:xfrm>
+          <a:prstGeom prst="line">
+            <a:avLst/>
+          </a:prstGeom>
+          <a:ln>
+            <a:solidFill>
+              <a:schemeClr val="tx1"/>
+            </a:solidFill>
+            <a:prstDash val="dash"/>
+          </a:ln>
+        </p:spPr>
+        <p:style>
+          <a:lnRef idx="1">
+            <a:schemeClr val="accent1"/>
+          </a:lnRef>
+          <a:fillRef idx="0">
+            <a:schemeClr val="accent1"/>
+          </a:fillRef>
+          <a:effectRef idx="0">
+            <a:schemeClr val="accent1"/>
+          </a:effectRef>
+          <a:fontRef idx="minor">
+            <a:schemeClr val="tx1"/>
+          </a:fontRef>
+        </p:style>
+      </p:cxnSp>
+      <p:cxnSp>
+        <p:nvCxnSpPr>
+          <p:cNvPr id="22" name="Straight Connector 21">
+            <a:extLst>
+              <a:ext uri="{FF2B5EF4-FFF2-40B4-BE49-F238E27FC236}">
+                <a16:creationId xmlns:a16="http://schemas.microsoft.com/office/drawing/2014/main" id="{DEB6F22C-E342-453B-85DF-4020D5695A1C}"/>
+              </a:ext>
+            </a:extLst>
+          </p:cNvPr>
+          <p:cNvCxnSpPr>
+            <a:cxnSpLocks/>
+          </p:cNvCxnSpPr>
+          <p:nvPr/>
+        </p:nvCxnSpPr>
+        <p:spPr>
+          <a:xfrm>
+            <a:off x="5562600" y="2286000"/>
+            <a:ext cx="0" cy="3429000"/>
+          </a:xfrm>
+          <a:prstGeom prst="line">
+            <a:avLst/>
+          </a:prstGeom>
+          <a:ln>
+            <a:solidFill>
+              <a:schemeClr val="tx1"/>
+            </a:solidFill>
+            <a:prstDash val="dash"/>
+          </a:ln>
+        </p:spPr>
+        <p:style>
+          <a:lnRef idx="1">
+            <a:schemeClr val="accent1"/>
+          </a:lnRef>
+          <a:fillRef idx="0">
+            <a:schemeClr val="accent1"/>
+          </a:fillRef>
+          <a:effectRef idx="0">
+            <a:schemeClr val="accent1"/>
+          </a:effectRef>
+          <a:fontRef idx="minor">
+            <a:schemeClr val="tx1"/>
+          </a:fontRef>
+        </p:style>
+      </p:cxnSp>
+      <p:sp>
+        <p:nvSpPr>
+          <p:cNvPr id="24" name="Right Brace 23">
+            <a:extLst>
+              <a:ext uri="{FF2B5EF4-FFF2-40B4-BE49-F238E27FC236}">
+                <a16:creationId xmlns:a16="http://schemas.microsoft.com/office/drawing/2014/main" id="{A01C4A36-BA23-4497-8EA9-31BD7A1E2122}"/>
+              </a:ext>
+            </a:extLst>
+          </p:cNvPr>
+          <p:cNvSpPr/>
+          <p:nvPr/>
+        </p:nvSpPr>
+        <p:spPr>
+          <a:xfrm rot="16200000">
+            <a:off x="5113780" y="1601584"/>
+            <a:ext cx="288038" cy="618067"/>
+          </a:xfrm>
+          <a:prstGeom prst="rightBrace">
+            <a:avLst>
+              <a:gd name="adj1" fmla="val 8333"/>
+              <a:gd name="adj2" fmla="val 53025"/>
+            </a:avLst>
+          </a:prstGeom>
+          <a:ln w="28575"/>
+        </p:spPr>
+        <p:style>
+          <a:lnRef idx="1">
+            <a:schemeClr val="accent1"/>
+          </a:lnRef>
+          <a:fillRef idx="0">
+            <a:schemeClr val="accent1"/>
+          </a:fillRef>
+          <a:effectRef idx="0">
+            <a:schemeClr val="accent1"/>
+          </a:effectRef>
+          <a:fontRef idx="minor">
+            <a:schemeClr val="tx1"/>
+          </a:fontRef>
+        </p:style>
+        <p:txBody>
+          <a:bodyPr rtlCol="0" anchor="ctr"/>
+          <a:lstStyle/>
+          <a:p>
+            <a:pPr algn="ctr"/>
+            <a:endParaRPr lang="en-US"/>
+          </a:p>
+        </p:txBody>
+      </p:sp>
+      <p:sp>
+        <p:nvSpPr>
+          <p:cNvPr id="25" name="Right Brace 24">
+            <a:extLst>
+              <a:ext uri="{FF2B5EF4-FFF2-40B4-BE49-F238E27FC236}">
+                <a16:creationId xmlns:a16="http://schemas.microsoft.com/office/drawing/2014/main" id="{52034746-07E6-488F-8F13-A3E67605B950}"/>
+              </a:ext>
+            </a:extLst>
+          </p:cNvPr>
+          <p:cNvSpPr/>
+          <p:nvPr/>
+        </p:nvSpPr>
+        <p:spPr>
+          <a:xfrm rot="16200000">
+            <a:off x="3361178" y="1601584"/>
+            <a:ext cx="288038" cy="618067"/>
+          </a:xfrm>
+          <a:prstGeom prst="rightBrace">
+            <a:avLst>
+              <a:gd name="adj1" fmla="val 8333"/>
+              <a:gd name="adj2" fmla="val 53025"/>
+            </a:avLst>
+          </a:prstGeom>
+          <a:ln w="28575"/>
+        </p:spPr>
+        <p:style>
+          <a:lnRef idx="1">
+            <a:schemeClr val="accent1"/>
+          </a:lnRef>
+          <a:fillRef idx="0">
+            <a:schemeClr val="accent1"/>
+          </a:fillRef>
+          <a:effectRef idx="0">
+            <a:schemeClr val="accent1"/>
+          </a:effectRef>
+          <a:fontRef idx="minor">
+            <a:schemeClr val="tx1"/>
+          </a:fontRef>
+        </p:style>
+        <p:txBody>
+          <a:bodyPr rtlCol="0" anchor="ctr"/>
+          <a:lstStyle/>
+          <a:p>
+            <a:pPr algn="ctr"/>
+            <a:endParaRPr lang="en-US"/>
+          </a:p>
+        </p:txBody>
+      </p:sp>
+      <p:sp>
+        <p:nvSpPr>
+          <p:cNvPr id="26" name="Rectangle 25">
+            <a:extLst>
+              <a:ext uri="{FF2B5EF4-FFF2-40B4-BE49-F238E27FC236}">
+                <a16:creationId xmlns:a16="http://schemas.microsoft.com/office/drawing/2014/main" id="{D757FD19-8DC8-49AC-BCFF-02C5A34CCAF2}"/>
+              </a:ext>
+            </a:extLst>
+          </p:cNvPr>
+          <p:cNvSpPr/>
+          <p:nvPr/>
+        </p:nvSpPr>
+        <p:spPr>
+          <a:xfrm>
+            <a:off x="2770717" y="1367573"/>
+            <a:ext cx="1540932" cy="332663"/>
+          </a:xfrm>
+          <a:prstGeom prst="rect">
+            <a:avLst/>
+          </a:prstGeom>
+          <a:solidFill>
+            <a:schemeClr val="accent4"/>
+          </a:solidFill>
+        </p:spPr>
+        <p:style>
+          <a:lnRef idx="2">
+            <a:schemeClr val="accent1">
+              <a:shade val="50000"/>
+            </a:schemeClr>
+          </a:lnRef>
+          <a:fillRef idx="1">
+            <a:schemeClr val="accent1"/>
+          </a:fillRef>
+          <a:effectRef idx="0">
+            <a:schemeClr val="accent1"/>
+          </a:effectRef>
+          <a:fontRef idx="minor">
+            <a:schemeClr val="lt1"/>
+          </a:fontRef>
+        </p:style>
+        <p:txBody>
+          <a:bodyPr rtlCol="0" anchor="ctr"/>
+          <a:lstStyle/>
+          <a:p>
+            <a:pPr algn="ctr"/>
+            <a:r>
+              <a:rPr lang="en-US" dirty="0"/>
+              <a:t>-100 to 50</a:t>
+            </a:r>
+          </a:p>
+        </p:txBody>
+      </p:sp>
+      <p:sp>
+        <p:nvSpPr>
+          <p:cNvPr id="27" name="Rectangle 26">
+            <a:extLst>
+              <a:ext uri="{FF2B5EF4-FFF2-40B4-BE49-F238E27FC236}">
+                <a16:creationId xmlns:a16="http://schemas.microsoft.com/office/drawing/2014/main" id="{E6069049-72CF-4C6B-A9FF-65BCD7BF7C35}"/>
+              </a:ext>
+            </a:extLst>
+          </p:cNvPr>
+          <p:cNvSpPr/>
+          <p:nvPr/>
+        </p:nvSpPr>
+        <p:spPr>
+          <a:xfrm>
+            <a:off x="4572000" y="1367573"/>
+            <a:ext cx="1540932" cy="332663"/>
+          </a:xfrm>
+          <a:prstGeom prst="rect">
+            <a:avLst/>
+          </a:prstGeom>
+          <a:solidFill>
+            <a:schemeClr val="accent4"/>
+          </a:solidFill>
+        </p:spPr>
+        <p:style>
+          <a:lnRef idx="2">
+            <a:schemeClr val="accent1">
+              <a:shade val="50000"/>
+            </a:schemeClr>
+          </a:lnRef>
+          <a:fillRef idx="1">
+            <a:schemeClr val="accent1"/>
+          </a:fillRef>
+          <a:effectRef idx="0">
+            <a:schemeClr val="accent1"/>
+          </a:effectRef>
+          <a:fontRef idx="minor">
+            <a:schemeClr val="lt1"/>
+          </a:fontRef>
+        </p:style>
+        <p:txBody>
+          <a:bodyPr rtlCol="0" anchor="ctr"/>
+          <a:lstStyle/>
+          <a:p>
+            <a:pPr algn="ctr"/>
+            <a:r>
+              <a:rPr lang="en-US" dirty="0"/>
+              <a:t>50 to 100</a:t>
+            </a:r>
+          </a:p>
+        </p:txBody>
+      </p:sp>
+    </p:spTree>
+    <p:extLst>
+      <p:ext uri="{BB962C8B-B14F-4D97-AF65-F5344CB8AC3E}">
+        <p14:creationId xmlns:p14="http://schemas.microsoft.com/office/powerpoint/2010/main" val="2699539782"/>
+      </p:ext>
+    </p:extLst>
+  </p:cSld>
+  <p:clrMapOvr>
+    <a:masterClrMapping/>
+  </p:clrMapOvr>
+</p:sld>
+</file>
+
+<file path=ppt/slides/slide34.xml><?xml version="1.0" encoding="utf-8"?>
+<p:sld xmlns:a="http://schemas.openxmlformats.org/drawingml/2006/main" xmlns:r="http://schemas.openxmlformats.org/officeDocument/2006/relationships" xmlns:p="http://schemas.openxmlformats.org/presentationml/2006/main">
+  <p:cSld>
+    <p:spTree>
+      <p:nvGrpSpPr>
+        <p:cNvPr id="1" name=""/>
+        <p:cNvGrpSpPr/>
+        <p:nvPr/>
+      </p:nvGrpSpPr>
+      <p:grpSpPr>
+        <a:xfrm>
+          <a:off x="0" y="0"/>
+          <a:ext cx="0" cy="0"/>
+          <a:chOff x="0" y="0"/>
+          <a:chExt cx="0" cy="0"/>
+        </a:xfrm>
+      </p:grpSpPr>
+      <p:sp>
+        <p:nvSpPr>
+          <p:cNvPr id="2" name="Title 1">
+            <a:extLst>
+              <a:ext uri="{FF2B5EF4-FFF2-40B4-BE49-F238E27FC236}">
+                <a16:creationId xmlns:a16="http://schemas.microsoft.com/office/drawing/2014/main" id="{995B61D3-FF46-404B-909B-F273ACA9E6F4}"/>
+              </a:ext>
+            </a:extLst>
+          </p:cNvPr>
+          <p:cNvSpPr>
+            <a:spLocks noGrp="1"/>
+          </p:cNvSpPr>
+          <p:nvPr>
+            <p:ph type="title"/>
+          </p:nvPr>
+        </p:nvSpPr>
+        <p:spPr/>
+        <p:txBody>
+          <a:bodyPr/>
+          <a:lstStyle/>
+          <a:p>
+            <a:r>
+              <a:rPr lang="en-US" dirty="0"/>
+              <a:t>50-100 still shows more institutional ownership</a:t>
+            </a:r>
+          </a:p>
+        </p:txBody>
+      </p:sp>
+      <p:sp>
+        <p:nvSpPr>
+          <p:cNvPr id="4" name="Footer Placeholder 3">
+            <a:extLst>
+              <a:ext uri="{FF2B5EF4-FFF2-40B4-BE49-F238E27FC236}">
+                <a16:creationId xmlns:a16="http://schemas.microsoft.com/office/drawing/2014/main" id="{1AFA945D-67FC-48C0-A0DB-E0044253FDF3}"/>
+              </a:ext>
+            </a:extLst>
+          </p:cNvPr>
+          <p:cNvSpPr>
+            <a:spLocks noGrp="1"/>
+          </p:cNvSpPr>
+          <p:nvPr>
+            <p:ph type="ftr" sz="quarter" idx="3"/>
+          </p:nvPr>
+        </p:nvSpPr>
+        <p:spPr/>
+        <p:txBody>
+          <a:bodyPr/>
+          <a:lstStyle/>
+          <a:p>
+            <a:r>
+              <a:rPr lang="en-US"/>
+              <a:t>Discretionary Disclosure Complexity</a:t>
+            </a:r>
+            <a:endParaRPr lang="en-US" dirty="0"/>
+          </a:p>
+        </p:txBody>
+      </p:sp>
+      <p:pic>
+        <p:nvPicPr>
+          <p:cNvPr id="6" name="Picture 5">
+            <a:extLst>
+              <a:ext uri="{FF2B5EF4-FFF2-40B4-BE49-F238E27FC236}">
+                <a16:creationId xmlns:a16="http://schemas.microsoft.com/office/drawing/2014/main" id="{4809207E-6493-4F94-9BAD-368248FFF7D7}"/>
+              </a:ext>
+            </a:extLst>
+          </p:cNvPr>
+          <p:cNvPicPr>
+            <a:picLocks noChangeAspect="1"/>
+          </p:cNvPicPr>
+          <p:nvPr/>
+        </p:nvPicPr>
+        <p:blipFill>
+          <a:blip r:embed="rId2"/>
+          <a:stretch>
+            <a:fillRect/>
+          </a:stretch>
+        </p:blipFill>
+        <p:spPr>
+          <a:xfrm>
+            <a:off x="1143000" y="1676400"/>
+            <a:ext cx="5867400" cy="4516272"/>
+          </a:xfrm>
+          <a:prstGeom prst="rect">
+            <a:avLst/>
+          </a:prstGeom>
+        </p:spPr>
+      </p:pic>
+      <p:cxnSp>
+        <p:nvCxnSpPr>
+          <p:cNvPr id="10" name="Straight Connector 9">
+            <a:extLst>
+              <a:ext uri="{FF2B5EF4-FFF2-40B4-BE49-F238E27FC236}">
+                <a16:creationId xmlns:a16="http://schemas.microsoft.com/office/drawing/2014/main" id="{26BADAD4-29C5-4D0C-A823-98F3C1254A1A}"/>
+              </a:ext>
+            </a:extLst>
+          </p:cNvPr>
+          <p:cNvCxnSpPr/>
+          <p:nvPr/>
+        </p:nvCxnSpPr>
+        <p:spPr>
+          <a:xfrm>
+            <a:off x="3352800" y="2971800"/>
+            <a:ext cx="2057400" cy="0"/>
+          </a:xfrm>
+          <a:prstGeom prst="line">
+            <a:avLst/>
+          </a:prstGeom>
+          <a:ln w="28575">
+            <a:solidFill>
+              <a:srgbClr val="C00000"/>
+            </a:solidFill>
+            <a:prstDash val="dash"/>
+          </a:ln>
+        </p:spPr>
+        <p:style>
+          <a:lnRef idx="1">
+            <a:schemeClr val="accent1"/>
+          </a:lnRef>
+          <a:fillRef idx="0">
+            <a:schemeClr val="accent1"/>
+          </a:fillRef>
+          <a:effectRef idx="0">
+            <a:schemeClr val="accent1"/>
+          </a:effectRef>
+          <a:fontRef idx="minor">
+            <a:schemeClr val="tx1"/>
+          </a:fontRef>
+        </p:style>
+      </p:cxnSp>
+      <p:sp>
+        <p:nvSpPr>
+          <p:cNvPr id="11" name="Right Brace 10">
+            <a:extLst>
+              <a:ext uri="{FF2B5EF4-FFF2-40B4-BE49-F238E27FC236}">
+                <a16:creationId xmlns:a16="http://schemas.microsoft.com/office/drawing/2014/main" id="{E7878612-A341-427A-8B5E-110BB32EE546}"/>
+              </a:ext>
+            </a:extLst>
+          </p:cNvPr>
+          <p:cNvSpPr/>
+          <p:nvPr/>
+        </p:nvSpPr>
+        <p:spPr>
+          <a:xfrm>
+            <a:off x="5418666" y="2514600"/>
+            <a:ext cx="296333" cy="457199"/>
+          </a:xfrm>
+          <a:prstGeom prst="rightBrace">
+            <a:avLst/>
+          </a:prstGeom>
+          <a:ln w="38100"/>
+        </p:spPr>
+        <p:style>
+          <a:lnRef idx="1">
+            <a:schemeClr val="accent1"/>
+          </a:lnRef>
+          <a:fillRef idx="0">
+            <a:schemeClr val="accent1"/>
+          </a:fillRef>
+          <a:effectRef idx="0">
+            <a:schemeClr val="accent1"/>
+          </a:effectRef>
+          <a:fontRef idx="minor">
+            <a:schemeClr val="tx1"/>
+          </a:fontRef>
+        </p:style>
+        <p:txBody>
+          <a:bodyPr rtlCol="0" anchor="ctr"/>
+          <a:lstStyle/>
+          <a:p>
+            <a:pPr algn="ctr"/>
+            <a:endParaRPr lang="en-US"/>
+          </a:p>
+        </p:txBody>
+      </p:sp>
+      <p:cxnSp>
+        <p:nvCxnSpPr>
+          <p:cNvPr id="13" name="Straight Connector 12">
+            <a:extLst>
+              <a:ext uri="{FF2B5EF4-FFF2-40B4-BE49-F238E27FC236}">
+                <a16:creationId xmlns:a16="http://schemas.microsoft.com/office/drawing/2014/main" id="{3993C699-0793-40A3-A535-787F888BBB4E}"/>
+              </a:ext>
+            </a:extLst>
+          </p:cNvPr>
+          <p:cNvCxnSpPr>
+            <a:cxnSpLocks/>
+          </p:cNvCxnSpPr>
+          <p:nvPr/>
+        </p:nvCxnSpPr>
+        <p:spPr>
+          <a:xfrm flipH="1">
+            <a:off x="3352800" y="2514600"/>
+            <a:ext cx="1917699" cy="0"/>
+          </a:xfrm>
+          <a:prstGeom prst="line">
+            <a:avLst/>
+          </a:prstGeom>
+          <a:ln w="28575">
+            <a:prstDash val="dash"/>
+          </a:ln>
+        </p:spPr>
+        <p:style>
+          <a:lnRef idx="1">
+            <a:schemeClr val="accent1"/>
+          </a:lnRef>
+          <a:fillRef idx="0">
+            <a:schemeClr val="accent1"/>
+          </a:fillRef>
+          <a:effectRef idx="0">
+            <a:schemeClr val="accent1"/>
+          </a:effectRef>
+          <a:fontRef idx="minor">
+            <a:schemeClr val="tx1"/>
+          </a:fontRef>
+        </p:style>
+      </p:cxnSp>
+      <p:sp>
+        <p:nvSpPr>
+          <p:cNvPr id="15" name="Rectangle 14">
+            <a:extLst>
+              <a:ext uri="{FF2B5EF4-FFF2-40B4-BE49-F238E27FC236}">
+                <a16:creationId xmlns:a16="http://schemas.microsoft.com/office/drawing/2014/main" id="{A863D133-C7F8-4BFF-A062-9B30E6982FA3}"/>
+              </a:ext>
+            </a:extLst>
+          </p:cNvPr>
+          <p:cNvSpPr/>
+          <p:nvPr/>
+        </p:nvSpPr>
+        <p:spPr>
+          <a:xfrm>
+            <a:off x="5729825" y="2697019"/>
+            <a:ext cx="2142057" cy="1211232"/>
+          </a:xfrm>
+          <a:prstGeom prst="rect">
+            <a:avLst/>
+          </a:prstGeom>
+          <a:solidFill>
+            <a:schemeClr val="accent4"/>
+          </a:solidFill>
+        </p:spPr>
+        <p:style>
+          <a:lnRef idx="2">
+            <a:schemeClr val="accent1">
+              <a:shade val="50000"/>
+            </a:schemeClr>
+          </a:lnRef>
+          <a:fillRef idx="1">
+            <a:schemeClr val="accent1"/>
+          </a:fillRef>
+          <a:effectRef idx="0">
+            <a:schemeClr val="accent1"/>
+          </a:effectRef>
+          <a:fontRef idx="minor">
+            <a:schemeClr val="lt1"/>
+          </a:fontRef>
+        </p:style>
+        <p:txBody>
+          <a:bodyPr rtlCol="0" anchor="ctr"/>
+          <a:lstStyle/>
+          <a:p>
+            <a:pPr algn="ctr"/>
+            <a:r>
+              <a:rPr lang="en-US" dirty="0"/>
+              <a:t>Gap in institutional ownership persists across bandwidth</a:t>
+            </a:r>
+          </a:p>
+        </p:txBody>
+      </p:sp>
+      <p:cxnSp>
+        <p:nvCxnSpPr>
+          <p:cNvPr id="17" name="Straight Connector 16">
+            <a:extLst>
+              <a:ext uri="{FF2B5EF4-FFF2-40B4-BE49-F238E27FC236}">
+                <a16:creationId xmlns:a16="http://schemas.microsoft.com/office/drawing/2014/main" id="{DB355825-6D25-4D61-A624-26B87DB4BB03}"/>
+              </a:ext>
+            </a:extLst>
+          </p:cNvPr>
+          <p:cNvCxnSpPr>
+            <a:cxnSpLocks/>
+          </p:cNvCxnSpPr>
+          <p:nvPr/>
+        </p:nvCxnSpPr>
+        <p:spPr>
+          <a:xfrm>
+            <a:off x="3200400" y="2220036"/>
+            <a:ext cx="0" cy="3342564"/>
+          </a:xfrm>
+          <a:prstGeom prst="line">
+            <a:avLst/>
+          </a:prstGeom>
+          <a:ln>
+            <a:solidFill>
+              <a:schemeClr val="tx1"/>
+            </a:solidFill>
+            <a:prstDash val="dash"/>
+          </a:ln>
+        </p:spPr>
+        <p:style>
+          <a:lnRef idx="1">
+            <a:schemeClr val="accent1"/>
+          </a:lnRef>
+          <a:fillRef idx="0">
+            <a:schemeClr val="accent1"/>
+          </a:fillRef>
+          <a:effectRef idx="0">
+            <a:schemeClr val="accent1"/>
+          </a:effectRef>
+          <a:fontRef idx="minor">
+            <a:schemeClr val="tx1"/>
+          </a:fontRef>
+        </p:style>
+      </p:cxnSp>
+      <p:cxnSp>
+        <p:nvCxnSpPr>
+          <p:cNvPr id="20" name="Straight Connector 19">
+            <a:extLst>
+              <a:ext uri="{FF2B5EF4-FFF2-40B4-BE49-F238E27FC236}">
+                <a16:creationId xmlns:a16="http://schemas.microsoft.com/office/drawing/2014/main" id="{384DB9B0-2BD8-4930-980F-0374B6E15FB5}"/>
+              </a:ext>
+            </a:extLst>
+          </p:cNvPr>
+          <p:cNvCxnSpPr>
+            <a:cxnSpLocks/>
+          </p:cNvCxnSpPr>
+          <p:nvPr/>
+        </p:nvCxnSpPr>
+        <p:spPr>
+          <a:xfrm>
+            <a:off x="3810000" y="2220036"/>
+            <a:ext cx="0" cy="3429000"/>
+          </a:xfrm>
+          <a:prstGeom prst="line">
+            <a:avLst/>
+          </a:prstGeom>
+          <a:ln>
+            <a:solidFill>
+              <a:schemeClr val="tx1"/>
+            </a:solidFill>
+            <a:prstDash val="dash"/>
+          </a:ln>
+        </p:spPr>
+        <p:style>
+          <a:lnRef idx="1">
+            <a:schemeClr val="accent1"/>
+          </a:lnRef>
+          <a:fillRef idx="0">
+            <a:schemeClr val="accent1"/>
+          </a:fillRef>
+          <a:effectRef idx="0">
+            <a:schemeClr val="accent1"/>
+          </a:effectRef>
+          <a:fontRef idx="minor">
+            <a:schemeClr val="tx1"/>
+          </a:fontRef>
+        </p:style>
+      </p:cxnSp>
+      <p:cxnSp>
+        <p:nvCxnSpPr>
+          <p:cNvPr id="21" name="Straight Connector 20">
+            <a:extLst>
+              <a:ext uri="{FF2B5EF4-FFF2-40B4-BE49-F238E27FC236}">
+                <a16:creationId xmlns:a16="http://schemas.microsoft.com/office/drawing/2014/main" id="{DA02AE97-F657-4332-9702-6430ABD219C2}"/>
+              </a:ext>
+            </a:extLst>
+          </p:cNvPr>
+          <p:cNvCxnSpPr>
+            <a:cxnSpLocks/>
+          </p:cNvCxnSpPr>
+          <p:nvPr/>
+        </p:nvCxnSpPr>
+        <p:spPr>
+          <a:xfrm>
+            <a:off x="4953000" y="2286000"/>
+            <a:ext cx="0" cy="3429000"/>
+          </a:xfrm>
+          <a:prstGeom prst="line">
+            <a:avLst/>
+          </a:prstGeom>
+          <a:ln>
+            <a:solidFill>
+              <a:schemeClr val="tx1"/>
+            </a:solidFill>
+            <a:prstDash val="dash"/>
+          </a:ln>
+        </p:spPr>
+        <p:style>
+          <a:lnRef idx="1">
+            <a:schemeClr val="accent1"/>
+          </a:lnRef>
+          <a:fillRef idx="0">
+            <a:schemeClr val="accent1"/>
+          </a:fillRef>
+          <a:effectRef idx="0">
+            <a:schemeClr val="accent1"/>
+          </a:effectRef>
+          <a:fontRef idx="minor">
+            <a:schemeClr val="tx1"/>
+          </a:fontRef>
+        </p:style>
+      </p:cxnSp>
+      <p:cxnSp>
+        <p:nvCxnSpPr>
+          <p:cNvPr id="22" name="Straight Connector 21">
+            <a:extLst>
+              <a:ext uri="{FF2B5EF4-FFF2-40B4-BE49-F238E27FC236}">
+                <a16:creationId xmlns:a16="http://schemas.microsoft.com/office/drawing/2014/main" id="{DEB6F22C-E342-453B-85DF-4020D5695A1C}"/>
+              </a:ext>
+            </a:extLst>
+          </p:cNvPr>
+          <p:cNvCxnSpPr>
+            <a:cxnSpLocks/>
+          </p:cNvCxnSpPr>
+          <p:nvPr/>
+        </p:nvCxnSpPr>
+        <p:spPr>
+          <a:xfrm>
+            <a:off x="5532965" y="2286000"/>
+            <a:ext cx="0" cy="3429000"/>
+          </a:xfrm>
+          <a:prstGeom prst="line">
+            <a:avLst/>
+          </a:prstGeom>
+          <a:ln>
+            <a:solidFill>
+              <a:schemeClr val="tx1"/>
+            </a:solidFill>
+            <a:prstDash val="dash"/>
+          </a:ln>
+        </p:spPr>
+        <p:style>
+          <a:lnRef idx="1">
+            <a:schemeClr val="accent1"/>
+          </a:lnRef>
+          <a:fillRef idx="0">
+            <a:schemeClr val="accent1"/>
+          </a:fillRef>
+          <a:effectRef idx="0">
+            <a:schemeClr val="accent1"/>
+          </a:effectRef>
+          <a:fontRef idx="minor">
+            <a:schemeClr val="tx1"/>
+          </a:fontRef>
+        </p:style>
+      </p:cxnSp>
+      <p:sp>
+        <p:nvSpPr>
+          <p:cNvPr id="24" name="Right Brace 23">
+            <a:extLst>
+              <a:ext uri="{FF2B5EF4-FFF2-40B4-BE49-F238E27FC236}">
+                <a16:creationId xmlns:a16="http://schemas.microsoft.com/office/drawing/2014/main" id="{A01C4A36-BA23-4497-8EA9-31BD7A1E2122}"/>
+              </a:ext>
+            </a:extLst>
+          </p:cNvPr>
+          <p:cNvSpPr/>
+          <p:nvPr/>
+        </p:nvSpPr>
+        <p:spPr>
+          <a:xfrm rot="16200000">
+            <a:off x="5113780" y="1601584"/>
+            <a:ext cx="288038" cy="618067"/>
+          </a:xfrm>
+          <a:prstGeom prst="rightBrace">
+            <a:avLst>
+              <a:gd name="adj1" fmla="val 8333"/>
+              <a:gd name="adj2" fmla="val 53025"/>
+            </a:avLst>
+          </a:prstGeom>
+          <a:ln w="28575"/>
+        </p:spPr>
+        <p:style>
+          <a:lnRef idx="1">
+            <a:schemeClr val="accent1"/>
+          </a:lnRef>
+          <a:fillRef idx="0">
+            <a:schemeClr val="accent1"/>
+          </a:fillRef>
+          <a:effectRef idx="0">
+            <a:schemeClr val="accent1"/>
+          </a:effectRef>
+          <a:fontRef idx="minor">
+            <a:schemeClr val="tx1"/>
+          </a:fontRef>
+        </p:style>
+        <p:txBody>
+          <a:bodyPr rtlCol="0" anchor="ctr"/>
+          <a:lstStyle/>
+          <a:p>
+            <a:pPr algn="ctr"/>
+            <a:endParaRPr lang="en-US"/>
+          </a:p>
+        </p:txBody>
+      </p:sp>
+      <p:sp>
+        <p:nvSpPr>
+          <p:cNvPr id="25" name="Right Brace 24">
+            <a:extLst>
+              <a:ext uri="{FF2B5EF4-FFF2-40B4-BE49-F238E27FC236}">
+                <a16:creationId xmlns:a16="http://schemas.microsoft.com/office/drawing/2014/main" id="{52034746-07E6-488F-8F13-A3E67605B950}"/>
+              </a:ext>
+            </a:extLst>
+          </p:cNvPr>
+          <p:cNvSpPr/>
+          <p:nvPr/>
+        </p:nvSpPr>
+        <p:spPr>
+          <a:xfrm rot="16200000">
+            <a:off x="3361178" y="1601584"/>
+            <a:ext cx="288038" cy="618067"/>
+          </a:xfrm>
+          <a:prstGeom prst="rightBrace">
+            <a:avLst>
+              <a:gd name="adj1" fmla="val 8333"/>
+              <a:gd name="adj2" fmla="val 53025"/>
+            </a:avLst>
+          </a:prstGeom>
+          <a:ln w="28575"/>
+        </p:spPr>
+        <p:style>
+          <a:lnRef idx="1">
+            <a:schemeClr val="accent1"/>
+          </a:lnRef>
+          <a:fillRef idx="0">
+            <a:schemeClr val="accent1"/>
+          </a:fillRef>
+          <a:effectRef idx="0">
+            <a:schemeClr val="accent1"/>
+          </a:effectRef>
+          <a:fontRef idx="minor">
+            <a:schemeClr val="tx1"/>
+          </a:fontRef>
+        </p:style>
+        <p:txBody>
+          <a:bodyPr rtlCol="0" anchor="ctr"/>
+          <a:lstStyle/>
+          <a:p>
+            <a:pPr algn="ctr"/>
+            <a:endParaRPr lang="en-US"/>
+          </a:p>
+        </p:txBody>
+      </p:sp>
+      <p:sp>
+        <p:nvSpPr>
+          <p:cNvPr id="26" name="Rectangle 25">
+            <a:extLst>
+              <a:ext uri="{FF2B5EF4-FFF2-40B4-BE49-F238E27FC236}">
+                <a16:creationId xmlns:a16="http://schemas.microsoft.com/office/drawing/2014/main" id="{D757FD19-8DC8-49AC-BCFF-02C5A34CCAF2}"/>
+              </a:ext>
+            </a:extLst>
+          </p:cNvPr>
+          <p:cNvSpPr/>
+          <p:nvPr/>
+        </p:nvSpPr>
+        <p:spPr>
+          <a:xfrm>
+            <a:off x="2770717" y="1367573"/>
+            <a:ext cx="1540932" cy="332663"/>
+          </a:xfrm>
+          <a:prstGeom prst="rect">
+            <a:avLst/>
+          </a:prstGeom>
+          <a:solidFill>
+            <a:schemeClr val="accent4"/>
+          </a:solidFill>
+        </p:spPr>
+        <p:style>
+          <a:lnRef idx="2">
+            <a:schemeClr val="accent1">
+              <a:shade val="50000"/>
+            </a:schemeClr>
+          </a:lnRef>
+          <a:fillRef idx="1">
+            <a:schemeClr val="accent1"/>
+          </a:fillRef>
+          <a:effectRef idx="0">
+            <a:schemeClr val="accent1"/>
+          </a:effectRef>
+          <a:fontRef idx="minor">
+            <a:schemeClr val="lt1"/>
+          </a:fontRef>
+        </p:style>
+        <p:txBody>
+          <a:bodyPr rtlCol="0" anchor="ctr"/>
+          <a:lstStyle/>
+          <a:p>
+            <a:pPr algn="ctr"/>
+            <a:r>
+              <a:rPr lang="en-US" dirty="0"/>
+              <a:t>-100 to 50</a:t>
+            </a:r>
+          </a:p>
+        </p:txBody>
+      </p:sp>
+      <p:sp>
+        <p:nvSpPr>
+          <p:cNvPr id="27" name="Rectangle 26">
+            <a:extLst>
+              <a:ext uri="{FF2B5EF4-FFF2-40B4-BE49-F238E27FC236}">
+                <a16:creationId xmlns:a16="http://schemas.microsoft.com/office/drawing/2014/main" id="{E6069049-72CF-4C6B-A9FF-65BCD7BF7C35}"/>
+              </a:ext>
+            </a:extLst>
+          </p:cNvPr>
+          <p:cNvSpPr/>
+          <p:nvPr/>
+        </p:nvSpPr>
+        <p:spPr>
+          <a:xfrm>
+            <a:off x="4572000" y="1367573"/>
+            <a:ext cx="1540932" cy="332663"/>
+          </a:xfrm>
+          <a:prstGeom prst="rect">
+            <a:avLst/>
+          </a:prstGeom>
+          <a:solidFill>
+            <a:schemeClr val="accent4"/>
+          </a:solidFill>
+        </p:spPr>
+        <p:style>
+          <a:lnRef idx="2">
+            <a:schemeClr val="accent1">
+              <a:shade val="50000"/>
+            </a:schemeClr>
+          </a:lnRef>
+          <a:fillRef idx="1">
+            <a:schemeClr val="accent1"/>
+          </a:fillRef>
+          <a:effectRef idx="0">
+            <a:schemeClr val="accent1"/>
+          </a:effectRef>
+          <a:fontRef idx="minor">
+            <a:schemeClr val="lt1"/>
+          </a:fontRef>
+        </p:style>
+        <p:txBody>
+          <a:bodyPr rtlCol="0" anchor="ctr"/>
+          <a:lstStyle/>
+          <a:p>
+            <a:pPr algn="ctr"/>
+            <a:r>
+              <a:rPr lang="en-US" dirty="0"/>
+              <a:t>50 to 100</a:t>
+            </a:r>
+          </a:p>
+        </p:txBody>
+      </p:sp>
+    </p:spTree>
+    <p:extLst>
+      <p:ext uri="{BB962C8B-B14F-4D97-AF65-F5344CB8AC3E}">
+        <p14:creationId xmlns:p14="http://schemas.microsoft.com/office/powerpoint/2010/main" val="2160781020"/>
+      </p:ext>
+    </p:extLst>
+  </p:cSld>
+  <p:clrMapOvr>
+    <a:masterClrMapping/>
+  </p:clrMapOvr>
+</p:sld>
+</file>
+
+<file path=ppt/slides/slide35.xml><?xml version="1.0" encoding="utf-8"?>
+<p:sld xmlns:a="http://schemas.openxmlformats.org/drawingml/2006/main" xmlns:r="http://schemas.openxmlformats.org/officeDocument/2006/relationships" xmlns:p="http://schemas.openxmlformats.org/presentationml/2006/main">
+  <p:cSld>
+    <p:spTree>
+      <p:nvGrpSpPr>
+        <p:cNvPr id="1" name=""/>
+        <p:cNvGrpSpPr/>
+        <p:nvPr/>
+      </p:nvGrpSpPr>
+      <p:grpSpPr>
+        <a:xfrm>
+          <a:off x="0" y="0"/>
+          <a:ext cx="0" cy="0"/>
+          <a:chOff x="0" y="0"/>
+          <a:chExt cx="0" cy="0"/>
+        </a:xfrm>
+      </p:grpSpPr>
+      <p:sp>
+        <p:nvSpPr>
+          <p:cNvPr id="2" name="Title 1">
+            <a:extLst>
+              <a:ext uri="{FF2B5EF4-FFF2-40B4-BE49-F238E27FC236}">
                 <a16:creationId xmlns:a16="http://schemas.microsoft.com/office/drawing/2014/main" id="{995B61D3-FF46-404B-909B-F273ACA9E6F4}"/>
               </a:ext>
             </a:extLst>
@@ -17414,7 +19612,7 @@
 </p:sld>
 </file>
 
-<file path=ppt/slides/slide33.xml><?xml version="1.0" encoding="utf-8"?>
+<file path=ppt/slides/slide36.xml><?xml version="1.0" encoding="utf-8"?>
 <p:sld xmlns:a="http://schemas.openxmlformats.org/drawingml/2006/main" xmlns:r="http://schemas.openxmlformats.org/officeDocument/2006/relationships" xmlns:p="http://schemas.openxmlformats.org/presentationml/2006/main">
   <p:cSld>
     <p:spTree>
@@ -18109,7 +20307,7 @@
 </p:sld>
 </file>
 
-<file path=ppt/slides/slide34.xml><?xml version="1.0" encoding="utf-8"?>
+<file path=ppt/slides/slide37.xml><?xml version="1.0" encoding="utf-8"?>
 <p:sld xmlns:a="http://schemas.openxmlformats.org/drawingml/2006/main" xmlns:r="http://schemas.openxmlformats.org/officeDocument/2006/relationships" xmlns:p="http://schemas.openxmlformats.org/presentationml/2006/main">
   <p:cSld>
     <p:spTree>
@@ -18804,7 +21002,7 @@
 </p:sld>
 </file>
 
-<file path=ppt/slides/slide35.xml><?xml version="1.0" encoding="utf-8"?>
+<file path=ppt/slides/slide38.xml><?xml version="1.0" encoding="utf-8"?>
 <p:sld xmlns:a="http://schemas.openxmlformats.org/drawingml/2006/main" xmlns:r="http://schemas.openxmlformats.org/officeDocument/2006/relationships" xmlns:p="http://schemas.openxmlformats.org/presentationml/2006/main">
   <p:cSld>
     <p:spTree>
@@ -19504,7 +21702,7 @@
 </p:sld>
 </file>
 
-<file path=ppt/slides/slide36.xml><?xml version="1.0" encoding="utf-8"?>
+<file path=ppt/slides/slide39.xml><?xml version="1.0" encoding="utf-8"?>
 <p:sld xmlns:a="http://schemas.openxmlformats.org/drawingml/2006/main" xmlns:r="http://schemas.openxmlformats.org/officeDocument/2006/relationships" xmlns:p="http://schemas.openxmlformats.org/presentationml/2006/main">
   <p:cSld>
     <p:spTree>
@@ -19578,314 +21776,6 @@
     <p:extLst>
       <p:ext uri="{BB962C8B-B14F-4D97-AF65-F5344CB8AC3E}">
         <p14:creationId xmlns:p14="http://schemas.microsoft.com/office/powerpoint/2010/main" val="185804083"/>
-      </p:ext>
-    </p:extLst>
-  </p:cSld>
-  <p:clrMapOvr>
-    <a:masterClrMapping/>
-  </p:clrMapOvr>
-</p:sld>
-</file>
-
-<file path=ppt/slides/slide37.xml><?xml version="1.0" encoding="utf-8"?>
-<p:sld xmlns:a="http://schemas.openxmlformats.org/drawingml/2006/main" xmlns:r="http://schemas.openxmlformats.org/officeDocument/2006/relationships" xmlns:p="http://schemas.openxmlformats.org/presentationml/2006/main">
-  <p:cSld>
-    <p:spTree>
-      <p:nvGrpSpPr>
-        <p:cNvPr id="1" name=""/>
-        <p:cNvGrpSpPr/>
-        <p:nvPr/>
-      </p:nvGrpSpPr>
-      <p:grpSpPr>
-        <a:xfrm>
-          <a:off x="0" y="0"/>
-          <a:ext cx="0" cy="0"/>
-          <a:chOff x="0" y="0"/>
-          <a:chExt cx="0" cy="0"/>
-        </a:xfrm>
-      </p:grpSpPr>
-      <p:sp>
-        <p:nvSpPr>
-          <p:cNvPr id="4" name="Title 3">
-            <a:extLst>
-              <a:ext uri="{FF2B5EF4-FFF2-40B4-BE49-F238E27FC236}">
-                <a16:creationId xmlns:a16="http://schemas.microsoft.com/office/drawing/2014/main" id="{DD143994-1ABB-42E4-A6EA-854A1A3A0A0C}"/>
-              </a:ext>
-            </a:extLst>
-          </p:cNvPr>
-          <p:cNvSpPr>
-            <a:spLocks noGrp="1"/>
-          </p:cNvSpPr>
-          <p:nvPr>
-            <p:ph type="title"/>
-          </p:nvPr>
-        </p:nvSpPr>
-        <p:spPr/>
-        <p:txBody>
-          <a:bodyPr/>
-          <a:lstStyle/>
-          <a:p>
-            <a:r>
-              <a:rPr lang="en-US" dirty="0"/>
-              <a:t>Conclusion</a:t>
-            </a:r>
-          </a:p>
-        </p:txBody>
-      </p:sp>
-      <p:sp>
-        <p:nvSpPr>
-          <p:cNvPr id="5" name="Rectangle 4">
-            <a:extLst>
-              <a:ext uri="{FF2B5EF4-FFF2-40B4-BE49-F238E27FC236}">
-                <a16:creationId xmlns:a16="http://schemas.microsoft.com/office/drawing/2014/main" id="{90C8C1E6-DC12-4EB5-B516-180A1C5F78EB}"/>
-              </a:ext>
-            </a:extLst>
-          </p:cNvPr>
-          <p:cNvSpPr/>
-          <p:nvPr/>
-        </p:nvSpPr>
-        <p:spPr>
-          <a:xfrm>
-            <a:off x="1008380" y="2057400"/>
-            <a:ext cx="1981200" cy="762000"/>
-          </a:xfrm>
-          <a:prstGeom prst="rect">
-            <a:avLst/>
-          </a:prstGeom>
-        </p:spPr>
-        <p:style>
-          <a:lnRef idx="2">
-            <a:schemeClr val="accent1">
-              <a:shade val="50000"/>
-            </a:schemeClr>
-          </a:lnRef>
-          <a:fillRef idx="1">
-            <a:schemeClr val="accent1"/>
-          </a:fillRef>
-          <a:effectRef idx="0">
-            <a:schemeClr val="accent1"/>
-          </a:effectRef>
-          <a:fontRef idx="minor">
-            <a:schemeClr val="lt1"/>
-          </a:fontRef>
-        </p:style>
-        <p:txBody>
-          <a:bodyPr rtlCol="0" anchor="ctr"/>
-          <a:lstStyle/>
-          <a:p>
-            <a:pPr algn="ctr"/>
-            <a:r>
-              <a:rPr lang="en-US" dirty="0"/>
-              <a:t>Russell 1000 Inclusion</a:t>
-            </a:r>
-          </a:p>
-        </p:txBody>
-      </p:sp>
-      <p:sp>
-        <p:nvSpPr>
-          <p:cNvPr id="7" name="Rectangle 6">
-            <a:extLst>
-              <a:ext uri="{FF2B5EF4-FFF2-40B4-BE49-F238E27FC236}">
-                <a16:creationId xmlns:a16="http://schemas.microsoft.com/office/drawing/2014/main" id="{CDCAC477-F19D-44D2-A725-DD9026E2D306}"/>
-              </a:ext>
-            </a:extLst>
-          </p:cNvPr>
-          <p:cNvSpPr/>
-          <p:nvPr/>
-        </p:nvSpPr>
-        <p:spPr>
-          <a:xfrm>
-            <a:off x="5732780" y="2057400"/>
-            <a:ext cx="1981200" cy="762000"/>
-          </a:xfrm>
-          <a:prstGeom prst="rect">
-            <a:avLst/>
-          </a:prstGeom>
-        </p:spPr>
-        <p:style>
-          <a:lnRef idx="2">
-            <a:schemeClr val="accent1">
-              <a:shade val="50000"/>
-            </a:schemeClr>
-          </a:lnRef>
-          <a:fillRef idx="1">
-            <a:schemeClr val="accent1"/>
-          </a:fillRef>
-          <a:effectRef idx="0">
-            <a:schemeClr val="accent1"/>
-          </a:effectRef>
-          <a:fontRef idx="minor">
-            <a:schemeClr val="lt1"/>
-          </a:fontRef>
-        </p:style>
-        <p:txBody>
-          <a:bodyPr rtlCol="0" anchor="ctr"/>
-          <a:lstStyle/>
-          <a:p>
-            <a:pPr algn="ctr"/>
-            <a:r>
-              <a:rPr lang="en-US" dirty="0"/>
-              <a:t>Trading Environment</a:t>
-            </a:r>
-          </a:p>
-        </p:txBody>
-      </p:sp>
-      <p:cxnSp>
-        <p:nvCxnSpPr>
-          <p:cNvPr id="8" name="Straight Arrow Connector 7">
-            <a:extLst>
-              <a:ext uri="{FF2B5EF4-FFF2-40B4-BE49-F238E27FC236}">
-                <a16:creationId xmlns:a16="http://schemas.microsoft.com/office/drawing/2014/main" id="{5BAA7177-0433-4270-857D-B5ED6F7CBE74}"/>
-              </a:ext>
-            </a:extLst>
-          </p:cNvPr>
-          <p:cNvCxnSpPr>
-            <a:stCxn id="5" idx="3"/>
-            <a:endCxn id="7" idx="1"/>
-          </p:cNvCxnSpPr>
-          <p:nvPr/>
-        </p:nvCxnSpPr>
-        <p:spPr>
-          <a:xfrm>
-            <a:off x="2989580" y="2438400"/>
-            <a:ext cx="2743200" cy="0"/>
-          </a:xfrm>
-          <a:prstGeom prst="straightConnector1">
-            <a:avLst/>
-          </a:prstGeom>
-          <a:ln>
-            <a:tailEnd type="triangle"/>
-          </a:ln>
-        </p:spPr>
-        <p:style>
-          <a:lnRef idx="1">
-            <a:schemeClr val="accent1"/>
-          </a:lnRef>
-          <a:fillRef idx="0">
-            <a:schemeClr val="accent1"/>
-          </a:fillRef>
-          <a:effectRef idx="0">
-            <a:schemeClr val="accent1"/>
-          </a:effectRef>
-          <a:fontRef idx="minor">
-            <a:schemeClr val="tx1"/>
-          </a:fontRef>
-        </p:style>
-      </p:cxnSp>
-      <p:sp>
-        <p:nvSpPr>
-          <p:cNvPr id="10" name="TextBox 9">
-            <a:extLst>
-              <a:ext uri="{FF2B5EF4-FFF2-40B4-BE49-F238E27FC236}">
-                <a16:creationId xmlns:a16="http://schemas.microsoft.com/office/drawing/2014/main" id="{82556DF2-4296-4BB4-AEA7-D54177F42763}"/>
-              </a:ext>
-            </a:extLst>
-          </p:cNvPr>
-          <p:cNvSpPr txBox="1"/>
-          <p:nvPr/>
-        </p:nvSpPr>
-        <p:spPr>
-          <a:xfrm>
-            <a:off x="655320" y="3581400"/>
-            <a:ext cx="6858000" cy="1754326"/>
-          </a:xfrm>
-          <a:prstGeom prst="rect">
-            <a:avLst/>
-          </a:prstGeom>
-          <a:noFill/>
-        </p:spPr>
-        <p:txBody>
-          <a:bodyPr wrap="square" rtlCol="0">
-            <a:spAutoFit/>
-          </a:bodyPr>
-          <a:lstStyle/>
-          <a:p>
-            <a:r>
-              <a:rPr lang="en-US" b="1" dirty="0"/>
-              <a:t>Motivation: </a:t>
-            </a:r>
-            <a:r>
-              <a:rPr lang="en-US" dirty="0"/>
-              <a:t>Without this initial connection between inclusion and the trading environment, the entire causal chain would break down.</a:t>
-            </a:r>
-          </a:p>
-          <a:p>
-            <a:endParaRPr lang="en-US" dirty="0"/>
-          </a:p>
-          <a:p>
-            <a:r>
-              <a:rPr lang="en-US" b="1" dirty="0"/>
-              <a:t>Results: </a:t>
-            </a:r>
-            <a:r>
-              <a:rPr lang="en-US" dirty="0"/>
-              <a:t>Perturbing the running variable or the bandwidth parameters causes some statistically significant effects of Russell 1000 inclusion on the trading environment to disappear.</a:t>
-            </a:r>
-          </a:p>
-        </p:txBody>
-      </p:sp>
-    </p:spTree>
-    <p:extLst>
-      <p:ext uri="{BB962C8B-B14F-4D97-AF65-F5344CB8AC3E}">
-        <p14:creationId xmlns:p14="http://schemas.microsoft.com/office/powerpoint/2010/main" val="2732762004"/>
-      </p:ext>
-    </p:extLst>
-  </p:cSld>
-  <p:clrMapOvr>
-    <a:masterClrMapping/>
-  </p:clrMapOvr>
-</p:sld>
-</file>
-
-<file path=ppt/slides/slide38.xml><?xml version="1.0" encoding="utf-8"?>
-<p:sld xmlns:a="http://schemas.openxmlformats.org/drawingml/2006/main" xmlns:r="http://schemas.openxmlformats.org/officeDocument/2006/relationships" xmlns:p="http://schemas.openxmlformats.org/presentationml/2006/main">
-  <p:cSld>
-    <p:spTree>
-      <p:nvGrpSpPr>
-        <p:cNvPr id="1" name=""/>
-        <p:cNvGrpSpPr/>
-        <p:nvPr/>
-      </p:nvGrpSpPr>
-      <p:grpSpPr>
-        <a:xfrm>
-          <a:off x="0" y="0"/>
-          <a:ext cx="0" cy="0"/>
-          <a:chOff x="0" y="0"/>
-          <a:chExt cx="0" cy="0"/>
-        </a:xfrm>
-      </p:grpSpPr>
-      <p:sp>
-        <p:nvSpPr>
-          <p:cNvPr id="2" name="Title 1">
-            <a:extLst>
-              <a:ext uri="{FF2B5EF4-FFF2-40B4-BE49-F238E27FC236}">
-                <a16:creationId xmlns:a16="http://schemas.microsoft.com/office/drawing/2014/main" id="{61434CD5-B8FE-413F-AF5B-C7499C9F86AC}"/>
-              </a:ext>
-            </a:extLst>
-          </p:cNvPr>
-          <p:cNvSpPr>
-            <a:spLocks noGrp="1"/>
-          </p:cNvSpPr>
-          <p:nvPr>
-            <p:ph type="title"/>
-          </p:nvPr>
-        </p:nvSpPr>
-        <p:spPr/>
-        <p:txBody>
-          <a:bodyPr/>
-          <a:lstStyle/>
-          <a:p>
-            <a:r>
-              <a:rPr lang="en-US" dirty="0"/>
-              <a:t>Thank you</a:t>
-            </a:r>
-          </a:p>
-        </p:txBody>
-      </p:sp>
-    </p:spTree>
-    <p:extLst>
-      <p:ext uri="{BB962C8B-B14F-4D97-AF65-F5344CB8AC3E}">
-        <p14:creationId xmlns:p14="http://schemas.microsoft.com/office/powerpoint/2010/main" val="1447043028"/>
       </p:ext>
     </p:extLst>
   </p:cSld>
@@ -20505,6 +22395,314 @@
     <p:extLst>
       <p:ext uri="{BB962C8B-B14F-4D97-AF65-F5344CB8AC3E}">
         <p14:creationId xmlns:p14="http://schemas.microsoft.com/office/powerpoint/2010/main" val="1592407155"/>
+      </p:ext>
+    </p:extLst>
+  </p:cSld>
+  <p:clrMapOvr>
+    <a:masterClrMapping/>
+  </p:clrMapOvr>
+</p:sld>
+</file>
+
+<file path=ppt/slides/slide40.xml><?xml version="1.0" encoding="utf-8"?>
+<p:sld xmlns:a="http://schemas.openxmlformats.org/drawingml/2006/main" xmlns:r="http://schemas.openxmlformats.org/officeDocument/2006/relationships" xmlns:p="http://schemas.openxmlformats.org/presentationml/2006/main">
+  <p:cSld>
+    <p:spTree>
+      <p:nvGrpSpPr>
+        <p:cNvPr id="1" name=""/>
+        <p:cNvGrpSpPr/>
+        <p:nvPr/>
+      </p:nvGrpSpPr>
+      <p:grpSpPr>
+        <a:xfrm>
+          <a:off x="0" y="0"/>
+          <a:ext cx="0" cy="0"/>
+          <a:chOff x="0" y="0"/>
+          <a:chExt cx="0" cy="0"/>
+        </a:xfrm>
+      </p:grpSpPr>
+      <p:sp>
+        <p:nvSpPr>
+          <p:cNvPr id="4" name="Title 3">
+            <a:extLst>
+              <a:ext uri="{FF2B5EF4-FFF2-40B4-BE49-F238E27FC236}">
+                <a16:creationId xmlns:a16="http://schemas.microsoft.com/office/drawing/2014/main" id="{DD143994-1ABB-42E4-A6EA-854A1A3A0A0C}"/>
+              </a:ext>
+            </a:extLst>
+          </p:cNvPr>
+          <p:cNvSpPr>
+            <a:spLocks noGrp="1"/>
+          </p:cNvSpPr>
+          <p:nvPr>
+            <p:ph type="title"/>
+          </p:nvPr>
+        </p:nvSpPr>
+        <p:spPr/>
+        <p:txBody>
+          <a:bodyPr/>
+          <a:lstStyle/>
+          <a:p>
+            <a:r>
+              <a:rPr lang="en-US" dirty="0"/>
+              <a:t>Conclusion</a:t>
+            </a:r>
+          </a:p>
+        </p:txBody>
+      </p:sp>
+      <p:sp>
+        <p:nvSpPr>
+          <p:cNvPr id="5" name="Rectangle 4">
+            <a:extLst>
+              <a:ext uri="{FF2B5EF4-FFF2-40B4-BE49-F238E27FC236}">
+                <a16:creationId xmlns:a16="http://schemas.microsoft.com/office/drawing/2014/main" id="{90C8C1E6-DC12-4EB5-B516-180A1C5F78EB}"/>
+              </a:ext>
+            </a:extLst>
+          </p:cNvPr>
+          <p:cNvSpPr/>
+          <p:nvPr/>
+        </p:nvSpPr>
+        <p:spPr>
+          <a:xfrm>
+            <a:off x="1008380" y="2057400"/>
+            <a:ext cx="1981200" cy="762000"/>
+          </a:xfrm>
+          <a:prstGeom prst="rect">
+            <a:avLst/>
+          </a:prstGeom>
+        </p:spPr>
+        <p:style>
+          <a:lnRef idx="2">
+            <a:schemeClr val="accent1">
+              <a:shade val="50000"/>
+            </a:schemeClr>
+          </a:lnRef>
+          <a:fillRef idx="1">
+            <a:schemeClr val="accent1"/>
+          </a:fillRef>
+          <a:effectRef idx="0">
+            <a:schemeClr val="accent1"/>
+          </a:effectRef>
+          <a:fontRef idx="minor">
+            <a:schemeClr val="lt1"/>
+          </a:fontRef>
+        </p:style>
+        <p:txBody>
+          <a:bodyPr rtlCol="0" anchor="ctr"/>
+          <a:lstStyle/>
+          <a:p>
+            <a:pPr algn="ctr"/>
+            <a:r>
+              <a:rPr lang="en-US" dirty="0"/>
+              <a:t>Russell 1000 Inclusion</a:t>
+            </a:r>
+          </a:p>
+        </p:txBody>
+      </p:sp>
+      <p:sp>
+        <p:nvSpPr>
+          <p:cNvPr id="7" name="Rectangle 6">
+            <a:extLst>
+              <a:ext uri="{FF2B5EF4-FFF2-40B4-BE49-F238E27FC236}">
+                <a16:creationId xmlns:a16="http://schemas.microsoft.com/office/drawing/2014/main" id="{CDCAC477-F19D-44D2-A725-DD9026E2D306}"/>
+              </a:ext>
+            </a:extLst>
+          </p:cNvPr>
+          <p:cNvSpPr/>
+          <p:nvPr/>
+        </p:nvSpPr>
+        <p:spPr>
+          <a:xfrm>
+            <a:off x="5732780" y="2057400"/>
+            <a:ext cx="1981200" cy="762000"/>
+          </a:xfrm>
+          <a:prstGeom prst="rect">
+            <a:avLst/>
+          </a:prstGeom>
+        </p:spPr>
+        <p:style>
+          <a:lnRef idx="2">
+            <a:schemeClr val="accent1">
+              <a:shade val="50000"/>
+            </a:schemeClr>
+          </a:lnRef>
+          <a:fillRef idx="1">
+            <a:schemeClr val="accent1"/>
+          </a:fillRef>
+          <a:effectRef idx="0">
+            <a:schemeClr val="accent1"/>
+          </a:effectRef>
+          <a:fontRef idx="minor">
+            <a:schemeClr val="lt1"/>
+          </a:fontRef>
+        </p:style>
+        <p:txBody>
+          <a:bodyPr rtlCol="0" anchor="ctr"/>
+          <a:lstStyle/>
+          <a:p>
+            <a:pPr algn="ctr"/>
+            <a:r>
+              <a:rPr lang="en-US" dirty="0"/>
+              <a:t>Trading Environment</a:t>
+            </a:r>
+          </a:p>
+        </p:txBody>
+      </p:sp>
+      <p:cxnSp>
+        <p:nvCxnSpPr>
+          <p:cNvPr id="8" name="Straight Arrow Connector 7">
+            <a:extLst>
+              <a:ext uri="{FF2B5EF4-FFF2-40B4-BE49-F238E27FC236}">
+                <a16:creationId xmlns:a16="http://schemas.microsoft.com/office/drawing/2014/main" id="{5BAA7177-0433-4270-857D-B5ED6F7CBE74}"/>
+              </a:ext>
+            </a:extLst>
+          </p:cNvPr>
+          <p:cNvCxnSpPr>
+            <a:stCxn id="5" idx="3"/>
+            <a:endCxn id="7" idx="1"/>
+          </p:cNvCxnSpPr>
+          <p:nvPr/>
+        </p:nvCxnSpPr>
+        <p:spPr>
+          <a:xfrm>
+            <a:off x="2989580" y="2438400"/>
+            <a:ext cx="2743200" cy="0"/>
+          </a:xfrm>
+          <a:prstGeom prst="straightConnector1">
+            <a:avLst/>
+          </a:prstGeom>
+          <a:ln>
+            <a:tailEnd type="triangle"/>
+          </a:ln>
+        </p:spPr>
+        <p:style>
+          <a:lnRef idx="1">
+            <a:schemeClr val="accent1"/>
+          </a:lnRef>
+          <a:fillRef idx="0">
+            <a:schemeClr val="accent1"/>
+          </a:fillRef>
+          <a:effectRef idx="0">
+            <a:schemeClr val="accent1"/>
+          </a:effectRef>
+          <a:fontRef idx="minor">
+            <a:schemeClr val="tx1"/>
+          </a:fontRef>
+        </p:style>
+      </p:cxnSp>
+      <p:sp>
+        <p:nvSpPr>
+          <p:cNvPr id="10" name="TextBox 9">
+            <a:extLst>
+              <a:ext uri="{FF2B5EF4-FFF2-40B4-BE49-F238E27FC236}">
+                <a16:creationId xmlns:a16="http://schemas.microsoft.com/office/drawing/2014/main" id="{82556DF2-4296-4BB4-AEA7-D54177F42763}"/>
+              </a:ext>
+            </a:extLst>
+          </p:cNvPr>
+          <p:cNvSpPr txBox="1"/>
+          <p:nvPr/>
+        </p:nvSpPr>
+        <p:spPr>
+          <a:xfrm>
+            <a:off x="655320" y="3581400"/>
+            <a:ext cx="6858000" cy="1754326"/>
+          </a:xfrm>
+          <a:prstGeom prst="rect">
+            <a:avLst/>
+          </a:prstGeom>
+          <a:noFill/>
+        </p:spPr>
+        <p:txBody>
+          <a:bodyPr wrap="square" rtlCol="0">
+            <a:spAutoFit/>
+          </a:bodyPr>
+          <a:lstStyle/>
+          <a:p>
+            <a:r>
+              <a:rPr lang="en-US" b="1" dirty="0"/>
+              <a:t>Motivation: </a:t>
+            </a:r>
+            <a:r>
+              <a:rPr lang="en-US" dirty="0"/>
+              <a:t>Without this initial connection between inclusion and the trading environment, the entire causal chain would break down.</a:t>
+            </a:r>
+          </a:p>
+          <a:p>
+            <a:endParaRPr lang="en-US" dirty="0"/>
+          </a:p>
+          <a:p>
+            <a:r>
+              <a:rPr lang="en-US" b="1" dirty="0"/>
+              <a:t>Results: </a:t>
+            </a:r>
+            <a:r>
+              <a:rPr lang="en-US" dirty="0"/>
+              <a:t>Perturbing the running variable or the bandwidth parameters causes some statistically significant effects of Russell 1000 inclusion on the trading environment to disappear.</a:t>
+            </a:r>
+          </a:p>
+        </p:txBody>
+      </p:sp>
+    </p:spTree>
+    <p:extLst>
+      <p:ext uri="{BB962C8B-B14F-4D97-AF65-F5344CB8AC3E}">
+        <p14:creationId xmlns:p14="http://schemas.microsoft.com/office/powerpoint/2010/main" val="2732762004"/>
+      </p:ext>
+    </p:extLst>
+  </p:cSld>
+  <p:clrMapOvr>
+    <a:masterClrMapping/>
+  </p:clrMapOvr>
+</p:sld>
+</file>
+
+<file path=ppt/slides/slide41.xml><?xml version="1.0" encoding="utf-8"?>
+<p:sld xmlns:a="http://schemas.openxmlformats.org/drawingml/2006/main" xmlns:r="http://schemas.openxmlformats.org/officeDocument/2006/relationships" xmlns:p="http://schemas.openxmlformats.org/presentationml/2006/main">
+  <p:cSld>
+    <p:spTree>
+      <p:nvGrpSpPr>
+        <p:cNvPr id="1" name=""/>
+        <p:cNvGrpSpPr/>
+        <p:nvPr/>
+      </p:nvGrpSpPr>
+      <p:grpSpPr>
+        <a:xfrm>
+          <a:off x="0" y="0"/>
+          <a:ext cx="0" cy="0"/>
+          <a:chOff x="0" y="0"/>
+          <a:chExt cx="0" cy="0"/>
+        </a:xfrm>
+      </p:grpSpPr>
+      <p:sp>
+        <p:nvSpPr>
+          <p:cNvPr id="2" name="Title 1">
+            <a:extLst>
+              <a:ext uri="{FF2B5EF4-FFF2-40B4-BE49-F238E27FC236}">
+                <a16:creationId xmlns:a16="http://schemas.microsoft.com/office/drawing/2014/main" id="{61434CD5-B8FE-413F-AF5B-C7499C9F86AC}"/>
+              </a:ext>
+            </a:extLst>
+          </p:cNvPr>
+          <p:cNvSpPr>
+            <a:spLocks noGrp="1"/>
+          </p:cNvSpPr>
+          <p:nvPr>
+            <p:ph type="title"/>
+          </p:nvPr>
+        </p:nvSpPr>
+        <p:spPr/>
+        <p:txBody>
+          <a:bodyPr/>
+          <a:lstStyle/>
+          <a:p>
+            <a:r>
+              <a:rPr lang="en-US" dirty="0"/>
+              <a:t>Thank you</a:t>
+            </a:r>
+          </a:p>
+        </p:txBody>
+      </p:sp>
+    </p:spTree>
+    <p:extLst>
+      <p:ext uri="{BB962C8B-B14F-4D97-AF65-F5344CB8AC3E}">
+        <p14:creationId xmlns:p14="http://schemas.microsoft.com/office/powerpoint/2010/main" val="1447043028"/>
       </p:ext>
     </p:extLst>
   </p:cSld>
@@ -21697,7 +23895,10 @@
             <a:avLst/>
           </a:prstGeom>
           <a:solidFill>
-            <a:schemeClr val="accent6"/>
+            <a:schemeClr val="accent3">
+              <a:lumMod val="60000"/>
+              <a:lumOff val="40000"/>
+            </a:schemeClr>
           </a:solidFill>
           <a:ln>
             <a:solidFill>
